--- a/11차SQL_hyeongmin.pptx
+++ b/11차SQL_hyeongmin.pptx
@@ -25173,7 +25173,25 @@
             </a:r>
             <a:r>
               <a:rPr lang="en-US" altLang="ko-KR" sz="1500" b="1" dirty="0" err="1"/>
-              <a:t>+</a:t>
+              <a:t>+nvl</a:t>
+            </a:r>
+            <a:r>
+              <a:rPr lang="en-US" altLang="ko-KR" sz="1500" b="1" dirty="0">
+                <a:solidFill>
+                  <a:schemeClr val="accent1"/>
+                </a:solidFill>
+              </a:rPr>
+              <a:t>(re.tot_mask,0)</a:t>
+            </a:r>
+            <a:r>
+              <a:rPr lang="en-US" altLang="ko-KR" sz="1500" b="1" dirty="0"/>
+              <a:t>&gt;3 </a:t>
+            </a:r>
+          </a:p>
+          <a:p>
+            <a:r>
+              <a:rPr lang="en-US" altLang="ko-KR" sz="1500" b="1" dirty="0"/>
+              <a:t>then </a:t>
             </a:r>
             <a:r>
               <a:rPr lang="en-US" altLang="ko-KR" sz="1500" b="1" dirty="0" err="1">
@@ -25184,42 +25202,6 @@
                   </a:schemeClr>
                 </a:solidFill>
               </a:rPr>
-              <a:t>re.tot_mask</a:t>
-            </a:r>
-            <a:r>
-              <a:rPr lang="en-US" altLang="ko-KR" sz="1500" b="1" dirty="0"/>
-              <a:t>&gt;3 </a:t>
-            </a:r>
-          </a:p>
-          <a:p>
-            <a:r>
-              <a:rPr lang="en-US" altLang="ko-KR" sz="1500" b="1" dirty="0"/>
-              <a:t>    or </a:t>
-            </a:r>
-            <a:r>
-              <a:rPr lang="en-US" altLang="ko-KR" sz="1500" b="1" dirty="0" err="1">
-                <a:solidFill>
-                  <a:schemeClr val="tx2">
-                    <a:lumMod val="60000"/>
-                    <a:lumOff val="40000"/>
-                  </a:schemeClr>
-                </a:solidFill>
-              </a:rPr>
-              <a:t>p_sal_mask</a:t>
-            </a:r>
-            <a:r>
-              <a:rPr lang="en-US" altLang="ko-KR" sz="1500" b="1" dirty="0"/>
-              <a:t>&gt;3 then </a:t>
-            </a:r>
-            <a:r>
-              <a:rPr lang="en-US" altLang="ko-KR" sz="1500" b="1" dirty="0" err="1">
-                <a:solidFill>
-                  <a:schemeClr val="tx2">
-                    <a:lumMod val="60000"/>
-                    <a:lumOff val="40000"/>
-                  </a:schemeClr>
-                </a:solidFill>
-              </a:rPr>
               <a:t>v_tot_mask</a:t>
             </a:r>
             <a:r>
@@ -25238,19 +25220,24 @@
               <a:t>:= </a:t>
             </a:r>
             <a:r>
-              <a:rPr lang="en-US" altLang="ko-KR" sz="1500" b="1" dirty="0" err="1">
+              <a:rPr lang="en-US" altLang="ko-KR" sz="1500" b="1" dirty="0" err="1"/>
+              <a:t>nvl</a:t>
+            </a:r>
+            <a:r>
+              <a:rPr lang="en-US" altLang="ko-KR" sz="1500" b="1" dirty="0"/>
+              <a:t>(</a:t>
+            </a:r>
+            <a:r>
+              <a:rPr lang="en-US" altLang="ko-KR" sz="1500" b="1" dirty="0">
                 <a:solidFill>
-                  <a:schemeClr val="tx2">
-                    <a:lumMod val="60000"/>
-                    <a:lumOff val="40000"/>
-                  </a:schemeClr>
+                  <a:schemeClr val="accent1"/>
                 </a:solidFill>
               </a:rPr>
-              <a:t>re.tot_mask</a:t>
+              <a:t>re.tot_mask,0</a:t>
             </a:r>
             <a:r>
               <a:rPr lang="en-US" altLang="ko-KR" sz="1500" b="1" dirty="0"/>
-              <a:t>;</a:t>
+              <a:t>);</a:t>
             </a:r>
           </a:p>
           <a:p>
@@ -25876,13 +25863,13 @@
           <p:nvPr>
             <p:extLst>
               <p:ext uri="{D42A27DB-BD31-4B8C-83A1-F6EECF244321}">
-                <p14:modId xmlns:p14="http://schemas.microsoft.com/office/powerpoint/2010/main" val="3834751029"/>
+                <p14:modId xmlns:p14="http://schemas.microsoft.com/office/powerpoint/2010/main" val="1867999282"/>
               </p:ext>
             </p:extLst>
           </p:nvPr>
         </p:nvGraphicFramePr>
         <p:xfrm>
-          <a:off x="946150" y="5058765"/>
+          <a:off x="735141" y="5004903"/>
           <a:ext cx="7251700" cy="883920"/>
         </p:xfrm>
         <a:graphic>
@@ -33076,6 +33063,55 @@
           </a:p>
         </p:txBody>
       </p:sp>
+      <p:sp>
+        <p:nvSpPr>
+          <p:cNvPr id="6" name="TextBox 5">
+            <a:extLst>
+              <a:ext uri="{FF2B5EF4-FFF2-40B4-BE49-F238E27FC236}">
+                <a16:creationId xmlns:a16="http://schemas.microsoft.com/office/drawing/2014/main" id="{2CC3709C-8FC8-4E36-8339-EAB436C5B21A}"/>
+              </a:ext>
+            </a:extLst>
+          </p:cNvPr>
+          <p:cNvSpPr txBox="1"/>
+          <p:nvPr/>
+        </p:nvSpPr>
+        <p:spPr>
+          <a:xfrm>
+            <a:off x="7164288" y="6546830"/>
+            <a:ext cx="1728192" cy="338554"/>
+          </a:xfrm>
+          <a:prstGeom prst="rect">
+            <a:avLst/>
+          </a:prstGeom>
+          <a:noFill/>
+        </p:spPr>
+        <p:txBody>
+          <a:bodyPr wrap="square" rtlCol="0">
+            <a:spAutoFit/>
+          </a:bodyPr>
+          <a:lstStyle/>
+          <a:p>
+            <a:pPr algn="r"/>
+            <a:r>
+              <a:rPr lang="en-US" altLang="ko-KR" sz="1600" dirty="0">
+                <a:solidFill>
+                  <a:schemeClr val="bg1">
+                    <a:lumMod val="75000"/>
+                  </a:schemeClr>
+                </a:solidFill>
+              </a:rPr>
+              <a:t>GACHIDATA</a:t>
+            </a:r>
+            <a:endParaRPr lang="ko-KR" altLang="en-US" sz="1600" dirty="0">
+              <a:solidFill>
+                <a:schemeClr val="bg1">
+                  <a:lumMod val="75000"/>
+                </a:schemeClr>
+              </a:solidFill>
+            </a:endParaRPr>
+          </a:p>
+        </p:txBody>
+      </p:sp>
     </p:spTree>
   </p:cSld>
   <p:clrMapOvr>
@@ -33344,6 +33380,47 @@
           </a:p>
         </p:txBody>
       </p:sp>
+      <p:pic>
+        <p:nvPicPr>
+          <p:cNvPr id="17" name="그림 16">
+            <a:extLst>
+              <a:ext uri="{FF2B5EF4-FFF2-40B4-BE49-F238E27FC236}">
+                <a16:creationId xmlns:a16="http://schemas.microsoft.com/office/drawing/2014/main" id="{D66FAD0D-DCF0-4BA6-8A06-83490C4BE06C}"/>
+              </a:ext>
+            </a:extLst>
+          </p:cNvPr>
+          <p:cNvPicPr>
+            <a:picLocks noChangeAspect="1"/>
+          </p:cNvPicPr>
+          <p:nvPr/>
+        </p:nvPicPr>
+        <p:blipFill>
+          <a:blip r:embed="rId3">
+            <a:extLst>
+              <a:ext uri="{28A0092B-C50C-407E-A947-70E740481C1C}">
+                <a14:useLocalDpi xmlns:a14="http://schemas.microsoft.com/office/drawing/2010/main" val="0"/>
+              </a:ext>
+            </a:extLst>
+          </a:blip>
+          <a:stretch>
+            <a:fillRect/>
+          </a:stretch>
+        </p:blipFill>
+        <p:spPr>
+          <a:xfrm>
+            <a:off x="-828600" y="368528"/>
+            <a:ext cx="7661024" cy="6444848"/>
+          </a:xfrm>
+          <a:prstGeom prst="rect">
+            <a:avLst/>
+          </a:prstGeom>
+          <a:scene3d>
+            <a:camera prst="orthographicFront"/>
+            <a:lightRig rig="sunset" dir="t"/>
+          </a:scene3d>
+          <a:sp3d prstMaterial="matte"/>
+        </p:spPr>
+      </p:pic>
       <p:sp>
         <p:nvSpPr>
           <p:cNvPr id="3" name="타원 2"/>
@@ -33511,47 +33588,6 @@
           </a:p>
         </p:txBody>
       </p:sp>
-      <p:pic>
-        <p:nvPicPr>
-          <p:cNvPr id="5" name="그림 4">
-            <a:extLst>
-              <a:ext uri="{FF2B5EF4-FFF2-40B4-BE49-F238E27FC236}">
-                <a16:creationId xmlns:a16="http://schemas.microsoft.com/office/drawing/2014/main" id="{FBF4848A-272E-4708-B1CD-CA2AE2BAD4B3}"/>
-              </a:ext>
-            </a:extLst>
-          </p:cNvPr>
-          <p:cNvPicPr>
-            <a:picLocks noChangeAspect="1"/>
-          </p:cNvPicPr>
-          <p:nvPr/>
-        </p:nvPicPr>
-        <p:blipFill>
-          <a:blip r:embed="rId3">
-            <a:extLst>
-              <a:ext uri="{28A0092B-C50C-407E-A947-70E740481C1C}">
-                <a14:useLocalDpi xmlns:a14="http://schemas.microsoft.com/office/drawing/2010/main" val="0"/>
-              </a:ext>
-            </a:extLst>
-          </a:blip>
-          <a:stretch>
-            <a:fillRect/>
-          </a:stretch>
-        </p:blipFill>
-        <p:spPr>
-          <a:xfrm>
-            <a:off x="-828600" y="386596"/>
-            <a:ext cx="7661024" cy="6444848"/>
-          </a:xfrm>
-          <a:prstGeom prst="rect">
-            <a:avLst/>
-          </a:prstGeom>
-          <a:scene3d>
-            <a:camera prst="orthographicFront"/>
-            <a:lightRig rig="sunset" dir="t"/>
-          </a:scene3d>
-          <a:sp3d prstMaterial="matte"/>
-        </p:spPr>
-      </p:pic>
       <p:graphicFrame>
         <p:nvGraphicFramePr>
           <p:cNvPr id="20" name="표 20">
@@ -35141,6 +35177,44 @@
                 <a:ea typeface="HY헤드라인M" panose="02030600000101010101" pitchFamily="18" charset="-127"/>
               </a:rPr>
               <a:t>월요일</a:t>
+            </a:r>
+          </a:p>
+        </p:txBody>
+      </p:sp>
+      <p:sp>
+        <p:nvSpPr>
+          <p:cNvPr id="4" name="TextBox 3">
+            <a:extLst>
+              <a:ext uri="{FF2B5EF4-FFF2-40B4-BE49-F238E27FC236}">
+                <a16:creationId xmlns:a16="http://schemas.microsoft.com/office/drawing/2014/main" id="{2AA53BE8-BCDE-4C4A-B6AB-5C05E7D12F73}"/>
+              </a:ext>
+            </a:extLst>
+          </p:cNvPr>
+          <p:cNvSpPr txBox="1"/>
+          <p:nvPr/>
+        </p:nvSpPr>
+        <p:spPr>
+          <a:xfrm>
+            <a:off x="352126" y="752014"/>
+            <a:ext cx="2016224" cy="369332"/>
+          </a:xfrm>
+          <a:prstGeom prst="rect">
+            <a:avLst/>
+          </a:prstGeom>
+          <a:noFill/>
+        </p:spPr>
+        <p:txBody>
+          <a:bodyPr wrap="square" rtlCol="0">
+            <a:spAutoFit/>
+          </a:bodyPr>
+          <a:lstStyle/>
+          <a:p>
+            <a:r>
+              <a:rPr lang="ko-KR" altLang="en-US" dirty="0">
+                <a:latin typeface="HY견고딕" panose="02030600000101010101" pitchFamily="18" charset="-127"/>
+                <a:ea typeface="HY견고딕" panose="02030600000101010101" pitchFamily="18" charset="-127"/>
+              </a:rPr>
+              <a:t>마스크 구매 제약</a:t>
             </a:r>
           </a:p>
         </p:txBody>

--- a/11차SQL_hyeongmin.pptx
+++ b/11차SQL_hyeongmin.pptx
@@ -3613,7 +3613,7 @@
             <a:buAutoNum type="arabicPeriod"/>
           </a:pPr>
           <a:r>
-            <a:rPr lang="en-US" altLang="ko-KR" b="1">
+            <a:rPr lang="en-US" altLang="ko-KR" b="1" dirty="0" err="1">
               <a:solidFill>
                 <a:schemeClr val="accent1">
                   <a:lumMod val="40000"/>
@@ -3625,13 +3625,13 @@
             <a:t>lordno</a:t>
           </a:r>
           <a:r>
-            <a:rPr lang="en-US" altLang="ko-KR" b="1">
+            <a:rPr lang="en-US" altLang="ko-KR" b="1" dirty="0">
               <a:effectLst/>
             </a:rPr>
             <a:t> </a:t>
           </a:r>
           <a:r>
-            <a:rPr lang="en-US" altLang="ko-KR" b="1">
+            <a:rPr lang="en-US" altLang="ko-KR" b="1" dirty="0">
               <a:solidFill>
                 <a:schemeClr val="accent2">
                   <a:lumMod val="60000"/>
@@ -3643,16 +3643,16 @@
             <a:t>varchar2(14)</a:t>
           </a:r>
           <a:r>
-            <a:rPr lang="en-US" altLang="ko-KR" b="1">
+            <a:rPr lang="en-US" altLang="ko-KR" b="1" dirty="0">
               <a:effectLst/>
             </a:rPr>
             <a:t>not null  -- </a:t>
           </a:r>
           <a:r>
-            <a:rPr lang="ko-KR" altLang="en-US" b="1">
+            <a:rPr lang="ko-KR" altLang="en-US" b="1" dirty="0">
               <a:effectLst/>
             </a:rPr>
-            <a:t>세대주의 주민번호를 저장하는 칼럼</a:t>
+            <a:t>세대주의 정보를 저장하는 칼럼</a:t>
           </a:r>
           <a:endParaRPr lang="ko-KR" altLang="ko-KR" dirty="0">
             <a:effectLst/>
@@ -4222,7 +4222,7 @@
               </a:solidFill>
               <a:effectLst/>
             </a:rPr>
-            <a:t>varchar2(10)</a:t>
+            <a:t>varchar2(14)</a:t>
           </a:r>
           <a:r>
             <a:rPr lang="en-US" altLang="ko-KR" b="1" dirty="0">
@@ -6079,7 +6079,7 @@
             <a:buAutoNum type="arabicPeriod"/>
           </a:pPr>
           <a:r>
-            <a:rPr lang="en-US" altLang="ko-KR" sz="1600" b="1" kern="1200">
+            <a:rPr lang="en-US" altLang="ko-KR" sz="1600" b="1" kern="1200" dirty="0" err="1">
               <a:solidFill>
                 <a:schemeClr val="accent1">
                   <a:lumMod val="40000"/>
@@ -6091,13 +6091,13 @@
             <a:t>lordno</a:t>
           </a:r>
           <a:r>
-            <a:rPr lang="en-US" altLang="ko-KR" sz="1600" b="1" kern="1200">
+            <a:rPr lang="en-US" altLang="ko-KR" sz="1600" b="1" kern="1200" dirty="0">
               <a:effectLst/>
             </a:rPr>
             <a:t> </a:t>
           </a:r>
           <a:r>
-            <a:rPr lang="en-US" altLang="ko-KR" sz="1600" b="1" kern="1200">
+            <a:rPr lang="en-US" altLang="ko-KR" sz="1600" b="1" kern="1200" dirty="0">
               <a:solidFill>
                 <a:schemeClr val="accent2">
                   <a:lumMod val="60000"/>
@@ -6109,16 +6109,16 @@
             <a:t>varchar2(14)</a:t>
           </a:r>
           <a:r>
-            <a:rPr lang="en-US" altLang="ko-KR" sz="1600" b="1" kern="1200">
+            <a:rPr lang="en-US" altLang="ko-KR" sz="1600" b="1" kern="1200" dirty="0">
               <a:effectLst/>
             </a:rPr>
             <a:t>not null  -- </a:t>
           </a:r>
           <a:r>
-            <a:rPr lang="ko-KR" altLang="en-US" sz="1600" b="1" kern="1200">
+            <a:rPr lang="ko-KR" altLang="en-US" sz="1600" b="1" kern="1200" dirty="0">
               <a:effectLst/>
             </a:rPr>
-            <a:t>세대주의 주민번호를 저장하는 칼럼</a:t>
+            <a:t>세대주의 정보를 저장하는 칼럼</a:t>
           </a:r>
           <a:endParaRPr lang="ko-KR" altLang="ko-KR" sz="1600" kern="1200" dirty="0">
             <a:effectLst/>
@@ -6566,7 +6566,7 @@
               </a:solidFill>
               <a:effectLst/>
             </a:rPr>
-            <a:t>varchar2(10)</a:t>
+            <a:t>varchar2(14)</a:t>
           </a:r>
           <a:r>
             <a:rPr lang="en-US" altLang="ko-KR" sz="1400" b="1" kern="1200" dirty="0">
@@ -13549,7 +13549,7 @@
             <a:fld id="{65771C21-3757-4199-83DE-22960358A2A5}" type="datetimeFigureOut">
               <a:rPr lang="ko-KR" altLang="en-US" smtClean="0"/>
               <a:pPr/>
-              <a:t>2020-05-22</a:t>
+              <a:t>2020-05-25</a:t>
             </a:fld>
             <a:endParaRPr lang="ko-KR" altLang="en-US"/>
           </a:p>
@@ -16758,7 +16758,7 @@
             <a:fld id="{A22FE722-38C7-4231-8BB5-7A27D4E5977D}" type="datetimeFigureOut">
               <a:rPr lang="ko-KR" altLang="en-US" smtClean="0"/>
               <a:pPr/>
-              <a:t>2020-05-22</a:t>
+              <a:t>2020-05-25</a:t>
             </a:fld>
             <a:endParaRPr lang="ko-KR" altLang="en-US"/>
           </a:p>
@@ -16923,7 +16923,7 @@
             <a:fld id="{A22FE722-38C7-4231-8BB5-7A27D4E5977D}" type="datetimeFigureOut">
               <a:rPr lang="ko-KR" altLang="en-US" smtClean="0"/>
               <a:pPr/>
-              <a:t>2020-05-22</a:t>
+              <a:t>2020-05-25</a:t>
             </a:fld>
             <a:endParaRPr lang="ko-KR" altLang="en-US"/>
           </a:p>
@@ -17098,7 +17098,7 @@
             <a:fld id="{A22FE722-38C7-4231-8BB5-7A27D4E5977D}" type="datetimeFigureOut">
               <a:rPr lang="ko-KR" altLang="en-US" smtClean="0"/>
               <a:pPr/>
-              <a:t>2020-05-22</a:t>
+              <a:t>2020-05-25</a:t>
             </a:fld>
             <a:endParaRPr lang="ko-KR" altLang="en-US"/>
           </a:p>
@@ -17263,7 +17263,7 @@
             <a:fld id="{A22FE722-38C7-4231-8BB5-7A27D4E5977D}" type="datetimeFigureOut">
               <a:rPr lang="ko-KR" altLang="en-US" smtClean="0"/>
               <a:pPr/>
-              <a:t>2020-05-22</a:t>
+              <a:t>2020-05-25</a:t>
             </a:fld>
             <a:endParaRPr lang="ko-KR" altLang="en-US"/>
           </a:p>
@@ -17505,7 +17505,7 @@
             <a:fld id="{A22FE722-38C7-4231-8BB5-7A27D4E5977D}" type="datetimeFigureOut">
               <a:rPr lang="ko-KR" altLang="en-US" smtClean="0"/>
               <a:pPr/>
-              <a:t>2020-05-22</a:t>
+              <a:t>2020-05-25</a:t>
             </a:fld>
             <a:endParaRPr lang="ko-KR" altLang="en-US"/>
           </a:p>
@@ -17787,7 +17787,7 @@
             <a:fld id="{A22FE722-38C7-4231-8BB5-7A27D4E5977D}" type="datetimeFigureOut">
               <a:rPr lang="ko-KR" altLang="en-US" smtClean="0"/>
               <a:pPr/>
-              <a:t>2020-05-22</a:t>
+              <a:t>2020-05-25</a:t>
             </a:fld>
             <a:endParaRPr lang="ko-KR" altLang="en-US"/>
           </a:p>
@@ -18203,7 +18203,7 @@
             <a:fld id="{A22FE722-38C7-4231-8BB5-7A27D4E5977D}" type="datetimeFigureOut">
               <a:rPr lang="ko-KR" altLang="en-US" smtClean="0"/>
               <a:pPr/>
-              <a:t>2020-05-22</a:t>
+              <a:t>2020-05-25</a:t>
             </a:fld>
             <a:endParaRPr lang="ko-KR" altLang="en-US"/>
           </a:p>
@@ -18317,7 +18317,7 @@
             <a:fld id="{A22FE722-38C7-4231-8BB5-7A27D4E5977D}" type="datetimeFigureOut">
               <a:rPr lang="ko-KR" altLang="en-US" smtClean="0"/>
               <a:pPr/>
-              <a:t>2020-05-22</a:t>
+              <a:t>2020-05-25</a:t>
             </a:fld>
             <a:endParaRPr lang="ko-KR" altLang="en-US"/>
           </a:p>
@@ -18409,7 +18409,7 @@
             <a:fld id="{A22FE722-38C7-4231-8BB5-7A27D4E5977D}" type="datetimeFigureOut">
               <a:rPr lang="ko-KR" altLang="en-US" smtClean="0"/>
               <a:pPr/>
-              <a:t>2020-05-22</a:t>
+              <a:t>2020-05-25</a:t>
             </a:fld>
             <a:endParaRPr lang="ko-KR" altLang="en-US"/>
           </a:p>
@@ -18681,7 +18681,7 @@
             <a:fld id="{A22FE722-38C7-4231-8BB5-7A27D4E5977D}" type="datetimeFigureOut">
               <a:rPr lang="ko-KR" altLang="en-US" smtClean="0"/>
               <a:pPr/>
-              <a:t>2020-05-22</a:t>
+              <a:t>2020-05-25</a:t>
             </a:fld>
             <a:endParaRPr lang="ko-KR" altLang="en-US"/>
           </a:p>
@@ -18930,7 +18930,7 @@
             <a:fld id="{A22FE722-38C7-4231-8BB5-7A27D4E5977D}" type="datetimeFigureOut">
               <a:rPr lang="ko-KR" altLang="en-US" smtClean="0"/>
               <a:pPr/>
-              <a:t>2020-05-22</a:t>
+              <a:t>2020-05-25</a:t>
             </a:fld>
             <a:endParaRPr lang="ko-KR" altLang="en-US"/>
           </a:p>
@@ -19143,7 +19143,7 @@
             <a:fld id="{A22FE722-38C7-4231-8BB5-7A27D4E5977D}" type="datetimeFigureOut">
               <a:rPr lang="ko-KR" altLang="en-US" smtClean="0"/>
               <a:pPr/>
-              <a:t>2020-05-22</a:t>
+              <a:t>2020-05-25</a:t>
             </a:fld>
             <a:endParaRPr lang="ko-KR" altLang="en-US"/>
           </a:p>
@@ -21658,7 +21658,7 @@
             </a:r>
             <a:r>
               <a:rPr lang="ko-KR" altLang="en-US" sz="1500" b="1" dirty="0"/>
-              <a:t>대리구매시 구매자의 정보를 </a:t>
+              <a:t>대리구매시 대리구매자의 정보를 </a:t>
             </a:r>
             <a:r>
               <a:rPr lang="ko-KR" altLang="en-US" sz="1500" b="1" dirty="0" err="1"/>
@@ -25055,14 +25055,6 @@
               <a:t>for re in (select sum(</a:t>
             </a:r>
             <a:r>
-              <a:rPr lang="en-US" altLang="ko-KR" sz="1500" b="1" dirty="0" err="1"/>
-              <a:t>nvl</a:t>
-            </a:r>
-            <a:r>
-              <a:rPr lang="en-US" altLang="ko-KR" sz="1500" b="1" dirty="0"/>
-              <a:t>(</a:t>
-            </a:r>
-            <a:r>
               <a:rPr lang="en-US" altLang="ko-KR" sz="1500" b="1" dirty="0" err="1">
                 <a:solidFill>
                   <a:schemeClr val="tx2">
@@ -25075,7 +25067,7 @@
             </a:r>
             <a:r>
               <a:rPr lang="en-US" altLang="ko-KR" sz="1500" b="1" dirty="0"/>
-              <a:t>, 0))</a:t>
+              <a:t>)</a:t>
             </a:r>
             <a:r>
               <a:rPr lang="en-US" altLang="ko-KR" sz="1500" b="1" dirty="0" err="1">
@@ -25758,13 +25750,13 @@
           <p:nvPr>
             <p:extLst>
               <p:ext uri="{D42A27DB-BD31-4B8C-83A1-F6EECF244321}">
-                <p14:modId xmlns:p14="http://schemas.microsoft.com/office/powerpoint/2010/main" val="2810210069"/>
+                <p14:modId xmlns:p14="http://schemas.microsoft.com/office/powerpoint/2010/main" val="3501675417"/>
               </p:ext>
             </p:extLst>
           </p:nvPr>
         </p:nvGraphicFramePr>
         <p:xfrm>
-          <a:off x="7148230" y="1196752"/>
+          <a:off x="7510865" y="1191652"/>
           <a:ext cx="1184465" cy="720080"/>
         </p:xfrm>
         <a:graphic>
@@ -25863,13 +25855,13 @@
           <p:nvPr>
             <p:extLst>
               <p:ext uri="{D42A27DB-BD31-4B8C-83A1-F6EECF244321}">
-                <p14:modId xmlns:p14="http://schemas.microsoft.com/office/powerpoint/2010/main" val="1867999282"/>
+                <p14:modId xmlns:p14="http://schemas.microsoft.com/office/powerpoint/2010/main" val="2848800258"/>
               </p:ext>
             </p:extLst>
           </p:nvPr>
         </p:nvGraphicFramePr>
         <p:xfrm>
-          <a:off x="735141" y="5004903"/>
+          <a:off x="709497" y="5245008"/>
           <a:ext cx="7251700" cy="883920"/>
         </p:xfrm>
         <a:graphic>
@@ -26232,12 +26224,12 @@
                     <a:p>
                       <a:pPr algn="l" fontAlgn="ctr"/>
                       <a:r>
-                        <a:rPr lang="en-US" sz="1100" u="none" strike="noStrike">
+                        <a:rPr lang="en-US" sz="1100" u="none" strike="noStrike" dirty="0">
                           <a:effectLst/>
                         </a:rPr>
                         <a:t>cash</a:t>
                       </a:r>
-                      <a:endParaRPr lang="en-US" sz="1100" b="0" i="0" u="none" strike="noStrike">
+                      <a:endParaRPr lang="en-US" sz="1100" b="0" i="0" u="none" strike="noStrike" dirty="0">
                         <a:solidFill>
                           <a:srgbClr val="000000"/>
                         </a:solidFill>
@@ -26311,12 +26303,12 @@
                     <a:p>
                       <a:pPr algn="l" fontAlgn="ctr"/>
                       <a:r>
-                        <a:rPr lang="en-US" altLang="ko-KR" sz="1100" u="none" strike="noStrike">
+                        <a:rPr lang="en-US" altLang="ko-KR" sz="1100" u="none" strike="noStrike" dirty="0">
                           <a:effectLst/>
                         </a:rPr>
                         <a:t>050101-3484634</a:t>
                       </a:r>
-                      <a:endParaRPr lang="en-US" altLang="ko-KR" sz="1100" b="0" i="0" u="none" strike="noStrike">
+                      <a:endParaRPr lang="en-US" altLang="ko-KR" sz="1100" b="0" i="0" u="none" strike="noStrike" dirty="0">
                         <a:solidFill>
                           <a:srgbClr val="000000"/>
                         </a:solidFill>
@@ -29748,7 +29740,7 @@
         <p:spPr>
           <a:xfrm>
             <a:off x="473340" y="1679901"/>
-            <a:ext cx="7925131" cy="3693319"/>
+            <a:ext cx="7925131" cy="4247317"/>
           </a:xfrm>
           <a:prstGeom prst="rect">
             <a:avLst/>
@@ -30028,7 +30020,78 @@
             </a:r>
             <a:r>
               <a:rPr lang="en-US" altLang="ko-KR" b="1" dirty="0"/>
-              <a:t>))</a:t>
+              <a:t>)</a:t>
+            </a:r>
+          </a:p>
+          <a:p>
+            <a:r>
+              <a:rPr lang="en-US" altLang="ko-KR" b="1" dirty="0"/>
+              <a:t>	and </a:t>
+            </a:r>
+            <a:r>
+              <a:rPr lang="en-US" altLang="ko-KR" b="1" dirty="0">
+                <a:solidFill>
+                  <a:schemeClr val="accent1">
+                    <a:lumMod val="60000"/>
+                    <a:lumOff val="40000"/>
+                  </a:schemeClr>
+                </a:solidFill>
+              </a:rPr>
+              <a:t>NAME </a:t>
+            </a:r>
+            <a:r>
+              <a:rPr lang="en-US" altLang="ko-KR" b="1" dirty="0"/>
+              <a:t>in (</a:t>
+            </a:r>
+            <a:r>
+              <a:rPr lang="en-US" altLang="ko-KR" b="1" dirty="0" err="1">
+                <a:solidFill>
+                  <a:schemeClr val="accent1">
+                    <a:lumMod val="60000"/>
+                    <a:lumOff val="40000"/>
+                  </a:schemeClr>
+                </a:solidFill>
+              </a:rPr>
+              <a:t>p_name</a:t>
+            </a:r>
+            <a:r>
+              <a:rPr lang="en-US" altLang="ko-KR" b="1" dirty="0">
+                <a:solidFill>
+                  <a:schemeClr val="accent1">
+                    <a:lumMod val="60000"/>
+                    <a:lumOff val="40000"/>
+                  </a:schemeClr>
+                </a:solidFill>
+              </a:rPr>
+              <a:t>,</a:t>
+            </a:r>
+          </a:p>
+          <a:p>
+            <a:r>
+              <a:rPr lang="en-US" altLang="ko-KR" b="1" dirty="0">
+                <a:solidFill>
+                  <a:schemeClr val="accent1">
+                    <a:lumMod val="60000"/>
+                    <a:lumOff val="40000"/>
+                  </a:schemeClr>
+                </a:solidFill>
+              </a:rPr>
+              <a:t>		</a:t>
+            </a:r>
+            <a:r>
+              <a:rPr lang="en-US" altLang="ko-KR" b="1" dirty="0" err="1">
+                <a:solidFill>
+                  <a:schemeClr val="accent1">
+                    <a:lumMod val="60000"/>
+                    <a:lumOff val="40000"/>
+                  </a:schemeClr>
+                </a:solidFill>
+              </a:rPr>
+              <a:t>p_proxy,nm</a:t>
+            </a:r>
+            <a:r>
+              <a:rPr lang="en-US" altLang="ko-KR" b="1" dirty="0"/>
+              <a:t>)</a:t>
             </a:r>
           </a:p>
           <a:p>
@@ -32724,14 +32787,14 @@
                 <a:latin typeface="HY헤드라인M" panose="02030600000101010101" pitchFamily="18" charset="-127"/>
                 <a:ea typeface="HY헤드라인M" panose="02030600000101010101" pitchFamily="18" charset="-127"/>
               </a:rPr>
-              <a:t>(-20006, '</a:t>
+              <a:t>(-20006, ＇</a:t>
             </a:r>
             <a:r>
               <a:rPr lang="ko-KR" altLang="en-US" sz="1500" dirty="0">
                 <a:latin typeface="HY헤드라인M" panose="02030600000101010101" pitchFamily="18" charset="-127"/>
                 <a:ea typeface="HY헤드라인M" panose="02030600000101010101" pitchFamily="18" charset="-127"/>
               </a:rPr>
-              <a:t>정보가 일치하지 않습니다</a:t>
+              <a:t>대리구매 자격이 없습니다</a:t>
             </a:r>
             <a:r>
               <a:rPr lang="en-US" altLang="ko-KR" sz="1500" dirty="0">
@@ -36247,7 +36310,7 @@
         </p:blipFill>
         <p:spPr>
           <a:xfrm>
-            <a:off x="1373833" y="3481673"/>
+            <a:off x="1373833" y="3809609"/>
             <a:ext cx="1210823" cy="1210823"/>
           </a:xfrm>
           <a:prstGeom prst="rect">
@@ -36269,7 +36332,7 @@
         </p:nvSpPr>
         <p:spPr>
           <a:xfrm>
-            <a:off x="3068899" y="3771029"/>
+            <a:off x="3068899" y="4098965"/>
             <a:ext cx="1276131" cy="632102"/>
           </a:xfrm>
           <a:prstGeom prst="rightArrow">
@@ -36335,7 +36398,7 @@
         </p:blipFill>
         <p:spPr>
           <a:xfrm>
-            <a:off x="5527380" y="3023788"/>
+            <a:off x="5527380" y="3351724"/>
             <a:ext cx="2130721" cy="2165508"/>
           </a:xfrm>
           <a:prstGeom prst="rect">
@@ -37233,7 +37296,7 @@
           <p:nvPr>
             <p:extLst>
               <p:ext uri="{D42A27DB-BD31-4B8C-83A1-F6EECF244321}">
-                <p14:modId xmlns:p14="http://schemas.microsoft.com/office/powerpoint/2010/main" val="1722111480"/>
+                <p14:modId xmlns:p14="http://schemas.microsoft.com/office/powerpoint/2010/main" val="2468730410"/>
               </p:ext>
             </p:extLst>
           </p:nvPr>
@@ -37590,7 +37653,7 @@
           <p:nvPr>
             <p:extLst>
               <p:ext uri="{D42A27DB-BD31-4B8C-83A1-F6EECF244321}">
-                <p14:modId xmlns:p14="http://schemas.microsoft.com/office/powerpoint/2010/main" val="1895273384"/>
+                <p14:modId xmlns:p14="http://schemas.microsoft.com/office/powerpoint/2010/main" val="489275782"/>
               </p:ext>
             </p:extLst>
           </p:nvPr>

--- a/11차SQL_hyeongmin.pptx
+++ b/11차SQL_hyeongmin.pptx
@@ -3364,7 +3364,7 @@
             <a:buAutoNum type="arabicPeriod"/>
           </a:pPr>
           <a:r>
-            <a:rPr lang="en-US" altLang="ko-KR" b="1">
+            <a:rPr lang="en-US" altLang="ko-KR" b="1" dirty="0">
               <a:solidFill>
                 <a:schemeClr val="accent1">
                   <a:lumMod val="40000"/>
@@ -3376,13 +3376,13 @@
             <a:t>name</a:t>
           </a:r>
           <a:r>
-            <a:rPr lang="en-US" altLang="ko-KR" b="1">
+            <a:rPr lang="en-US" altLang="ko-KR" b="1" dirty="0">
               <a:effectLst/>
             </a:rPr>
             <a:t> </a:t>
           </a:r>
           <a:r>
-            <a:rPr lang="en-US" altLang="ko-KR" b="1">
+            <a:rPr lang="en-US" altLang="ko-KR" b="1" dirty="0">
               <a:solidFill>
                 <a:schemeClr val="accent2">
                   <a:lumMod val="60000"/>
@@ -3394,13 +3394,13 @@
             <a:t>varchar2(50)</a:t>
           </a:r>
           <a:r>
-            <a:rPr lang="en-US" altLang="ko-KR" b="1">
+            <a:rPr lang="en-US" altLang="ko-KR" b="1" dirty="0">
               <a:effectLst/>
             </a:rPr>
             <a:t>not null, --</a:t>
           </a:r>
           <a:r>
-            <a:rPr lang="ko-KR" altLang="en-US" b="1">
+            <a:rPr lang="ko-KR" altLang="en-US" b="1" dirty="0">
               <a:effectLst/>
             </a:rPr>
             <a:t>이름을 저장하는 칼럼</a:t>
@@ -3447,7 +3447,7 @@
             <a:buAutoNum type="arabicPeriod"/>
           </a:pPr>
           <a:r>
-            <a:rPr lang="en-US" altLang="ko-KR" b="1">
+            <a:rPr lang="en-US" altLang="ko-KR" b="1" dirty="0">
               <a:solidFill>
                 <a:schemeClr val="accent1">
                   <a:lumMod val="40000"/>
@@ -3459,13 +3459,13 @@
             <a:t>obstacle</a:t>
           </a:r>
           <a:r>
-            <a:rPr lang="en-US" altLang="ko-KR" b="1">
+            <a:rPr lang="en-US" altLang="ko-KR" b="1" dirty="0">
               <a:effectLst/>
             </a:rPr>
             <a:t> </a:t>
           </a:r>
           <a:r>
-            <a:rPr lang="en-US" altLang="ko-KR" b="1">
+            <a:rPr lang="en-US" altLang="ko-KR" b="1" dirty="0">
               <a:solidFill>
                 <a:schemeClr val="accent2">
                   <a:lumMod val="60000"/>
@@ -3477,13 +3477,13 @@
             <a:t>varchar2(1)</a:t>
           </a:r>
           <a:r>
-            <a:rPr lang="en-US" altLang="ko-KR" b="1">
+            <a:rPr lang="en-US" altLang="ko-KR" b="1" dirty="0">
               <a:effectLst/>
             </a:rPr>
             <a:t>, --</a:t>
           </a:r>
           <a:r>
-            <a:rPr lang="ko-KR" altLang="en-US" b="1">
+            <a:rPr lang="ko-KR" altLang="en-US" b="1" dirty="0">
               <a:effectLst/>
             </a:rPr>
             <a:t>장애여부를 저장하는 칼럼</a:t>
@@ -3530,7 +3530,7 @@
             <a:buAutoNum type="arabicPeriod"/>
           </a:pPr>
           <a:r>
-            <a:rPr lang="en-US" altLang="ko-KR" b="1">
+            <a:rPr lang="en-US" altLang="ko-KR" b="1" dirty="0">
               <a:solidFill>
                 <a:schemeClr val="accent1">
                   <a:lumMod val="40000"/>
@@ -3542,13 +3542,13 @@
             <a:t>address</a:t>
           </a:r>
           <a:r>
-            <a:rPr lang="en-US" altLang="ko-KR" b="1">
+            <a:rPr lang="en-US" altLang="ko-KR" b="1" dirty="0">
               <a:effectLst/>
             </a:rPr>
             <a:t> </a:t>
           </a:r>
           <a:r>
-            <a:rPr lang="en-US" altLang="ko-KR" b="1">
+            <a:rPr lang="en-US" altLang="ko-KR" b="1" dirty="0">
               <a:solidFill>
                 <a:schemeClr val="accent2">
                   <a:lumMod val="60000"/>
@@ -3560,13 +3560,13 @@
             <a:t>varchar2(50)</a:t>
           </a:r>
           <a:r>
-            <a:rPr lang="en-US" altLang="ko-KR" b="1">
+            <a:rPr lang="en-US" altLang="ko-KR" b="1" dirty="0">
               <a:effectLst/>
             </a:rPr>
             <a:t> not null, --</a:t>
           </a:r>
           <a:r>
-            <a:rPr lang="ko-KR" altLang="en-US" b="1">
+            <a:rPr lang="ko-KR" altLang="en-US" b="1" dirty="0">
               <a:effectLst/>
             </a:rPr>
             <a:t>주소지를 저장하는 칼럼</a:t>
@@ -5899,7 +5899,7 @@
             <a:buAutoNum type="arabicPeriod"/>
           </a:pPr>
           <a:r>
-            <a:rPr lang="en-US" altLang="ko-KR" sz="1600" b="1" kern="1200">
+            <a:rPr lang="en-US" altLang="ko-KR" sz="1600" b="1" kern="1200" dirty="0">
               <a:solidFill>
                 <a:schemeClr val="accent1">
                   <a:lumMod val="40000"/>
@@ -5911,13 +5911,13 @@
             <a:t>name</a:t>
           </a:r>
           <a:r>
-            <a:rPr lang="en-US" altLang="ko-KR" sz="1600" b="1" kern="1200">
+            <a:rPr lang="en-US" altLang="ko-KR" sz="1600" b="1" kern="1200" dirty="0">
               <a:effectLst/>
             </a:rPr>
             <a:t> </a:t>
           </a:r>
           <a:r>
-            <a:rPr lang="en-US" altLang="ko-KR" sz="1600" b="1" kern="1200">
+            <a:rPr lang="en-US" altLang="ko-KR" sz="1600" b="1" kern="1200" dirty="0">
               <a:solidFill>
                 <a:schemeClr val="accent2">
                   <a:lumMod val="60000"/>
@@ -5929,13 +5929,13 @@
             <a:t>varchar2(50)</a:t>
           </a:r>
           <a:r>
-            <a:rPr lang="en-US" altLang="ko-KR" sz="1600" b="1" kern="1200">
+            <a:rPr lang="en-US" altLang="ko-KR" sz="1600" b="1" kern="1200" dirty="0">
               <a:effectLst/>
             </a:rPr>
             <a:t>not null, --</a:t>
           </a:r>
           <a:r>
-            <a:rPr lang="ko-KR" altLang="en-US" sz="1600" b="1" kern="1200">
+            <a:rPr lang="ko-KR" altLang="en-US" sz="1600" b="1" kern="1200" dirty="0">
               <a:effectLst/>
             </a:rPr>
             <a:t>이름을 저장하는 칼럼</a:t>
@@ -5959,7 +5959,7 @@
             <a:buAutoNum type="arabicPeriod"/>
           </a:pPr>
           <a:r>
-            <a:rPr lang="en-US" altLang="ko-KR" sz="1600" b="1" kern="1200">
+            <a:rPr lang="en-US" altLang="ko-KR" sz="1600" b="1" kern="1200" dirty="0">
               <a:solidFill>
                 <a:schemeClr val="accent1">
                   <a:lumMod val="40000"/>
@@ -5971,13 +5971,13 @@
             <a:t>obstacle</a:t>
           </a:r>
           <a:r>
-            <a:rPr lang="en-US" altLang="ko-KR" sz="1600" b="1" kern="1200">
+            <a:rPr lang="en-US" altLang="ko-KR" sz="1600" b="1" kern="1200" dirty="0">
               <a:effectLst/>
             </a:rPr>
             <a:t> </a:t>
           </a:r>
           <a:r>
-            <a:rPr lang="en-US" altLang="ko-KR" sz="1600" b="1" kern="1200">
+            <a:rPr lang="en-US" altLang="ko-KR" sz="1600" b="1" kern="1200" dirty="0">
               <a:solidFill>
                 <a:schemeClr val="accent2">
                   <a:lumMod val="60000"/>
@@ -5989,13 +5989,13 @@
             <a:t>varchar2(1)</a:t>
           </a:r>
           <a:r>
-            <a:rPr lang="en-US" altLang="ko-KR" sz="1600" b="1" kern="1200">
+            <a:rPr lang="en-US" altLang="ko-KR" sz="1600" b="1" kern="1200" dirty="0">
               <a:effectLst/>
             </a:rPr>
             <a:t>, --</a:t>
           </a:r>
           <a:r>
-            <a:rPr lang="ko-KR" altLang="en-US" sz="1600" b="1" kern="1200">
+            <a:rPr lang="ko-KR" altLang="en-US" sz="1600" b="1" kern="1200" dirty="0">
               <a:effectLst/>
             </a:rPr>
             <a:t>장애여부를 저장하는 칼럼</a:t>
@@ -6019,7 +6019,7 @@
             <a:buAutoNum type="arabicPeriod"/>
           </a:pPr>
           <a:r>
-            <a:rPr lang="en-US" altLang="ko-KR" sz="1600" b="1" kern="1200">
+            <a:rPr lang="en-US" altLang="ko-KR" sz="1600" b="1" kern="1200" dirty="0">
               <a:solidFill>
                 <a:schemeClr val="accent1">
                   <a:lumMod val="40000"/>
@@ -6031,13 +6031,13 @@
             <a:t>address</a:t>
           </a:r>
           <a:r>
-            <a:rPr lang="en-US" altLang="ko-KR" sz="1600" b="1" kern="1200">
+            <a:rPr lang="en-US" altLang="ko-KR" sz="1600" b="1" kern="1200" dirty="0">
               <a:effectLst/>
             </a:rPr>
             <a:t> </a:t>
           </a:r>
           <a:r>
-            <a:rPr lang="en-US" altLang="ko-KR" sz="1600" b="1" kern="1200">
+            <a:rPr lang="en-US" altLang="ko-KR" sz="1600" b="1" kern="1200" dirty="0">
               <a:solidFill>
                 <a:schemeClr val="accent2">
                   <a:lumMod val="60000"/>
@@ -6049,13 +6049,13 @@
             <a:t>varchar2(50)</a:t>
           </a:r>
           <a:r>
-            <a:rPr lang="en-US" altLang="ko-KR" sz="1600" b="1" kern="1200">
+            <a:rPr lang="en-US" altLang="ko-KR" sz="1600" b="1" kern="1200" dirty="0">
               <a:effectLst/>
             </a:rPr>
             <a:t> not null, --</a:t>
           </a:r>
           <a:r>
-            <a:rPr lang="ko-KR" altLang="en-US" sz="1600" b="1" kern="1200">
+            <a:rPr lang="ko-KR" altLang="en-US" sz="1600" b="1" kern="1200" dirty="0">
               <a:effectLst/>
             </a:rPr>
             <a:t>주소지를 저장하는 칼럼</a:t>
@@ -21488,10 +21488,7 @@
             <a:r>
               <a:rPr lang="en-US" altLang="ko-KR" b="1" dirty="0" err="1">
                 <a:solidFill>
-                  <a:schemeClr val="tx2">
-                    <a:lumMod val="60000"/>
-                    <a:lumOff val="40000"/>
-                  </a:schemeClr>
+                  <a:schemeClr val="accent6"/>
                 </a:solidFill>
               </a:rPr>
               <a:t>p_name</a:t>
@@ -21499,10 +21496,7 @@
             <a:r>
               <a:rPr lang="en-US" altLang="ko-KR" b="1" dirty="0">
                 <a:solidFill>
-                  <a:schemeClr val="tx2">
-                    <a:lumMod val="60000"/>
-                    <a:lumOff val="40000"/>
-                  </a:schemeClr>
+                  <a:schemeClr val="accent6"/>
                 </a:solidFill>
               </a:rPr>
               <a:t> </a:t>
@@ -21529,10 +21523,7 @@
             <a:r>
               <a:rPr lang="en-US" altLang="ko-KR" b="1" dirty="0" err="1">
                 <a:solidFill>
-                  <a:schemeClr val="tx2">
-                    <a:lumMod val="60000"/>
-                    <a:lumOff val="40000"/>
-                  </a:schemeClr>
+                  <a:schemeClr val="accent6"/>
                 </a:solidFill>
               </a:rPr>
               <a:t>p_birthno</a:t>
@@ -21540,10 +21531,7 @@
             <a:r>
               <a:rPr lang="en-US" altLang="ko-KR" b="1" dirty="0">
                 <a:solidFill>
-                  <a:schemeClr val="tx2">
-                    <a:lumMod val="60000"/>
-                    <a:lumOff val="40000"/>
-                  </a:schemeClr>
+                  <a:schemeClr val="accent6"/>
                 </a:solidFill>
               </a:rPr>
               <a:t> </a:t>
@@ -21588,13 +21576,45 @@
             <a:r>
               <a:rPr lang="en-US" altLang="ko-KR" b="1" dirty="0" err="1">
                 <a:solidFill>
-                  <a:schemeClr val="tx2">
-                    <a:lumMod val="60000"/>
-                    <a:lumOff val="40000"/>
-                  </a:schemeClr>
+                  <a:schemeClr val="accent6"/>
                 </a:solidFill>
               </a:rPr>
               <a:t>p_sal_mask</a:t>
+            </a:r>
+            <a:r>
+              <a:rPr lang="en-US" altLang="ko-KR" b="1" dirty="0">
+                <a:solidFill>
+                  <a:schemeClr val="accent6"/>
+                </a:solidFill>
+              </a:rPr>
+              <a:t> </a:t>
+            </a:r>
+            <a:r>
+              <a:rPr lang="en-US" altLang="ko-KR" b="1" dirty="0"/>
+              <a:t>number, </a:t>
+            </a:r>
+            <a:r>
+              <a:rPr lang="en-US" altLang="ko-KR" sz="1500" b="1" dirty="0"/>
+              <a:t>--</a:t>
+            </a:r>
+            <a:r>
+              <a:rPr lang="ko-KR" altLang="en-US" sz="1500" b="1" dirty="0"/>
+              <a:t>구매할 마스크 수 를 </a:t>
+            </a:r>
+            <a:r>
+              <a:rPr lang="ko-KR" altLang="en-US" sz="1500" b="1" dirty="0" err="1"/>
+              <a:t>입력받음</a:t>
+            </a:r>
+            <a:endParaRPr lang="en-US" altLang="ko-KR" sz="1500" b="1" dirty="0"/>
+          </a:p>
+          <a:p>
+            <a:r>
+              <a:rPr lang="en-US" altLang="ko-KR" b="1" dirty="0" err="1">
+                <a:solidFill>
+                  <a:schemeClr val="accent6"/>
+                </a:solidFill>
+              </a:rPr>
+              <a:t>P_proxy_sal_mask</a:t>
             </a:r>
             <a:r>
               <a:rPr lang="en-US" altLang="ko-KR" b="1" dirty="0">
@@ -21609,7 +21629,7 @@
             </a:r>
             <a:r>
               <a:rPr lang="en-US" altLang="ko-KR" b="1" dirty="0"/>
-              <a:t>number, </a:t>
+              <a:t>varchar2, </a:t>
             </a:r>
             <a:r>
               <a:rPr lang="en-US" altLang="ko-KR" sz="1500" b="1" dirty="0"/>
@@ -21617,33 +21637,27 @@
             </a:r>
             <a:r>
               <a:rPr lang="ko-KR" altLang="en-US" sz="1500" b="1" dirty="0"/>
-              <a:t>구매할 마스크 수 를 </a:t>
+              <a:t>대리구매시 대리구매자의 정보를 </a:t>
             </a:r>
             <a:r>
               <a:rPr lang="ko-KR" altLang="en-US" sz="1500" b="1" dirty="0" err="1"/>
               <a:t>입력받음</a:t>
             </a:r>
-            <a:endParaRPr lang="en-US" altLang="ko-KR" sz="1500" b="1" dirty="0"/>
+            <a:endParaRPr lang="en-US" altLang="ko-KR" b="1" dirty="0"/>
           </a:p>
           <a:p>
             <a:r>
               <a:rPr lang="en-US" altLang="ko-KR" b="1" dirty="0" err="1">
                 <a:solidFill>
-                  <a:schemeClr val="tx2">
-                    <a:lumMod val="60000"/>
-                    <a:lumOff val="40000"/>
-                  </a:schemeClr>
+                  <a:schemeClr val="accent6"/>
                 </a:solidFill>
               </a:rPr>
-              <a:t>P_proxy_sal_mask</a:t>
+              <a:t>p_payment</a:t>
             </a:r>
             <a:r>
               <a:rPr lang="en-US" altLang="ko-KR" b="1" dirty="0">
                 <a:solidFill>
-                  <a:schemeClr val="tx2">
-                    <a:lumMod val="60000"/>
-                    <a:lumOff val="40000"/>
-                  </a:schemeClr>
+                  <a:schemeClr val="accent6"/>
                 </a:solidFill>
               </a:rPr>
               <a:t> </a:t>
@@ -21658,74 +21672,27 @@
             </a:r>
             <a:r>
               <a:rPr lang="ko-KR" altLang="en-US" sz="1500" b="1" dirty="0"/>
-              <a:t>대리구매시 대리구매자의 정보를 </a:t>
+              <a:t>구매 수단을 </a:t>
             </a:r>
             <a:r>
               <a:rPr lang="ko-KR" altLang="en-US" sz="1500" b="1" dirty="0" err="1"/>
               <a:t>입력받음</a:t>
             </a:r>
-            <a:endParaRPr lang="en-US" altLang="ko-KR" b="1" dirty="0"/>
+            <a:endParaRPr lang="en-US" altLang="ko-KR" sz="1500" b="1" dirty="0"/>
           </a:p>
           <a:p>
             <a:r>
               <a:rPr lang="en-US" altLang="ko-KR" b="1" dirty="0" err="1">
                 <a:solidFill>
-                  <a:schemeClr val="tx2">
-                    <a:lumMod val="60000"/>
-                    <a:lumOff val="40000"/>
-                  </a:schemeClr>
+                  <a:schemeClr val="accent6"/>
                 </a:solidFill>
               </a:rPr>
-              <a:t>p_payment</a:t>
+              <a:t>p_store_name</a:t>
             </a:r>
             <a:r>
               <a:rPr lang="en-US" altLang="ko-KR" b="1" dirty="0">
                 <a:solidFill>
-                  <a:schemeClr val="tx2">
-                    <a:lumMod val="60000"/>
-                    <a:lumOff val="40000"/>
-                  </a:schemeClr>
-                </a:solidFill>
-              </a:rPr>
-              <a:t> </a:t>
-            </a:r>
-            <a:r>
-              <a:rPr lang="en-US" altLang="ko-KR" b="1" dirty="0"/>
-              <a:t>varchar2, </a:t>
-            </a:r>
-            <a:r>
-              <a:rPr lang="en-US" altLang="ko-KR" sz="1500" b="1" dirty="0"/>
-              <a:t>--</a:t>
-            </a:r>
-            <a:r>
-              <a:rPr lang="ko-KR" altLang="en-US" sz="1500" b="1" dirty="0"/>
-              <a:t>구매 수단을 </a:t>
-            </a:r>
-            <a:r>
-              <a:rPr lang="ko-KR" altLang="en-US" sz="1500" b="1" dirty="0" err="1"/>
-              <a:t>입력받음</a:t>
-            </a:r>
-            <a:endParaRPr lang="en-US" altLang="ko-KR" sz="1500" b="1" dirty="0"/>
-          </a:p>
-          <a:p>
-            <a:r>
-              <a:rPr lang="en-US" altLang="ko-KR" b="1" dirty="0" err="1">
-                <a:solidFill>
-                  <a:schemeClr val="tx2">
-                    <a:lumMod val="60000"/>
-                    <a:lumOff val="40000"/>
-                  </a:schemeClr>
-                </a:solidFill>
-              </a:rPr>
-              <a:t>p_store_name</a:t>
-            </a:r>
-            <a:r>
-              <a:rPr lang="en-US" altLang="ko-KR" b="1" dirty="0">
-                <a:solidFill>
-                  <a:schemeClr val="tx2">
-                    <a:lumMod val="60000"/>
-                    <a:lumOff val="40000"/>
-                  </a:schemeClr>
+                  <a:schemeClr val="accent6"/>
                 </a:solidFill>
               </a:rPr>
               <a:t> </a:t>
@@ -24429,7 +24396,7 @@
         <p:spPr>
           <a:xfrm>
             <a:off x="539552" y="1007017"/>
-            <a:ext cx="8136904" cy="784830"/>
+            <a:ext cx="8136904" cy="1015663"/>
           </a:xfrm>
           <a:prstGeom prst="rect">
             <a:avLst/>
@@ -24661,10 +24628,36 @@
               </a:rPr>
               <a:t>; end if;</a:t>
             </a:r>
-            <a:endParaRPr lang="ko-KR" altLang="en-US" sz="1500" dirty="0">
-              <a:latin typeface="HY견고딕" panose="02030600000101010101" pitchFamily="18" charset="-127"/>
-              <a:ea typeface="HY견고딕" panose="02030600000101010101" pitchFamily="18" charset="-127"/>
-            </a:endParaRPr>
+          </a:p>
+          <a:p>
+            <a:r>
+              <a:rPr lang="en-US" altLang="ko-KR" sz="1300" dirty="0">
+                <a:latin typeface="HY견고딕" panose="02030600000101010101" pitchFamily="18" charset="-127"/>
+                <a:ea typeface="HY견고딕" panose="02030600000101010101" pitchFamily="18" charset="-127"/>
+              </a:rPr>
+              <a:t>--</a:t>
+            </a:r>
+            <a:r>
+              <a:rPr lang="ko-KR" altLang="en-US" sz="1300" dirty="0">
+                <a:latin typeface="HY견고딕" panose="02030600000101010101" pitchFamily="18" charset="-127"/>
+                <a:ea typeface="HY견고딕" panose="02030600000101010101" pitchFamily="18" charset="-127"/>
+              </a:rPr>
+              <a:t>입력정보와 테이블내에 존재하는 정보가 일치하지 않으면 </a:t>
+            </a:r>
+            <a:r>
+              <a:rPr lang="en-US" altLang="ko-KR" sz="1300" dirty="0">
+                <a:latin typeface="HY견고딕" panose="02030600000101010101" pitchFamily="18" charset="-127"/>
+                <a:ea typeface="HY견고딕" panose="02030600000101010101" pitchFamily="18" charset="-127"/>
+              </a:rPr>
+              <a:t>exception </a:t>
+            </a:r>
+            <a:r>
+              <a:rPr lang="ko-KR" altLang="en-US" sz="1300" dirty="0">
+                <a:latin typeface="HY견고딕" panose="02030600000101010101" pitchFamily="18" charset="-127"/>
+                <a:ea typeface="HY견고딕" panose="02030600000101010101" pitchFamily="18" charset="-127"/>
+              </a:rPr>
+              <a:t>발생</a:t>
+            </a:r>
           </a:p>
         </p:txBody>
       </p:sp>
@@ -25037,7 +25030,7 @@
         <p:spPr>
           <a:xfrm>
             <a:off x="473340" y="1012325"/>
-            <a:ext cx="7925131" cy="5170646"/>
+            <a:ext cx="7925131" cy="5632311"/>
           </a:xfrm>
           <a:prstGeom prst="rect">
             <a:avLst/>
@@ -25052,7 +25045,19 @@
           <a:p>
             <a:r>
               <a:rPr lang="en-US" altLang="ko-KR" sz="1500" b="1" dirty="0"/>
-              <a:t>for re in (select sum(</a:t>
+              <a:t>for re in (select </a:t>
+            </a:r>
+            <a:r>
+              <a:rPr lang="en-US" altLang="ko-KR" sz="1500" b="1" dirty="0">
+                <a:solidFill>
+                  <a:srgbClr val="FF0000"/>
+                </a:solidFill>
+              </a:rPr>
+              <a:t>sum</a:t>
+            </a:r>
+            <a:r>
+              <a:rPr lang="en-US" altLang="ko-KR" sz="1500" b="1" dirty="0"/>
+              <a:t>(</a:t>
             </a:r>
             <a:r>
               <a:rPr lang="en-US" altLang="ko-KR" sz="1500" b="1" dirty="0" err="1">
@@ -25250,7 +25255,45 @@
             </a:r>
             <a:r>
               <a:rPr lang="en-US" altLang="ko-KR" sz="1500" b="1" dirty="0"/>
-              <a:t>;</a:t>
+              <a:t>;	</a:t>
+            </a:r>
+          </a:p>
+          <a:p>
+            <a:r>
+              <a:rPr lang="en-US" altLang="ko-KR" sz="1300" b="1" dirty="0"/>
+              <a:t>-- </a:t>
+            </a:r>
+            <a:r>
+              <a:rPr lang="ko-KR" altLang="en-US" sz="1300" b="1" dirty="0"/>
+              <a:t>구매한 마스크와 구매할 마스크의 합이 </a:t>
+            </a:r>
+            <a:r>
+              <a:rPr lang="en-US" altLang="ko-KR" sz="1300" b="1" dirty="0"/>
+              <a:t>3</a:t>
+            </a:r>
+            <a:r>
+              <a:rPr lang="ko-KR" altLang="en-US" sz="1300" b="1" dirty="0"/>
+              <a:t>을 </a:t>
+            </a:r>
+            <a:r>
+              <a:rPr lang="ko-KR" altLang="en-US" sz="1300" b="1" dirty="0" err="1"/>
+              <a:t>초과하게되면</a:t>
+            </a:r>
+            <a:r>
+              <a:rPr lang="ko-KR" altLang="en-US" sz="1300" b="1" dirty="0"/>
+              <a:t> </a:t>
+            </a:r>
+            <a:r>
+              <a:rPr lang="en-US" altLang="ko-KR" sz="1300" b="1" dirty="0"/>
+              <a:t>exception</a:t>
+            </a:r>
+            <a:r>
+              <a:rPr lang="ko-KR" altLang="en-US" sz="1300" b="1" dirty="0"/>
+              <a:t>이 발생함</a:t>
+            </a:r>
+            <a:r>
+              <a:rPr lang="en-US" altLang="ko-KR" sz="1500" b="1" dirty="0"/>
+              <a:t>	</a:t>
             </a:r>
           </a:p>
           <a:p>
@@ -25633,6 +25676,33 @@
               <a:rPr lang="en-US" altLang="ko-KR" sz="1500" b="1" dirty="0"/>
               <a:t>;</a:t>
             </a:r>
+          </a:p>
+          <a:p>
+            <a:r>
+              <a:rPr lang="en-US" altLang="ko-KR" sz="1300" b="1" dirty="0"/>
+              <a:t>--</a:t>
+            </a:r>
+            <a:r>
+              <a:rPr lang="ko-KR" altLang="en-US" sz="1300" b="1" dirty="0"/>
+              <a:t>마스크 구매할 수 있는 요일이 </a:t>
+            </a:r>
+            <a:r>
+              <a:rPr lang="ko-KR" altLang="en-US" sz="1300" b="1" dirty="0" err="1"/>
+              <a:t>아닌경우</a:t>
+            </a:r>
+            <a:r>
+              <a:rPr lang="ko-KR" altLang="en-US" sz="1300" b="1" dirty="0"/>
+              <a:t> </a:t>
+            </a:r>
+            <a:r>
+              <a:rPr lang="en-US" altLang="ko-KR" sz="1300" b="1" dirty="0"/>
+              <a:t>exception</a:t>
+            </a:r>
+            <a:r>
+              <a:rPr lang="ko-KR" altLang="en-US" sz="1300" b="1" dirty="0"/>
+              <a:t>이 발생함</a:t>
+            </a:r>
+            <a:endParaRPr lang="en-US" altLang="ko-KR" sz="1300" b="1" dirty="0"/>
           </a:p>
           <a:p>
             <a:r>
@@ -25855,13 +25925,13 @@
           <p:nvPr>
             <p:extLst>
               <p:ext uri="{D42A27DB-BD31-4B8C-83A1-F6EECF244321}">
-                <p14:modId xmlns:p14="http://schemas.microsoft.com/office/powerpoint/2010/main" val="2848800258"/>
+                <p14:modId xmlns:p14="http://schemas.microsoft.com/office/powerpoint/2010/main" val="1522514218"/>
               </p:ext>
             </p:extLst>
           </p:nvPr>
         </p:nvGraphicFramePr>
         <p:xfrm>
-          <a:off x="709497" y="5245008"/>
+          <a:off x="709497" y="5409972"/>
           <a:ext cx="7251700" cy="883920"/>
         </p:xfrm>
         <a:graphic>
@@ -26200,12 +26270,12 @@
                     <a:p>
                       <a:pPr algn="l" fontAlgn="ctr"/>
                       <a:r>
-                        <a:rPr lang="en-US" altLang="ko-KR" sz="1100" u="none" strike="noStrike">
+                        <a:rPr lang="en-US" altLang="ko-KR" sz="1100" u="none" strike="noStrike" dirty="0">
                           <a:effectLst/>
                         </a:rPr>
                         <a:t>2020/05/22 11:01:44</a:t>
                       </a:r>
-                      <a:endParaRPr lang="en-US" altLang="ko-KR" sz="1100" b="0" i="0" u="none" strike="noStrike">
+                      <a:endParaRPr lang="en-US" altLang="ko-KR" sz="1100" b="0" i="0" u="none" strike="noStrike" dirty="0">
                         <a:solidFill>
                           <a:srgbClr val="000000"/>
                         </a:solidFill>
@@ -26375,12 +26445,12 @@
                     <a:p>
                       <a:pPr algn="l" fontAlgn="ctr"/>
                       <a:r>
-                        <a:rPr lang="en-US" altLang="ko-KR" sz="1100" u="none" strike="noStrike">
+                        <a:rPr lang="en-US" altLang="ko-KR" sz="1100" u="none" strike="noStrike" dirty="0">
                           <a:effectLst/>
                         </a:rPr>
                         <a:t>2020/05/22 11:01:45</a:t>
                       </a:r>
-                      <a:endParaRPr lang="en-US" altLang="ko-KR" sz="1100" b="0" i="0" u="none" strike="noStrike">
+                      <a:endParaRPr lang="en-US" altLang="ko-KR" sz="1100" b="0" i="0" u="none" strike="noStrike" dirty="0">
                         <a:solidFill>
                           <a:srgbClr val="000000"/>
                         </a:solidFill>
@@ -26454,12 +26524,12 @@
                     <a:p>
                       <a:pPr algn="l" fontAlgn="ctr"/>
                       <a:r>
-                        <a:rPr lang="en-US" sz="1100" u="none" strike="noStrike">
+                        <a:rPr lang="en-US" sz="1100" u="none" strike="noStrike" dirty="0" err="1">
                           <a:effectLst/>
                         </a:rPr>
                         <a:t>leejinsang</a:t>
                       </a:r>
-                      <a:endParaRPr lang="en-US" sz="1100" b="0" i="0" u="none" strike="noStrike">
+                      <a:endParaRPr lang="en-US" sz="1100" b="0" i="0" u="none" strike="noStrike" dirty="0">
                         <a:solidFill>
                           <a:srgbClr val="000000"/>
                         </a:solidFill>
@@ -27207,7 +27277,7 @@
         <p:spPr>
           <a:xfrm>
             <a:off x="456181" y="1663162"/>
-            <a:ext cx="8264495" cy="2169825"/>
+            <a:ext cx="8264495" cy="3785652"/>
           </a:xfrm>
           <a:prstGeom prst="rect">
             <a:avLst/>
@@ -27285,8 +27355,20 @@
                 <a:latin typeface="HY헤드라인M" panose="02030600000101010101" pitchFamily="18" charset="-127"/>
                 <a:ea typeface="HY헤드라인M" panose="02030600000101010101" pitchFamily="18" charset="-127"/>
               </a:rPr>
-              <a:t>');</a:t>
-            </a:r>
+              <a:t>’);</a:t>
+            </a:r>
+          </a:p>
+          <a:p>
+            <a:endParaRPr lang="en-US" altLang="ko-KR" sz="1500" dirty="0">
+              <a:latin typeface="HY헤드라인M" panose="02030600000101010101" pitchFamily="18" charset="-127"/>
+              <a:ea typeface="HY헤드라인M" panose="02030600000101010101" pitchFamily="18" charset="-127"/>
+            </a:endParaRPr>
+          </a:p>
+          <a:p>
+            <a:endParaRPr lang="en-US" altLang="ko-KR" sz="1500" dirty="0">
+              <a:latin typeface="HY헤드라인M" panose="02030600000101010101" pitchFamily="18" charset="-127"/>
+              <a:ea typeface="HY헤드라인M" panose="02030600000101010101" pitchFamily="18" charset="-127"/>
+            </a:endParaRPr>
           </a:p>
           <a:p>
             <a:r>
@@ -27406,8 +27488,20 @@
                 <a:latin typeface="HY헤드라인M" panose="02030600000101010101" pitchFamily="18" charset="-127"/>
                 <a:ea typeface="HY헤드라인M" panose="02030600000101010101" pitchFamily="18" charset="-127"/>
               </a:rPr>
-              <a:t>');</a:t>
-            </a:r>
+              <a:t>’);</a:t>
+            </a:r>
+          </a:p>
+          <a:p>
+            <a:endParaRPr lang="en-US" altLang="ko-KR" sz="1500" dirty="0">
+              <a:latin typeface="HY헤드라인M" panose="02030600000101010101" pitchFamily="18" charset="-127"/>
+              <a:ea typeface="HY헤드라인M" panose="02030600000101010101" pitchFamily="18" charset="-127"/>
+            </a:endParaRPr>
+          </a:p>
+          <a:p>
+            <a:endParaRPr lang="en-US" altLang="ko-KR" sz="1500" dirty="0">
+              <a:latin typeface="HY헤드라인M" panose="02030600000101010101" pitchFamily="18" charset="-127"/>
+              <a:ea typeface="HY헤드라인M" panose="02030600000101010101" pitchFamily="18" charset="-127"/>
+            </a:endParaRPr>
           </a:p>
           <a:p>
             <a:r>
@@ -27555,8 +27649,22 @@
                 <a:latin typeface="HY헤드라인M" panose="02030600000101010101" pitchFamily="18" charset="-127"/>
                 <a:ea typeface="HY헤드라인M" panose="02030600000101010101" pitchFamily="18" charset="-127"/>
               </a:rPr>
-              <a:t>');</a:t>
-            </a:r>
+              <a:t>’);</a:t>
+            </a:r>
+          </a:p>
+          <a:p>
+            <a:endParaRPr lang="en-US" altLang="ko-KR" sz="1500" dirty="0">
+              <a:latin typeface="HY헤드라인M" panose="02030600000101010101" pitchFamily="18" charset="-127"/>
+              <a:ea typeface="HY헤드라인M" panose="02030600000101010101" pitchFamily="18" charset="-127"/>
+            </a:endParaRPr>
+          </a:p>
+          <a:p>
+            <a:endParaRPr lang="en-US" altLang="ko-KR" sz="1500" dirty="0">
+              <a:latin typeface="HY헤드라인M" panose="02030600000101010101" pitchFamily="18" charset="-127"/>
+              <a:ea typeface="HY헤드라인M" panose="02030600000101010101" pitchFamily="18" charset="-127"/>
+            </a:endParaRPr>
+          </a:p>
+          <a:p>
             <a:endParaRPr lang="ko-KR" altLang="en-US" sz="1500" dirty="0">
               <a:latin typeface="HY헤드라인M" panose="02030600000101010101" pitchFamily="18" charset="-127"/>
               <a:ea typeface="HY헤드라인M" panose="02030600000101010101" pitchFamily="18" charset="-127"/>
@@ -27564,6 +27672,114 @@
           </a:p>
         </p:txBody>
       </p:sp>
+      <p:pic>
+        <p:nvPicPr>
+          <p:cNvPr id="5" name="그림 4">
+            <a:extLst>
+              <a:ext uri="{FF2B5EF4-FFF2-40B4-BE49-F238E27FC236}">
+                <a16:creationId xmlns:a16="http://schemas.microsoft.com/office/drawing/2014/main" id="{FBE9BCA2-6F90-4E64-B364-394E8A4509F9}"/>
+              </a:ext>
+            </a:extLst>
+          </p:cNvPr>
+          <p:cNvPicPr>
+            <a:picLocks noChangeAspect="1"/>
+          </p:cNvPicPr>
+          <p:nvPr/>
+        </p:nvPicPr>
+        <p:blipFill>
+          <a:blip r:embed="rId3">
+            <a:extLst>
+              <a:ext uri="{28A0092B-C50C-407E-A947-70E740481C1C}">
+                <a14:useLocalDpi xmlns:a14="http://schemas.microsoft.com/office/drawing/2010/main" val="0"/>
+              </a:ext>
+            </a:extLst>
+          </a:blip>
+          <a:stretch>
+            <a:fillRect/>
+          </a:stretch>
+        </p:blipFill>
+        <p:spPr>
+          <a:xfrm>
+            <a:off x="687217" y="4941168"/>
+            <a:ext cx="7109604" cy="357394"/>
+          </a:xfrm>
+          <a:prstGeom prst="rect">
+            <a:avLst/>
+          </a:prstGeom>
+        </p:spPr>
+      </p:pic>
+      <p:pic>
+        <p:nvPicPr>
+          <p:cNvPr id="8" name="그림 7">
+            <a:extLst>
+              <a:ext uri="{FF2B5EF4-FFF2-40B4-BE49-F238E27FC236}">
+                <a16:creationId xmlns:a16="http://schemas.microsoft.com/office/drawing/2014/main" id="{D3F34430-B38A-4C04-8D96-20BADBF96B47}"/>
+              </a:ext>
+            </a:extLst>
+          </p:cNvPr>
+          <p:cNvPicPr>
+            <a:picLocks noChangeAspect="1"/>
+          </p:cNvPicPr>
+          <p:nvPr/>
+        </p:nvPicPr>
+        <p:blipFill>
+          <a:blip r:embed="rId4">
+            <a:extLst>
+              <a:ext uri="{28A0092B-C50C-407E-A947-70E740481C1C}">
+                <a14:useLocalDpi xmlns:a14="http://schemas.microsoft.com/office/drawing/2010/main" val="0"/>
+              </a:ext>
+            </a:extLst>
+          </a:blip>
+          <a:stretch>
+            <a:fillRect/>
+          </a:stretch>
+        </p:blipFill>
+        <p:spPr>
+          <a:xfrm>
+            <a:off x="687217" y="2572361"/>
+            <a:ext cx="6910180" cy="435023"/>
+          </a:xfrm>
+          <a:prstGeom prst="rect">
+            <a:avLst/>
+          </a:prstGeom>
+        </p:spPr>
+      </p:pic>
+      <p:pic>
+        <p:nvPicPr>
+          <p:cNvPr id="12" name="그림 11">
+            <a:extLst>
+              <a:ext uri="{FF2B5EF4-FFF2-40B4-BE49-F238E27FC236}">
+                <a16:creationId xmlns:a16="http://schemas.microsoft.com/office/drawing/2014/main" id="{FF7E03AA-E7FB-4372-AA22-A34F3C12DBCF}"/>
+              </a:ext>
+            </a:extLst>
+          </p:cNvPr>
+          <p:cNvPicPr>
+            <a:picLocks noChangeAspect="1"/>
+          </p:cNvPicPr>
+          <p:nvPr/>
+        </p:nvPicPr>
+        <p:blipFill>
+          <a:blip r:embed="rId5">
+            <a:extLst>
+              <a:ext uri="{28A0092B-C50C-407E-A947-70E740481C1C}">
+                <a14:useLocalDpi xmlns:a14="http://schemas.microsoft.com/office/drawing/2010/main" val="0"/>
+              </a:ext>
+            </a:extLst>
+          </a:blip>
+          <a:stretch>
+            <a:fillRect/>
+          </a:stretch>
+        </p:blipFill>
+        <p:spPr>
+          <a:xfrm>
+            <a:off x="709497" y="3641871"/>
+            <a:ext cx="7802415" cy="385834"/>
+          </a:xfrm>
+          <a:prstGeom prst="rect">
+            <a:avLst/>
+          </a:prstGeom>
+        </p:spPr>
+      </p:pic>
     </p:spTree>
     <p:extLst>
       <p:ext uri="{BB962C8B-B14F-4D97-AF65-F5344CB8AC3E}">
@@ -27623,6 +27839,111 @@
                                         <p:cTn id="7" dur="500"/>
                                         <p:tgtEl>
                                           <p:spTgt spid="6"/>
+                                        </p:tgtEl>
+                                      </p:cBhvr>
+                                    </p:animEffect>
+                                  </p:childTnLst>
+                                </p:cTn>
+                              </p:par>
+                              <p:par>
+                                <p:cTn id="8" presetID="10" presetClass="entr" presetSubtype="0" fill="hold" nodeType="withEffect">
+                                  <p:stCondLst>
+                                    <p:cond delay="0"/>
+                                  </p:stCondLst>
+                                  <p:childTnLst>
+                                    <p:set>
+                                      <p:cBhvr>
+                                        <p:cTn id="9" dur="1" fill="hold">
+                                          <p:stCondLst>
+                                            <p:cond delay="0"/>
+                                          </p:stCondLst>
+                                        </p:cTn>
+                                        <p:tgtEl>
+                                          <p:spTgt spid="8"/>
+                                        </p:tgtEl>
+                                        <p:attrNameLst>
+                                          <p:attrName>style.visibility</p:attrName>
+                                        </p:attrNameLst>
+                                      </p:cBhvr>
+                                      <p:to>
+                                        <p:strVal val="visible"/>
+                                      </p:to>
+                                    </p:set>
+                                    <p:animEffect transition="in" filter="fade">
+                                      <p:cBhvr>
+                                        <p:cTn id="10" dur="500"/>
+                                        <p:tgtEl>
+                                          <p:spTgt spid="8"/>
+                                        </p:tgtEl>
+                                      </p:cBhvr>
+                                    </p:animEffect>
+                                  </p:childTnLst>
+                                </p:cTn>
+                              </p:par>
+                              <p:par>
+                                <p:cTn id="11" presetID="10" presetClass="entr" presetSubtype="0" fill="hold" nodeType="withEffect">
+                                  <p:stCondLst>
+                                    <p:cond delay="0"/>
+                                  </p:stCondLst>
+                                  <p:childTnLst>
+                                    <p:set>
+                                      <p:cBhvr>
+                                        <p:cTn id="12" dur="1" fill="hold">
+                                          <p:stCondLst>
+                                            <p:cond delay="0"/>
+                                          </p:stCondLst>
+                                        </p:cTn>
+                                        <p:tgtEl>
+                                          <p:spTgt spid="12"/>
+                                        </p:tgtEl>
+                                        <p:attrNameLst>
+                                          <p:attrName>style.visibility</p:attrName>
+                                        </p:attrNameLst>
+                                      </p:cBhvr>
+                                      <p:to>
+                                        <p:strVal val="visible"/>
+                                      </p:to>
+                                    </p:set>
+                                    <p:animEffect transition="in" filter="fade">
+                                      <p:cBhvr>
+                                        <p:cTn id="13" dur="500"/>
+                                        <p:tgtEl>
+                                          <p:spTgt spid="12"/>
+                                        </p:tgtEl>
+                                      </p:cBhvr>
+                                    </p:animEffect>
+                                  </p:childTnLst>
+                                </p:cTn>
+                              </p:par>
+                              <p:par>
+                                <p:cTn id="14" presetID="10" presetClass="entr" presetSubtype="0" fill="hold" nodeType="withEffect">
+                                  <p:stCondLst>
+                                    <p:cond delay="0"/>
+                                  </p:stCondLst>
+                                  <p:childTnLst>
+                                    <p:set>
+                                      <p:cBhvr>
+                                        <p:cTn id="15" dur="1" fill="hold">
+                                          <p:stCondLst>
+                                            <p:cond delay="0"/>
+                                          </p:stCondLst>
+                                        </p:cTn>
+                                        <p:tgtEl>
+                                          <p:spTgt spid="5"/>
+                                        </p:tgtEl>
+                                        <p:attrNameLst>
+                                          <p:attrName>style.visibility</p:attrName>
+                                        </p:attrNameLst>
+                                      </p:cBhvr>
+                                      <p:to>
+                                        <p:strVal val="visible"/>
+                                      </p:to>
+                                    </p:set>
+                                    <p:animEffect transition="in" filter="fade">
+                                      <p:cBhvr>
+                                        <p:cTn id="16" dur="500"/>
+                                        <p:tgtEl>
+                                          <p:spTgt spid="5"/>
                                         </p:tgtEl>
                                       </p:cBhvr>
                                     </p:animEffect>
@@ -30941,7 +31262,7 @@
         <p:spPr>
           <a:xfrm>
             <a:off x="473340" y="1012329"/>
-            <a:ext cx="7925131" cy="4662815"/>
+            <a:ext cx="7925131" cy="5093702"/>
           </a:xfrm>
           <a:prstGeom prst="rect">
             <a:avLst/>
@@ -31375,6 +31696,68 @@
             </a:r>
           </a:p>
           <a:p>
+            <a:r>
+              <a:rPr lang="en-US" altLang="ko-KR" sz="1300" b="1" dirty="0"/>
+              <a:t>--</a:t>
+            </a:r>
+            <a:r>
+              <a:rPr lang="ko-KR" altLang="en-US" sz="1300" b="1" dirty="0"/>
+              <a:t>대리구매 자격</a:t>
+            </a:r>
+            <a:r>
+              <a:rPr lang="en-US" altLang="ko-KR" sz="1300" b="1" dirty="0"/>
+              <a:t>(</a:t>
+            </a:r>
+            <a:r>
+              <a:rPr lang="ko-KR" altLang="en-US" sz="1300" b="1" dirty="0"/>
+              <a:t>만 </a:t>
+            </a:r>
+            <a:r>
+              <a:rPr lang="en-US" altLang="ko-KR" sz="1300" b="1" dirty="0"/>
+              <a:t>10</a:t>
+            </a:r>
+            <a:r>
+              <a:rPr lang="ko-KR" altLang="en-US" sz="1300" b="1" dirty="0"/>
+              <a:t>세미만</a:t>
+            </a:r>
+            <a:r>
+              <a:rPr lang="en-US" altLang="ko-KR" sz="1300" b="1" dirty="0"/>
+              <a:t>,</a:t>
+            </a:r>
+            <a:r>
+              <a:rPr lang="ko-KR" altLang="en-US" sz="1300" b="1" dirty="0"/>
+              <a:t>만</a:t>
+            </a:r>
+            <a:r>
+              <a:rPr lang="en-US" altLang="ko-KR" sz="1300" b="1" dirty="0"/>
+              <a:t>80</a:t>
+            </a:r>
+            <a:r>
+              <a:rPr lang="ko-KR" altLang="en-US" sz="1300" b="1" dirty="0"/>
+              <a:t>세 초과 혹은 장애인</a:t>
+            </a:r>
+            <a:r>
+              <a:rPr lang="en-US" altLang="ko-KR" sz="1300" b="1" dirty="0"/>
+              <a:t>)</a:t>
+            </a:r>
+            <a:r>
+              <a:rPr lang="ko-KR" altLang="en-US" sz="1300" b="1" dirty="0"/>
+              <a:t>이 </a:t>
+            </a:r>
+            <a:r>
+              <a:rPr lang="ko-KR" altLang="en-US" sz="1300" b="1" dirty="0" err="1"/>
+              <a:t>아닐경우</a:t>
+            </a:r>
+            <a:r>
+              <a:rPr lang="ko-KR" altLang="en-US" sz="1300" b="1" dirty="0"/>
+              <a:t> </a:t>
+            </a:r>
+            <a:r>
+              <a:rPr lang="en-US" altLang="ko-KR" sz="1300" b="1" dirty="0"/>
+              <a:t>exception</a:t>
+            </a:r>
+          </a:p>
+          <a:p>
             <a:endParaRPr lang="en-US" altLang="ko-KR" sz="1500" b="1" dirty="0"/>
           </a:p>
           <a:p>
@@ -31509,7 +31892,39 @@
             </a:r>
             <a:r>
               <a:rPr lang="en-US" altLang="ko-KR" sz="1500" b="1" dirty="0"/>
-              <a:t>);</a:t>
+              <a:t>); --</a:t>
+            </a:r>
+            <a:r>
+              <a:rPr lang="ko-KR" altLang="en-US" sz="1500" b="1" dirty="0"/>
+              <a:t>마스크 구매 프로시저 호출</a:t>
+            </a:r>
+            <a:r>
+              <a:rPr lang="en-US" altLang="ko-KR" sz="1500" b="1" dirty="0"/>
+              <a:t>(</a:t>
+            </a:r>
+            <a:r>
+              <a:rPr lang="ko-KR" altLang="en-US" sz="1500" b="1" dirty="0"/>
+              <a:t>해당 요일</a:t>
+            </a:r>
+            <a:r>
+              <a:rPr lang="en-US" altLang="ko-KR" sz="1500" b="1" dirty="0"/>
+              <a:t>,</a:t>
+            </a:r>
+            <a:r>
+              <a:rPr lang="ko-KR" altLang="en-US" sz="1500" b="1" dirty="0"/>
+              <a:t>마스크 구매개수에 따른 </a:t>
+            </a:r>
+            <a:r>
+              <a:rPr lang="en-US" altLang="ko-KR" sz="1500" b="1" dirty="0"/>
+              <a:t>		          exception </a:t>
+            </a:r>
+            <a:r>
+              <a:rPr lang="ko-KR" altLang="en-US" sz="1500" b="1" dirty="0"/>
+              <a:t>처리</a:t>
+            </a:r>
+            <a:r>
+              <a:rPr lang="en-US" altLang="ko-KR" sz="1500" b="1" dirty="0"/>
+              <a:t>)</a:t>
             </a:r>
             <a:endParaRPr lang="ko-KR" altLang="en-US" sz="1500" b="1" dirty="0"/>
           </a:p>
@@ -32642,8 +33057,8 @@
         </p:nvSpPr>
         <p:spPr>
           <a:xfrm>
-            <a:off x="456181" y="2857104"/>
-            <a:ext cx="8264495" cy="1246495"/>
+            <a:off x="456181" y="2276872"/>
+            <a:ext cx="8264495" cy="2169825"/>
           </a:xfrm>
           <a:prstGeom prst="rect">
             <a:avLst/>
@@ -32738,8 +33153,20 @@
                 <a:latin typeface="HY헤드라인M" panose="02030600000101010101" pitchFamily="18" charset="-127"/>
                 <a:ea typeface="HY헤드라인M" panose="02030600000101010101" pitchFamily="18" charset="-127"/>
               </a:rPr>
-              <a:t>.');</a:t>
-            </a:r>
+              <a:t>.’);</a:t>
+            </a:r>
+          </a:p>
+          <a:p>
+            <a:endParaRPr lang="en-US" altLang="ko-KR" sz="1500" dirty="0">
+              <a:latin typeface="HY헤드라인M" panose="02030600000101010101" pitchFamily="18" charset="-127"/>
+              <a:ea typeface="HY헤드라인M" panose="02030600000101010101" pitchFamily="18" charset="-127"/>
+            </a:endParaRPr>
+          </a:p>
+          <a:p>
+            <a:endParaRPr lang="en-US" altLang="ko-KR" sz="1500" dirty="0">
+              <a:latin typeface="HY헤드라인M" panose="02030600000101010101" pitchFamily="18" charset="-127"/>
+              <a:ea typeface="HY헤드라인M" panose="02030600000101010101" pitchFamily="18" charset="-127"/>
+            </a:endParaRPr>
           </a:p>
           <a:p>
             <a:r>
@@ -32749,6 +33176,21 @@
               </a:rPr>
               <a:t> </a:t>
             </a:r>
+          </a:p>
+          <a:p>
+            <a:r>
+              <a:rPr lang="en-US" altLang="ko-KR" sz="1500" dirty="0">
+                <a:latin typeface="HY헤드라인M" panose="02030600000101010101" pitchFamily="18" charset="-127"/>
+                <a:ea typeface="HY헤드라인M" panose="02030600000101010101" pitchFamily="18" charset="-127"/>
+              </a:rPr>
+              <a:t>     </a:t>
+            </a:r>
+          </a:p>
+          <a:p>
+            <a:endParaRPr lang="en-US" altLang="ko-KR" sz="1500" dirty="0">
+              <a:latin typeface="HY헤드라인M" panose="02030600000101010101" pitchFamily="18" charset="-127"/>
+              <a:ea typeface="HY헤드라인M" panose="02030600000101010101" pitchFamily="18" charset="-127"/>
+            </a:endParaRPr>
           </a:p>
           <a:p>
             <a:r>
@@ -32820,6 +33262,78 @@
           </a:p>
         </p:txBody>
       </p:sp>
+      <p:pic>
+        <p:nvPicPr>
+          <p:cNvPr id="5" name="그림 4">
+            <a:extLst>
+              <a:ext uri="{FF2B5EF4-FFF2-40B4-BE49-F238E27FC236}">
+                <a16:creationId xmlns:a16="http://schemas.microsoft.com/office/drawing/2014/main" id="{A9AA988F-4991-437F-B70F-FDCB7A5E9898}"/>
+              </a:ext>
+            </a:extLst>
+          </p:cNvPr>
+          <p:cNvPicPr>
+            <a:picLocks noChangeAspect="1"/>
+          </p:cNvPicPr>
+          <p:nvPr/>
+        </p:nvPicPr>
+        <p:blipFill>
+          <a:blip r:embed="rId3">
+            <a:extLst>
+              <a:ext uri="{28A0092B-C50C-407E-A947-70E740481C1C}">
+                <a14:useLocalDpi xmlns:a14="http://schemas.microsoft.com/office/drawing/2010/main" val="0"/>
+              </a:ext>
+            </a:extLst>
+          </a:blip>
+          <a:stretch>
+            <a:fillRect/>
+          </a:stretch>
+        </p:blipFill>
+        <p:spPr>
+          <a:xfrm>
+            <a:off x="736955" y="4653136"/>
+            <a:ext cx="4527248" cy="374435"/>
+          </a:xfrm>
+          <a:prstGeom prst="rect">
+            <a:avLst/>
+          </a:prstGeom>
+        </p:spPr>
+      </p:pic>
+      <p:pic>
+        <p:nvPicPr>
+          <p:cNvPr id="8" name="그림 7">
+            <a:extLst>
+              <a:ext uri="{FF2B5EF4-FFF2-40B4-BE49-F238E27FC236}">
+                <a16:creationId xmlns:a16="http://schemas.microsoft.com/office/drawing/2014/main" id="{CA7C29AC-E163-4098-AC21-8D4D69DF9ABD}"/>
+              </a:ext>
+            </a:extLst>
+          </p:cNvPr>
+          <p:cNvPicPr>
+            <a:picLocks noChangeAspect="1"/>
+          </p:cNvPicPr>
+          <p:nvPr/>
+        </p:nvPicPr>
+        <p:blipFill>
+          <a:blip r:embed="rId4">
+            <a:extLst>
+              <a:ext uri="{28A0092B-C50C-407E-A947-70E740481C1C}">
+                <a14:useLocalDpi xmlns:a14="http://schemas.microsoft.com/office/drawing/2010/main" val="0"/>
+              </a:ext>
+            </a:extLst>
+          </a:blip>
+          <a:stretch>
+            <a:fillRect/>
+          </a:stretch>
+        </p:blipFill>
+        <p:spPr>
+          <a:xfrm>
+            <a:off x="736955" y="2975740"/>
+            <a:ext cx="4267093" cy="381252"/>
+          </a:xfrm>
+          <a:prstGeom prst="rect">
+            <a:avLst/>
+          </a:prstGeom>
+        </p:spPr>
+      </p:pic>
     </p:spTree>
     <p:extLst>
       <p:ext uri="{BB962C8B-B14F-4D97-AF65-F5344CB8AC3E}">
@@ -32879,6 +33393,112 @@
                                         <p:cTn id="7" dur="500"/>
                                         <p:tgtEl>
                                           <p:spTgt spid="6"/>
+                                        </p:tgtEl>
+                                      </p:cBhvr>
+                                    </p:animEffect>
+                                  </p:childTnLst>
+                                </p:cTn>
+                              </p:par>
+                            </p:childTnLst>
+                          </p:cTn>
+                        </p:par>
+                      </p:childTnLst>
+                    </p:cTn>
+                  </p:par>
+                  <p:par>
+                    <p:cTn id="8" fill="hold">
+                      <p:stCondLst>
+                        <p:cond delay="indefinite"/>
+                      </p:stCondLst>
+                      <p:childTnLst>
+                        <p:par>
+                          <p:cTn id="9" fill="hold">
+                            <p:stCondLst>
+                              <p:cond delay="0"/>
+                            </p:stCondLst>
+                            <p:childTnLst>
+                              <p:par>
+                                <p:cTn id="10" presetID="10" presetClass="entr" presetSubtype="0" fill="hold" nodeType="clickEffect">
+                                  <p:stCondLst>
+                                    <p:cond delay="0"/>
+                                  </p:stCondLst>
+                                  <p:childTnLst>
+                                    <p:set>
+                                      <p:cBhvr>
+                                        <p:cTn id="11" dur="1" fill="hold">
+                                          <p:stCondLst>
+                                            <p:cond delay="0"/>
+                                          </p:stCondLst>
+                                        </p:cTn>
+                                        <p:tgtEl>
+                                          <p:spTgt spid="8"/>
+                                        </p:tgtEl>
+                                        <p:attrNameLst>
+                                          <p:attrName>style.visibility</p:attrName>
+                                        </p:attrNameLst>
+                                      </p:cBhvr>
+                                      <p:to>
+                                        <p:strVal val="visible"/>
+                                      </p:to>
+                                    </p:set>
+                                    <p:animEffect transition="in" filter="fade">
+                                      <p:cBhvr>
+                                        <p:cTn id="12" dur="500"/>
+                                        <p:tgtEl>
+                                          <p:spTgt spid="8"/>
+                                        </p:tgtEl>
+                                      </p:cBhvr>
+                                    </p:animEffect>
+                                  </p:childTnLst>
+                                </p:cTn>
+                              </p:par>
+                            </p:childTnLst>
+                          </p:cTn>
+                        </p:par>
+                      </p:childTnLst>
+                    </p:cTn>
+                  </p:par>
+                  <p:par>
+                    <p:cTn id="13" fill="hold">
+                      <p:stCondLst>
+                        <p:cond delay="indefinite"/>
+                      </p:stCondLst>
+                      <p:childTnLst>
+                        <p:par>
+                          <p:cTn id="14" fill="hold">
+                            <p:stCondLst>
+                              <p:cond delay="0"/>
+                            </p:stCondLst>
+                            <p:childTnLst>
+                              <p:par>
+                                <p:cTn id="15" presetID="10" presetClass="entr" presetSubtype="0" fill="hold" nodeType="clickEffect">
+                                  <p:stCondLst>
+                                    <p:cond delay="0"/>
+                                  </p:stCondLst>
+                                  <p:childTnLst>
+                                    <p:set>
+                                      <p:cBhvr>
+                                        <p:cTn id="16" dur="1" fill="hold">
+                                          <p:stCondLst>
+                                            <p:cond delay="0"/>
+                                          </p:stCondLst>
+                                        </p:cTn>
+                                        <p:tgtEl>
+                                          <p:spTgt spid="5"/>
+                                        </p:tgtEl>
+                                        <p:attrNameLst>
+                                          <p:attrName>style.visibility</p:attrName>
+                                        </p:attrNameLst>
+                                      </p:cBhvr>
+                                      <p:to>
+                                        <p:strVal val="visible"/>
+                                      </p:to>
+                                    </p:set>
+                                    <p:animEffect transition="in" filter="fade">
+                                      <p:cBhvr>
+                                        <p:cTn id="17" dur="500"/>
+                                        <p:tgtEl>
+                                          <p:spTgt spid="5"/>
                                         </p:tgtEl>
                                       </p:cBhvr>
                                     </p:animEffect>
@@ -34295,7 +34915,7 @@
                             </p:stCondLst>
                             <p:childTnLst>
                               <p:par>
-                                <p:cTn id="5" presetID="10" presetClass="entr" presetSubtype="0" fill="hold" grpId="0" nodeType="afterEffect">
+                                <p:cTn id="5" presetID="10" presetClass="entr" presetSubtype="0" fill="hold" grpId="0" nodeType="withEffect">
                                   <p:stCondLst>
                                     <p:cond delay="0"/>
                                   </p:stCondLst>
@@ -34329,24 +34949,15 @@
                                   </p:childTnLst>
                                 </p:cTn>
                               </p:par>
-                            </p:childTnLst>
-                          </p:cTn>
-                        </p:par>
-                        <p:par>
-                          <p:cTn id="8" fill="hold">
-                            <p:stCondLst>
-                              <p:cond delay="500"/>
-                            </p:stCondLst>
-                            <p:childTnLst>
                               <p:par>
-                                <p:cTn id="9" presetID="10" presetClass="entr" presetSubtype="0" fill="hold" grpId="0" nodeType="afterEffect">
+                                <p:cTn id="8" presetID="10" presetClass="entr" presetSubtype="0" fill="hold" grpId="0" nodeType="withEffect">
                                   <p:stCondLst>
                                     <p:cond delay="0"/>
                                   </p:stCondLst>
                                   <p:childTnLst>
                                     <p:set>
                                       <p:cBhvr>
-                                        <p:cTn id="10" dur="1" fill="hold">
+                                        <p:cTn id="9" dur="1" fill="hold">
                                           <p:stCondLst>
                                             <p:cond delay="0"/>
                                           </p:stCondLst>
@@ -34364,7 +34975,7 @@
                                     </p:set>
                                     <p:animEffect transition="in" filter="fade">
                                       <p:cBhvr>
-                                        <p:cTn id="11" dur="500"/>
+                                        <p:cTn id="10" dur="500"/>
                                         <p:tgtEl>
                                           <p:spTgt spid="29"/>
                                         </p:tgtEl>
@@ -34373,24 +34984,15 @@
                                   </p:childTnLst>
                                 </p:cTn>
                               </p:par>
-                            </p:childTnLst>
-                          </p:cTn>
-                        </p:par>
-                        <p:par>
-                          <p:cTn id="12" fill="hold">
-                            <p:stCondLst>
-                              <p:cond delay="1000"/>
-                            </p:stCondLst>
-                            <p:childTnLst>
                               <p:par>
-                                <p:cTn id="13" presetID="10" presetClass="entr" presetSubtype="0" fill="hold" grpId="0" nodeType="afterEffect">
+                                <p:cTn id="11" presetID="10" presetClass="entr" presetSubtype="0" fill="hold" grpId="0" nodeType="withEffect">
                                   <p:stCondLst>
                                     <p:cond delay="0"/>
                                   </p:stCondLst>
                                   <p:childTnLst>
                                     <p:set>
                                       <p:cBhvr>
-                                        <p:cTn id="14" dur="1" fill="hold">
+                                        <p:cTn id="12" dur="1" fill="hold">
                                           <p:stCondLst>
                                             <p:cond delay="0"/>
                                           </p:stCondLst>
@@ -34408,7 +35010,7 @@
                                     </p:set>
                                     <p:animEffect transition="in" filter="fade">
                                       <p:cBhvr>
-                                        <p:cTn id="15" dur="500"/>
+                                        <p:cTn id="13" dur="500"/>
                                         <p:tgtEl>
                                           <p:spTgt spid="34"/>
                                         </p:tgtEl>
@@ -34417,24 +35019,15 @@
                                   </p:childTnLst>
                                 </p:cTn>
                               </p:par>
-                            </p:childTnLst>
-                          </p:cTn>
-                        </p:par>
-                        <p:par>
-                          <p:cTn id="16" fill="hold">
-                            <p:stCondLst>
-                              <p:cond delay="1500"/>
-                            </p:stCondLst>
-                            <p:childTnLst>
                               <p:par>
-                                <p:cTn id="17" presetID="10" presetClass="entr" presetSubtype="0" fill="hold" grpId="0" nodeType="afterEffect">
+                                <p:cTn id="14" presetID="10" presetClass="entr" presetSubtype="0" fill="hold" grpId="0" nodeType="withEffect">
                                   <p:stCondLst>
                                     <p:cond delay="0"/>
                                   </p:stCondLst>
                                   <p:childTnLst>
                                     <p:set>
                                       <p:cBhvr>
-                                        <p:cTn id="18" dur="1" fill="hold">
+                                        <p:cTn id="15" dur="1" fill="hold">
                                           <p:stCondLst>
                                             <p:cond delay="0"/>
                                           </p:stCondLst>
@@ -34452,7 +35045,7 @@
                                     </p:set>
                                     <p:animEffect transition="in" filter="fade">
                                       <p:cBhvr>
-                                        <p:cTn id="19" dur="500"/>
+                                        <p:cTn id="16" dur="500"/>
                                         <p:tgtEl>
                                           <p:spTgt spid="30"/>
                                         </p:tgtEl>
@@ -34461,24 +35054,15 @@
                                   </p:childTnLst>
                                 </p:cTn>
                               </p:par>
-                            </p:childTnLst>
-                          </p:cTn>
-                        </p:par>
-                        <p:par>
-                          <p:cTn id="20" fill="hold">
-                            <p:stCondLst>
-                              <p:cond delay="2000"/>
-                            </p:stCondLst>
-                            <p:childTnLst>
                               <p:par>
-                                <p:cTn id="21" presetID="10" presetClass="entr" presetSubtype="0" fill="hold" grpId="0" nodeType="afterEffect">
+                                <p:cTn id="17" presetID="10" presetClass="entr" presetSubtype="0" fill="hold" grpId="0" nodeType="withEffect">
                                   <p:stCondLst>
                                     <p:cond delay="0"/>
                                   </p:stCondLst>
                                   <p:childTnLst>
                                     <p:set>
                                       <p:cBhvr>
-                                        <p:cTn id="22" dur="1" fill="hold">
+                                        <p:cTn id="18" dur="1" fill="hold">
                                           <p:stCondLst>
                                             <p:cond delay="0"/>
                                           </p:stCondLst>
@@ -34496,7 +35080,7 @@
                                     </p:set>
                                     <p:animEffect transition="in" filter="fade">
                                       <p:cBhvr>
-                                        <p:cTn id="23" dur="500"/>
+                                        <p:cTn id="19" dur="500"/>
                                         <p:tgtEl>
                                           <p:spTgt spid="33"/>
                                         </p:tgtEl>
@@ -34505,24 +35089,15 @@
                                   </p:childTnLst>
                                 </p:cTn>
                               </p:par>
-                            </p:childTnLst>
-                          </p:cTn>
-                        </p:par>
-                        <p:par>
-                          <p:cTn id="24" fill="hold">
-                            <p:stCondLst>
-                              <p:cond delay="2500"/>
-                            </p:stCondLst>
-                            <p:childTnLst>
                               <p:par>
-                                <p:cTn id="25" presetID="10" presetClass="entr" presetSubtype="0" fill="hold" grpId="0" nodeType="afterEffect">
+                                <p:cTn id="20" presetID="10" presetClass="entr" presetSubtype="0" fill="hold" grpId="0" nodeType="withEffect">
                                   <p:stCondLst>
                                     <p:cond delay="0"/>
                                   </p:stCondLst>
                                   <p:childTnLst>
                                     <p:set>
                                       <p:cBhvr>
-                                        <p:cTn id="26" dur="1" fill="hold">
+                                        <p:cTn id="21" dur="1" fill="hold">
                                           <p:stCondLst>
                                             <p:cond delay="0"/>
                                           </p:stCondLst>
@@ -34540,7 +35115,7 @@
                                     </p:set>
                                     <p:animEffect transition="in" filter="fade">
                                       <p:cBhvr>
-                                        <p:cTn id="27" dur="500"/>
+                                        <p:cTn id="22" dur="500"/>
                                         <p:tgtEl>
                                           <p:spTgt spid="35"/>
                                         </p:tgtEl>
@@ -34549,24 +35124,15 @@
                                   </p:childTnLst>
                                 </p:cTn>
                               </p:par>
-                            </p:childTnLst>
-                          </p:cTn>
-                        </p:par>
-                        <p:par>
-                          <p:cTn id="28" fill="hold">
-                            <p:stCondLst>
-                              <p:cond delay="3000"/>
-                            </p:stCondLst>
-                            <p:childTnLst>
                               <p:par>
-                                <p:cTn id="29" presetID="10" presetClass="entr" presetSubtype="0" fill="hold" grpId="0" nodeType="afterEffect">
+                                <p:cTn id="23" presetID="10" presetClass="entr" presetSubtype="0" fill="hold" grpId="0" nodeType="withEffect">
                                   <p:stCondLst>
                                     <p:cond delay="0"/>
                                   </p:stCondLst>
                                   <p:childTnLst>
                                     <p:set>
                                       <p:cBhvr>
-                                        <p:cTn id="30" dur="1" fill="hold">
+                                        <p:cTn id="24" dur="1" fill="hold">
                                           <p:stCondLst>
                                             <p:cond delay="0"/>
                                           </p:stCondLst>
@@ -34584,7 +35150,7 @@
                                     </p:set>
                                     <p:animEffect transition="in" filter="fade">
                                       <p:cBhvr>
-                                        <p:cTn id="31" dur="500"/>
+                                        <p:cTn id="25" dur="500"/>
                                         <p:tgtEl>
                                           <p:spTgt spid="36"/>
                                         </p:tgtEl>
@@ -34600,26 +35166,26 @@
                     </p:cTn>
                   </p:par>
                   <p:par>
-                    <p:cTn id="32" fill="hold">
+                    <p:cTn id="26" fill="hold">
                       <p:stCondLst>
                         <p:cond delay="indefinite"/>
                       </p:stCondLst>
                       <p:childTnLst>
                         <p:par>
-                          <p:cTn id="33" fill="hold">
+                          <p:cTn id="27" fill="hold">
                             <p:stCondLst>
                               <p:cond delay="0"/>
                             </p:stCondLst>
                             <p:childTnLst>
                               <p:par>
-                                <p:cTn id="34" presetID="10" presetClass="entr" presetSubtype="0" fill="hold" grpId="0" nodeType="clickEffect">
+                                <p:cTn id="28" presetID="10" presetClass="entr" presetSubtype="0" fill="hold" grpId="0" nodeType="clickEffect">
                                   <p:stCondLst>
                                     <p:cond delay="0"/>
                                   </p:stCondLst>
                                   <p:childTnLst>
                                     <p:set>
                                       <p:cBhvr>
-                                        <p:cTn id="35" dur="1" fill="hold">
+                                        <p:cTn id="29" dur="1" fill="hold">
                                           <p:stCondLst>
                                             <p:cond delay="0"/>
                                           </p:stCondLst>
@@ -34637,7 +35203,7 @@
                                     </p:set>
                                     <p:animEffect transition="in" filter="fade">
                                       <p:cBhvr>
-                                        <p:cTn id="36" dur="500"/>
+                                        <p:cTn id="30" dur="500"/>
                                         <p:tgtEl>
                                           <p:spTgt spid="28"/>
                                         </p:tgtEl>
@@ -34653,26 +35219,26 @@
                     </p:cTn>
                   </p:par>
                   <p:par>
-                    <p:cTn id="37" fill="hold">
+                    <p:cTn id="31" fill="hold">
                       <p:stCondLst>
                         <p:cond delay="indefinite"/>
                       </p:stCondLst>
                       <p:childTnLst>
                         <p:par>
-                          <p:cTn id="38" fill="hold">
+                          <p:cTn id="32" fill="hold">
                             <p:stCondLst>
                               <p:cond delay="0"/>
                             </p:stCondLst>
                             <p:childTnLst>
                               <p:par>
-                                <p:cTn id="39" presetID="10" presetClass="entr" presetSubtype="0" fill="hold" nodeType="clickEffect">
+                                <p:cTn id="33" presetID="10" presetClass="entr" presetSubtype="0" fill="hold" nodeType="clickEffect">
                                   <p:stCondLst>
                                     <p:cond delay="0"/>
                                   </p:stCondLst>
                                   <p:childTnLst>
                                     <p:set>
                                       <p:cBhvr>
-                                        <p:cTn id="40" dur="1" fill="hold">
+                                        <p:cTn id="34" dur="1" fill="hold">
                                           <p:stCondLst>
                                             <p:cond delay="0"/>
                                           </p:stCondLst>
@@ -34690,7 +35256,7 @@
                                     </p:set>
                                     <p:animEffect transition="in" filter="fade">
                                       <p:cBhvr>
-                                        <p:cTn id="41" dur="500"/>
+                                        <p:cTn id="35" dur="500"/>
                                         <p:tgtEl>
                                           <p:spTgt spid="20"/>
                                         </p:tgtEl>
@@ -35007,7 +35573,7 @@
         </p:blipFill>
         <p:spPr>
           <a:xfrm>
-            <a:off x="1547664" y="1019372"/>
+            <a:off x="1547664" y="1379412"/>
             <a:ext cx="2520280" cy="2520280"/>
           </a:xfrm>
           <a:prstGeom prst="rect">
@@ -35029,7 +35595,7 @@
         </p:nvSpPr>
         <p:spPr>
           <a:xfrm>
-            <a:off x="5866906" y="1684238"/>
+            <a:off x="5220072" y="2044278"/>
             <a:ext cx="1226619" cy="923330"/>
           </a:xfrm>
           <a:prstGeom prst="rect">
@@ -35088,7 +35654,7 @@
         </p:blipFill>
         <p:spPr>
           <a:xfrm>
-            <a:off x="1096186" y="3927648"/>
+            <a:off x="1096186" y="4287688"/>
             <a:ext cx="1512168" cy="1512168"/>
           </a:xfrm>
           <a:prstGeom prst="rect">
@@ -35124,7 +35690,7 @@
         </p:blipFill>
         <p:spPr>
           <a:xfrm>
-            <a:off x="3158015" y="3933056"/>
+            <a:off x="3158015" y="4293096"/>
             <a:ext cx="1512168" cy="1512168"/>
           </a:xfrm>
           <a:prstGeom prst="rect">
@@ -35160,7 +35726,7 @@
         </p:blipFill>
         <p:spPr>
           <a:xfrm>
-            <a:off x="6167147" y="3927102"/>
+            <a:off x="6167147" y="4287142"/>
             <a:ext cx="1512168" cy="1512168"/>
           </a:xfrm>
           <a:prstGeom prst="rect">
@@ -35182,7 +35748,7 @@
         </p:nvSpPr>
         <p:spPr>
           <a:xfrm>
-            <a:off x="6529661" y="3639070"/>
+            <a:off x="6529661" y="3999110"/>
             <a:ext cx="1269254" cy="369332"/>
           </a:xfrm>
           <a:prstGeom prst="rect">
@@ -35220,7 +35786,7 @@
         </p:nvSpPr>
         <p:spPr>
           <a:xfrm>
-            <a:off x="2523388" y="3673326"/>
+            <a:off x="2523388" y="4033366"/>
             <a:ext cx="1269254" cy="369332"/>
           </a:xfrm>
           <a:prstGeom prst="rect">
@@ -37296,7 +37862,7 @@
           <p:nvPr>
             <p:extLst>
               <p:ext uri="{D42A27DB-BD31-4B8C-83A1-F6EECF244321}">
-                <p14:modId xmlns:p14="http://schemas.microsoft.com/office/powerpoint/2010/main" val="2468730410"/>
+                <p14:modId xmlns:p14="http://schemas.microsoft.com/office/powerpoint/2010/main" val="2275761082"/>
               </p:ext>
             </p:extLst>
           </p:nvPr>
@@ -37774,6 +38340,9 @@
                     <p:cTn id="3" fill="hold">
                       <p:stCondLst>
                         <p:cond delay="indefinite"/>
+                        <p:cond evt="onBegin" delay="0">
+                          <p:tn val="2"/>
+                        </p:cond>
                       </p:stCondLst>
                       <p:childTnLst>
                         <p:par>
@@ -37783,7 +38352,7 @@
                             </p:stCondLst>
                             <p:childTnLst>
                               <p:par>
-                                <p:cTn id="5" presetID="10" presetClass="entr" presetSubtype="0" fill="hold" grpId="0" nodeType="clickEffect">
+                                <p:cTn id="5" presetID="10" presetClass="entr" presetSubtype="0" fill="hold" grpId="0" nodeType="withEffect">
                                   <p:stCondLst>
                                     <p:cond delay="0"/>
                                   </p:stCondLst>

--- a/11차SQL_hyeongmin.pptx
+++ b/11차SQL_hyeongmin.pptx
@@ -3224,24 +3224,24 @@
             <a:buAutoNum type="arabicPeriod"/>
           </a:pPr>
           <a:r>
-            <a:rPr lang="en-US" altLang="ko-KR" b="1" dirty="0">
+            <a:rPr lang="en-US" altLang="ko-KR" sz="1500" b="1" dirty="0">
               <a:effectLst/>
             </a:rPr>
             <a:t>create table </a:t>
           </a:r>
           <a:r>
-            <a:rPr lang="en-US" altLang="ko-KR" b="1" dirty="0" err="1">
+            <a:rPr lang="en-US" altLang="ko-KR" sz="1500" b="1" dirty="0" err="1">
               <a:effectLst/>
             </a:rPr>
-            <a:t>nation_tab</a:t>
+            <a:t>guma_info_tb</a:t>
           </a:r>
           <a:r>
-            <a:rPr lang="en-US" altLang="ko-KR" b="1" dirty="0">
+            <a:rPr lang="en-US" altLang="ko-KR" sz="1500" b="1" dirty="0">
               <a:effectLst/>
             </a:rPr>
             <a:t>(</a:t>
           </a:r>
-          <a:endParaRPr lang="ko-KR" altLang="en-US" dirty="0"/>
+          <a:endParaRPr lang="ko-KR" altLang="en-US" sz="1500" dirty="0"/>
         </a:p>
       </dgm:t>
     </dgm:pt>
@@ -3281,7 +3281,7 @@
             <a:buAutoNum type="arabicPeriod"/>
           </a:pPr>
           <a:r>
-            <a:rPr lang="en-US" altLang="ko-KR" b="1" dirty="0" err="1">
+            <a:rPr lang="en-US" altLang="ko-KR" sz="1500" b="1" dirty="0" err="1">
               <a:solidFill>
                 <a:schemeClr val="accent1">
                   <a:lumMod val="40000"/>
@@ -3293,13 +3293,13 @@
             <a:t>birthno</a:t>
           </a:r>
           <a:r>
-            <a:rPr lang="en-US" altLang="ko-KR" b="1" dirty="0">
+            <a:rPr lang="en-US" altLang="ko-KR" sz="1500" b="1" dirty="0">
               <a:effectLst/>
             </a:rPr>
             <a:t> </a:t>
           </a:r>
           <a:r>
-            <a:rPr lang="en-US" altLang="ko-KR" b="1" dirty="0">
+            <a:rPr lang="en-US" altLang="ko-KR" sz="1500" b="1" dirty="0">
               <a:solidFill>
                 <a:schemeClr val="accent2">
                   <a:lumMod val="60000"/>
@@ -3311,18 +3311,18 @@
             <a:t>varchar2(14)</a:t>
           </a:r>
           <a:r>
-            <a:rPr lang="en-US" altLang="ko-KR" b="1" dirty="0">
+            <a:rPr lang="en-US" altLang="ko-KR" sz="1500" b="1" dirty="0">
               <a:effectLst/>
             </a:rPr>
             <a:t> primary key not null, -- </a:t>
           </a:r>
           <a:r>
-            <a:rPr lang="ko-KR" altLang="en-US" b="1" dirty="0">
+            <a:rPr lang="ko-KR" altLang="en-US" sz="1500" b="1" dirty="0">
               <a:effectLst/>
             </a:rPr>
             <a:t>주민등록 번호를 저장하는 칼럼</a:t>
           </a:r>
-          <a:endParaRPr lang="ko-KR" altLang="ko-KR" dirty="0">
+          <a:endParaRPr lang="ko-KR" altLang="ko-KR" sz="1500" dirty="0">
             <a:effectLst/>
           </a:endParaRPr>
         </a:p>
@@ -3364,7 +3364,7 @@
             <a:buAutoNum type="arabicPeriod"/>
           </a:pPr>
           <a:r>
-            <a:rPr lang="en-US" altLang="ko-KR" b="1" dirty="0">
+            <a:rPr lang="en-US" altLang="ko-KR" sz="1500" b="1" dirty="0">
               <a:solidFill>
                 <a:schemeClr val="accent1">
                   <a:lumMod val="40000"/>
@@ -3376,13 +3376,13 @@
             <a:t>name</a:t>
           </a:r>
           <a:r>
-            <a:rPr lang="en-US" altLang="ko-KR" b="1" dirty="0">
+            <a:rPr lang="en-US" altLang="ko-KR" sz="1500" b="1" dirty="0">
               <a:effectLst/>
             </a:rPr>
             <a:t> </a:t>
           </a:r>
           <a:r>
-            <a:rPr lang="en-US" altLang="ko-KR" b="1" dirty="0">
+            <a:rPr lang="en-US" altLang="ko-KR" sz="1500" b="1" dirty="0">
               <a:solidFill>
                 <a:schemeClr val="accent2">
                   <a:lumMod val="60000"/>
@@ -3394,18 +3394,18 @@
             <a:t>varchar2(50)</a:t>
           </a:r>
           <a:r>
-            <a:rPr lang="en-US" altLang="ko-KR" b="1" dirty="0">
+            <a:rPr lang="en-US" altLang="ko-KR" sz="1500" b="1" dirty="0">
               <a:effectLst/>
             </a:rPr>
             <a:t>not null, --</a:t>
           </a:r>
           <a:r>
-            <a:rPr lang="ko-KR" altLang="en-US" b="1" dirty="0">
+            <a:rPr lang="ko-KR" altLang="en-US" sz="1500" b="1" dirty="0">
               <a:effectLst/>
             </a:rPr>
             <a:t>이름을 저장하는 칼럼</a:t>
           </a:r>
-          <a:endParaRPr lang="ko-KR" altLang="ko-KR" dirty="0">
+          <a:endParaRPr lang="ko-KR" altLang="ko-KR" sz="1500" dirty="0">
             <a:effectLst/>
           </a:endParaRPr>
         </a:p>
@@ -3447,7 +3447,7 @@
             <a:buAutoNum type="arabicPeriod"/>
           </a:pPr>
           <a:r>
-            <a:rPr lang="en-US" altLang="ko-KR" b="1" dirty="0">
+            <a:rPr lang="en-US" altLang="ko-KR" sz="1500" b="1" dirty="0">
               <a:solidFill>
                 <a:schemeClr val="accent1">
                   <a:lumMod val="40000"/>
@@ -3459,13 +3459,13 @@
             <a:t>obstacle</a:t>
           </a:r>
           <a:r>
-            <a:rPr lang="en-US" altLang="ko-KR" b="1" dirty="0">
+            <a:rPr lang="en-US" altLang="ko-KR" sz="1500" b="1" dirty="0">
               <a:effectLst/>
             </a:rPr>
             <a:t> </a:t>
           </a:r>
           <a:r>
-            <a:rPr lang="en-US" altLang="ko-KR" b="1" dirty="0">
+            <a:rPr lang="en-US" altLang="ko-KR" sz="1500" b="1" dirty="0">
               <a:solidFill>
                 <a:schemeClr val="accent2">
                   <a:lumMod val="60000"/>
@@ -3477,18 +3477,18 @@
             <a:t>varchar2(1)</a:t>
           </a:r>
           <a:r>
-            <a:rPr lang="en-US" altLang="ko-KR" b="1" dirty="0">
+            <a:rPr lang="en-US" altLang="ko-KR" sz="1500" b="1" dirty="0">
               <a:effectLst/>
             </a:rPr>
             <a:t>, --</a:t>
           </a:r>
           <a:r>
-            <a:rPr lang="ko-KR" altLang="en-US" b="1" dirty="0">
+            <a:rPr lang="ko-KR" altLang="en-US" sz="1500" b="1" dirty="0">
               <a:effectLst/>
             </a:rPr>
             <a:t>장애여부를 저장하는 칼럼</a:t>
           </a:r>
-          <a:endParaRPr lang="ko-KR" altLang="ko-KR" dirty="0">
+          <a:endParaRPr lang="ko-KR" altLang="ko-KR" sz="1500" dirty="0">
             <a:effectLst/>
           </a:endParaRPr>
         </a:p>
@@ -3530,7 +3530,7 @@
             <a:buAutoNum type="arabicPeriod"/>
           </a:pPr>
           <a:r>
-            <a:rPr lang="en-US" altLang="ko-KR" b="1" dirty="0">
+            <a:rPr lang="en-US" altLang="ko-KR" sz="1500" b="1" dirty="0">
               <a:solidFill>
                 <a:schemeClr val="accent1">
                   <a:lumMod val="40000"/>
@@ -3542,13 +3542,13 @@
             <a:t>address</a:t>
           </a:r>
           <a:r>
-            <a:rPr lang="en-US" altLang="ko-KR" b="1" dirty="0">
+            <a:rPr lang="en-US" altLang="ko-KR" sz="1500" b="1" dirty="0">
               <a:effectLst/>
             </a:rPr>
             <a:t> </a:t>
           </a:r>
           <a:r>
-            <a:rPr lang="en-US" altLang="ko-KR" b="1" dirty="0">
+            <a:rPr lang="en-US" altLang="ko-KR" sz="1500" b="1" dirty="0">
               <a:solidFill>
                 <a:schemeClr val="accent2">
                   <a:lumMod val="60000"/>
@@ -3560,18 +3560,18 @@
             <a:t>varchar2(50)</a:t>
           </a:r>
           <a:r>
-            <a:rPr lang="en-US" altLang="ko-KR" b="1" dirty="0">
+            <a:rPr lang="en-US" altLang="ko-KR" sz="1500" b="1" dirty="0">
               <a:effectLst/>
             </a:rPr>
             <a:t> not null, --</a:t>
           </a:r>
           <a:r>
-            <a:rPr lang="ko-KR" altLang="en-US" b="1" dirty="0">
+            <a:rPr lang="ko-KR" altLang="en-US" sz="1500" b="1" dirty="0">
               <a:effectLst/>
             </a:rPr>
             <a:t>주소지를 저장하는 칼럼</a:t>
           </a:r>
-          <a:endParaRPr lang="ko-KR" altLang="ko-KR" dirty="0">
+          <a:endParaRPr lang="ko-KR" altLang="ko-KR" sz="1500" dirty="0">
             <a:effectLst/>
           </a:endParaRPr>
         </a:p>
@@ -3613,7 +3613,7 @@
             <a:buAutoNum type="arabicPeriod"/>
           </a:pPr>
           <a:r>
-            <a:rPr lang="en-US" altLang="ko-KR" b="1" dirty="0" err="1">
+            <a:rPr lang="en-US" altLang="ko-KR" sz="1500" b="1" dirty="0" err="1">
               <a:solidFill>
                 <a:schemeClr val="accent1">
                   <a:lumMod val="40000"/>
@@ -3625,13 +3625,13 @@
             <a:t>lordno</a:t>
           </a:r>
           <a:r>
-            <a:rPr lang="en-US" altLang="ko-KR" b="1" dirty="0">
+            <a:rPr lang="en-US" altLang="ko-KR" sz="1500" b="1" dirty="0">
               <a:effectLst/>
             </a:rPr>
             <a:t> </a:t>
           </a:r>
           <a:r>
-            <a:rPr lang="en-US" altLang="ko-KR" b="1" dirty="0">
+            <a:rPr lang="en-US" altLang="ko-KR" sz="1500" b="1" dirty="0">
               <a:solidFill>
                 <a:schemeClr val="accent2">
                   <a:lumMod val="60000"/>
@@ -3643,18 +3643,18 @@
             <a:t>varchar2(14)</a:t>
           </a:r>
           <a:r>
-            <a:rPr lang="en-US" altLang="ko-KR" b="1" dirty="0">
+            <a:rPr lang="en-US" altLang="ko-KR" sz="1500" b="1" dirty="0">
               <a:effectLst/>
             </a:rPr>
             <a:t>not null  -- </a:t>
           </a:r>
           <a:r>
-            <a:rPr lang="ko-KR" altLang="en-US" b="1" dirty="0">
+            <a:rPr lang="ko-KR" altLang="en-US" sz="1500" b="1" dirty="0">
               <a:effectLst/>
             </a:rPr>
             <a:t>세대주의 정보를 저장하는 칼럼</a:t>
           </a:r>
-          <a:endParaRPr lang="ko-KR" altLang="ko-KR" dirty="0">
+          <a:endParaRPr lang="ko-KR" altLang="ko-KR" sz="1500" dirty="0">
             <a:effectLst/>
           </a:endParaRPr>
         </a:p>
@@ -3696,12 +3696,12 @@
             <a:buAutoNum type="arabicPeriod"/>
           </a:pPr>
           <a:r>
-            <a:rPr lang="en-US" altLang="ko-KR" b="1" dirty="0">
+            <a:rPr lang="en-US" altLang="ko-KR" sz="1500" b="1" dirty="0">
               <a:effectLst/>
             </a:rPr>
             <a:t>);</a:t>
           </a:r>
-          <a:endParaRPr lang="ko-KR" altLang="ko-KR" dirty="0">
+          <a:endParaRPr lang="ko-KR" altLang="ko-KR" sz="1500" dirty="0">
             <a:effectLst/>
           </a:endParaRPr>
         </a:p>
@@ -3730,6 +3730,65 @@
           <a:endParaRPr lang="ko-KR" altLang="en-US"/>
         </a:p>
       </dgm:t>
+    </dgm:pt>
+    <dgm:pt modelId="{489AAD9C-B683-466A-9950-9CC956DBB0D2}">
+      <dgm:prSet custT="1"/>
+      <dgm:spPr/>
+      <dgm:t>
+        <a:bodyPr/>
+        <a:lstStyle/>
+        <a:p>
+          <a:pPr latinLnBrk="1">
+            <a:buFont typeface="+mj-lt"/>
+            <a:buAutoNum type="arabicPeriod"/>
+          </a:pPr>
+          <a:r>
+            <a:rPr lang="en-US" altLang="ko-KR" sz="1500" dirty="0" err="1">
+              <a:solidFill>
+                <a:schemeClr val="accent1">
+                  <a:lumMod val="60000"/>
+                  <a:lumOff val="40000"/>
+                </a:schemeClr>
+              </a:solidFill>
+              <a:effectLst/>
+              <a:latin typeface="+mj-ea"/>
+              <a:ea typeface="+mj-ea"/>
+            </a:rPr>
+            <a:t>Phone_number</a:t>
+          </a:r>
+          <a:r>
+            <a:rPr lang="en-US" altLang="ko-KR" sz="1500" dirty="0">
+              <a:solidFill>
+                <a:schemeClr val="accent1">
+                  <a:lumMod val="60000"/>
+                  <a:lumOff val="40000"/>
+                </a:schemeClr>
+              </a:solidFill>
+              <a:effectLst/>
+              <a:latin typeface="휴먼둥근헤드라인" panose="02030504000101010101" pitchFamily="18" charset="-127"/>
+              <a:ea typeface="휴먼둥근헤드라인" panose="02030504000101010101" pitchFamily="18" charset="-127"/>
+            </a:rPr>
+            <a:t> </a:t>
+          </a:r>
+          <a:r>
+            <a:rPr lang="en-US" altLang="ko-KR" sz="1500" dirty="0">
+              <a:effectLst/>
+            </a:rPr>
+            <a:t>varchar2(20)</a:t>
+          </a:r>
+          <a:endParaRPr lang="ko-KR" altLang="ko-KR" sz="1500" dirty="0">
+            <a:effectLst/>
+          </a:endParaRPr>
+        </a:p>
+      </dgm:t>
+    </dgm:pt>
+    <dgm:pt modelId="{6FFF9420-E7F8-4579-90AD-3D2E11723C02}" type="parTrans" cxnId="{38630A36-1A1B-4C19-97BD-1303D447242E}">
+      <dgm:prSet/>
+      <dgm:spPr/>
+    </dgm:pt>
+    <dgm:pt modelId="{E71E4EBD-23B0-43DE-81B0-5B45F5099911}" type="sibTrans" cxnId="{38630A36-1A1B-4C19-97BD-1303D447242E}">
+      <dgm:prSet/>
+      <dgm:spPr/>
     </dgm:pt>
     <dgm:pt modelId="{7A1B4A89-637A-4172-9E68-A31B763890EE}" type="pres">
       <dgm:prSet presAssocID="{31049312-047E-45D7-B692-5D8F2F782C2D}" presName="linear" presStyleCnt="0">
@@ -3777,18 +3836,20 @@
     <dgm:cxn modelId="{AFB89E25-7020-4B51-AAEA-7CD8EF5816AD}" type="presOf" srcId="{4E1246C8-14BB-4EED-9CF2-8F41D7A72EB6}" destId="{6225B682-93E8-4815-89C7-3A3807B536F6}" srcOrd="0" destOrd="0" presId="urn:microsoft.com/office/officeart/2005/8/layout/list1"/>
     <dgm:cxn modelId="{60AEF92B-B692-4466-BA17-A705CB292CB8}" type="presOf" srcId="{31049312-047E-45D7-B692-5D8F2F782C2D}" destId="{7A1B4A89-637A-4172-9E68-A31B763890EE}" srcOrd="0" destOrd="0" presId="urn:microsoft.com/office/officeart/2005/8/layout/list1"/>
     <dgm:cxn modelId="{2D158B32-9997-48B5-8E50-DB919845EC86}" type="presOf" srcId="{EE39F50B-5237-496C-97B5-90E418D80562}" destId="{5662FA55-DE97-4373-B609-7012698B8676}" srcOrd="0" destOrd="0" presId="urn:microsoft.com/office/officeart/2005/8/layout/list1"/>
+    <dgm:cxn modelId="{38630A36-1A1B-4C19-97BD-1303D447242E}" srcId="{4E1246C8-14BB-4EED-9CF2-8F41D7A72EB6}" destId="{489AAD9C-B683-466A-9950-9CC956DBB0D2}" srcOrd="5" destOrd="0" parTransId="{6FFF9420-E7F8-4579-90AD-3D2E11723C02}" sibTransId="{E71E4EBD-23B0-43DE-81B0-5B45F5099911}"/>
+    <dgm:cxn modelId="{A955B547-38F5-44B4-BA03-E5AB6D518475}" type="presOf" srcId="{489AAD9C-B683-466A-9950-9CC956DBB0D2}" destId="{5662FA55-DE97-4373-B609-7012698B8676}" srcOrd="0" destOrd="5" presId="urn:microsoft.com/office/officeart/2005/8/layout/list1"/>
     <dgm:cxn modelId="{4273F868-C01B-4E2E-B9EB-D4491A388617}" type="presOf" srcId="{4E1246C8-14BB-4EED-9CF2-8F41D7A72EB6}" destId="{BF70D3C1-D5C0-45C2-B7E5-A72B2FB4E43D}" srcOrd="1" destOrd="0" presId="urn:microsoft.com/office/officeart/2005/8/layout/list1"/>
     <dgm:cxn modelId="{FD90EC4D-92B0-4808-9640-79EEC6D953F9}" type="presOf" srcId="{CB916A76-D4FF-41E5-8366-A0FF60968598}" destId="{5662FA55-DE97-4373-B609-7012698B8676}" srcOrd="0" destOrd="1" presId="urn:microsoft.com/office/officeart/2005/8/layout/list1"/>
     <dgm:cxn modelId="{C799FB73-99AC-4A99-B4E7-FD0CA91ECE6C}" srcId="{4E1246C8-14BB-4EED-9CF2-8F41D7A72EB6}" destId="{CB916A76-D4FF-41E5-8366-A0FF60968598}" srcOrd="1" destOrd="0" parTransId="{6298A9B7-03C4-4B35-9E4F-0FFEE6D91552}" sibTransId="{245D921A-CE13-482A-9816-397D9EC7A4B6}"/>
     <dgm:cxn modelId="{D6DD5277-95FC-4628-8AA9-FA2A309D5D19}" srcId="{4E1246C8-14BB-4EED-9CF2-8F41D7A72EB6}" destId="{EE39F50B-5237-496C-97B5-90E418D80562}" srcOrd="0" destOrd="0" parTransId="{2F4252CF-A1E5-48B2-886B-E668ED5B1FFE}" sibTransId="{A888359B-AEA4-4318-B7A5-3BAFC0036E05}"/>
-    <dgm:cxn modelId="{700E5092-0426-44DA-A868-F4EF7902FB7E}" type="presOf" srcId="{0138E4BC-67B0-4179-A7DE-083714A12102}" destId="{5662FA55-DE97-4373-B609-7012698B8676}" srcOrd="0" destOrd="6" presId="urn:microsoft.com/office/officeart/2005/8/layout/list1"/>
+    <dgm:cxn modelId="{700E5092-0426-44DA-A868-F4EF7902FB7E}" type="presOf" srcId="{0138E4BC-67B0-4179-A7DE-083714A12102}" destId="{5662FA55-DE97-4373-B609-7012698B8676}" srcOrd="0" destOrd="7" presId="urn:microsoft.com/office/officeart/2005/8/layout/list1"/>
     <dgm:cxn modelId="{2D3BD1A4-7D46-4F7B-AC02-06A39DBE9430}" srcId="{4E1246C8-14BB-4EED-9CF2-8F41D7A72EB6}" destId="{B35BB687-3B55-4DB6-A9FA-A01B921EAE25}" srcOrd="4" destOrd="0" parTransId="{E53C1B34-5863-4E82-A42E-0727ABBBA1E9}" sibTransId="{A77C3F61-987E-4CD2-ACCE-775590A4CEDB}"/>
-    <dgm:cxn modelId="{C53ECFAA-13EC-4580-9756-B8C5704802C1}" srcId="{4E1246C8-14BB-4EED-9CF2-8F41D7A72EB6}" destId="{0138E4BC-67B0-4179-A7DE-083714A12102}" srcOrd="6" destOrd="0" parTransId="{EF7A7BC7-BB3A-452E-9D38-0193163521FE}" sibTransId="{71D17C43-5E46-40C4-B5F9-544A7C2E653E}"/>
+    <dgm:cxn modelId="{C53ECFAA-13EC-4580-9756-B8C5704802C1}" srcId="{4E1246C8-14BB-4EED-9CF2-8F41D7A72EB6}" destId="{0138E4BC-67B0-4179-A7DE-083714A12102}" srcOrd="7" destOrd="0" parTransId="{EF7A7BC7-BB3A-452E-9D38-0193163521FE}" sibTransId="{71D17C43-5E46-40C4-B5F9-544A7C2E653E}"/>
     <dgm:cxn modelId="{329073CD-AA52-4996-9354-6309BF8BA2E2}" type="presOf" srcId="{B35BB687-3B55-4DB6-A9FA-A01B921EAE25}" destId="{5662FA55-DE97-4373-B609-7012698B8676}" srcOrd="0" destOrd="4" presId="urn:microsoft.com/office/officeart/2005/8/layout/list1"/>
     <dgm:cxn modelId="{1F840CD6-F33F-488C-9858-F8144B5ABE30}" srcId="{4E1246C8-14BB-4EED-9CF2-8F41D7A72EB6}" destId="{4A61FCD7-CC4E-46FC-B9C7-FFB05D467408}" srcOrd="2" destOrd="0" parTransId="{88DA884A-5EF6-4CC3-8028-744EC43E6B21}" sibTransId="{B743E9D7-A111-4FEF-8AEB-847E39971387}"/>
-    <dgm:cxn modelId="{CD6524D8-5215-43C1-BC69-52008D32F0F7}" srcId="{4E1246C8-14BB-4EED-9CF2-8F41D7A72EB6}" destId="{6536EA20-900A-4232-8FE9-00B92FB83DED}" srcOrd="5" destOrd="0" parTransId="{CCE8B4A7-6007-4776-A714-8A6B47C3B1F7}" sibTransId="{B6FBD82C-3CC2-4AE9-95AD-CBF767EFC5F0}"/>
+    <dgm:cxn modelId="{CD6524D8-5215-43C1-BC69-52008D32F0F7}" srcId="{4E1246C8-14BB-4EED-9CF2-8F41D7A72EB6}" destId="{6536EA20-900A-4232-8FE9-00B92FB83DED}" srcOrd="6" destOrd="0" parTransId="{CCE8B4A7-6007-4776-A714-8A6B47C3B1F7}" sibTransId="{B6FBD82C-3CC2-4AE9-95AD-CBF767EFC5F0}"/>
     <dgm:cxn modelId="{9F0002EB-1A65-479D-A909-332CA5E545E1}" srcId="{31049312-047E-45D7-B692-5D8F2F782C2D}" destId="{4E1246C8-14BB-4EED-9CF2-8F41D7A72EB6}" srcOrd="0" destOrd="0" parTransId="{085143ED-C96D-4D70-8E3A-650C0E5DDF37}" sibTransId="{7B77061C-41A9-440D-AE14-211D54E2EC82}"/>
-    <dgm:cxn modelId="{BD1664FD-3738-4641-836F-6EBBC394CED8}" type="presOf" srcId="{6536EA20-900A-4232-8FE9-00B92FB83DED}" destId="{5662FA55-DE97-4373-B609-7012698B8676}" srcOrd="0" destOrd="5" presId="urn:microsoft.com/office/officeart/2005/8/layout/list1"/>
+    <dgm:cxn modelId="{BD1664FD-3738-4641-836F-6EBBC394CED8}" type="presOf" srcId="{6536EA20-900A-4232-8FE9-00B92FB83DED}" destId="{5662FA55-DE97-4373-B609-7012698B8676}" srcOrd="0" destOrd="6" presId="urn:microsoft.com/office/officeart/2005/8/layout/list1"/>
     <dgm:cxn modelId="{88DE93FD-8192-42AB-A348-F852E0E2F0ED}" type="presOf" srcId="{4A61FCD7-CC4E-46FC-B9C7-FFB05D467408}" destId="{5662FA55-DE97-4373-B609-7012698B8676}" srcOrd="0" destOrd="2" presId="urn:microsoft.com/office/officeart/2005/8/layout/list1"/>
     <dgm:cxn modelId="{04AB72D5-3806-4FD8-9583-9457DA85A131}" type="presParOf" srcId="{7A1B4A89-637A-4172-9E68-A31B763890EE}" destId="{FE5E2996-9C99-4D2D-964A-7E3F28367E6C}" srcOrd="0" destOrd="0" presId="urn:microsoft.com/office/officeart/2005/8/layout/list1"/>
     <dgm:cxn modelId="{6C3A95FB-5E90-4DDB-93ED-88494ACCCFB8}" type="presParOf" srcId="{FE5E2996-9C99-4D2D-964A-7E3F28367E6C}" destId="{6225B682-93E8-4815-89C7-3A3807B536F6}" srcOrd="0" destOrd="0" presId="urn:microsoft.com/office/officeart/2005/8/layout/list1"/>
@@ -3898,7 +3959,7 @@
             <a:rPr lang="en-US" altLang="ko-KR" b="1" dirty="0" err="1">
               <a:effectLst/>
             </a:rPr>
-            <a:t>sal_mask_tab</a:t>
+            <a:t>guma_his_tb</a:t>
           </a:r>
           <a:r>
             <a:rPr lang="en-US" altLang="ko-KR" b="1" dirty="0">
@@ -3946,7 +4007,7 @@
             <a:buAutoNum type="arabicPeriod"/>
           </a:pPr>
           <a:r>
-            <a:rPr lang="en-US" altLang="ko-KR" b="1">
+            <a:rPr lang="en-US" altLang="ko-KR" b="1" dirty="0">
               <a:solidFill>
                 <a:schemeClr val="accent1">
                   <a:lumMod val="60000"/>
@@ -3955,34 +4016,88 @@
               </a:solidFill>
               <a:effectLst/>
             </a:rPr>
-            <a:t>name</a:t>
+            <a:t>Contain </a:t>
           </a:r>
           <a:r>
-            <a:rPr lang="en-US" altLang="ko-KR" b="1">
-              <a:effectLst/>
-            </a:rPr>
-            <a:t> </a:t>
-          </a:r>
-          <a:r>
-            <a:rPr lang="en-US" altLang="ko-KR" b="1">
+            <a:rPr lang="en-US" altLang="ko-KR" b="1" dirty="0" err="1">
               <a:solidFill>
-                <a:schemeClr val="accent2">
+                <a:schemeClr val="accent1">
                   <a:lumMod val="60000"/>
                   <a:lumOff val="40000"/>
                 </a:schemeClr>
               </a:solidFill>
               <a:effectLst/>
             </a:rPr>
-            <a:t>varchar2(50)</a:t>
+            <a:t>fk_code</a:t>
           </a:r>
           <a:r>
-            <a:rPr lang="en-US" altLang="ko-KR" b="1">
+            <a:rPr lang="en-US" altLang="ko-KR" b="1" dirty="0">
+              <a:solidFill>
+                <a:schemeClr val="accent1">
+                  <a:lumMod val="60000"/>
+                  <a:lumOff val="40000"/>
+                </a:schemeClr>
+              </a:solidFill>
               <a:effectLst/>
             </a:rPr>
-            <a:t>, --</a:t>
+            <a:t> foreign </a:t>
           </a:r>
           <a:r>
-            <a:rPr lang="ko-KR" altLang="en-US" b="1">
+            <a:rPr lang="en-US" altLang="ko-KR" b="1" dirty="0" err="1">
+              <a:solidFill>
+                <a:schemeClr val="accent1">
+                  <a:lumMod val="60000"/>
+                  <a:lumOff val="40000"/>
+                </a:schemeClr>
+              </a:solidFill>
+              <a:effectLst/>
+            </a:rPr>
+            <a:t>keyt</a:t>
+          </a:r>
+          <a:r>
+            <a:rPr lang="en-US" altLang="ko-KR" b="1" dirty="0">
+              <a:solidFill>
+                <a:schemeClr val="accent1">
+                  <a:lumMod val="60000"/>
+                  <a:lumOff val="40000"/>
+                </a:schemeClr>
+              </a:solidFill>
+              <a:effectLst/>
+            </a:rPr>
+            <a:t>(name) references </a:t>
+          </a:r>
+          <a:r>
+            <a:rPr lang="en-US" altLang="ko-KR" b="1" dirty="0" err="1">
+              <a:solidFill>
+                <a:schemeClr val="accent1">
+                  <a:lumMod val="60000"/>
+                  <a:lumOff val="40000"/>
+                </a:schemeClr>
+              </a:solidFill>
+              <a:effectLst/>
+            </a:rPr>
+            <a:t>guma_info_tb</a:t>
+          </a:r>
+          <a:r>
+            <a:rPr lang="en-US" altLang="ko-KR" b="1" dirty="0">
+              <a:solidFill>
+                <a:schemeClr val="accent1">
+                  <a:lumMod val="60000"/>
+                  <a:lumOff val="40000"/>
+                </a:schemeClr>
+              </a:solidFill>
+              <a:effectLst/>
+            </a:rPr>
+            <a:t>(name) on delete cascade ,</a:t>
+          </a:r>
+          <a:r>
+            <a:rPr lang="en-US" altLang="ko-KR" b="1" dirty="0">
+              <a:effectLst/>
+            </a:rPr>
+            <a:t>--</a:t>
+          </a:r>
+          <a:r>
+            <a:rPr lang="ko-KR" altLang="en-US" b="1" dirty="0">
               <a:effectLst/>
             </a:rPr>
             <a:t>구매자의 이름을 남기는 컬럼</a:t>
@@ -4029,7 +4144,7 @@
             <a:buAutoNum type="arabicPeriod"/>
           </a:pPr>
           <a:r>
-            <a:rPr lang="en-US" altLang="ko-KR" b="1">
+            <a:rPr lang="en-US" altLang="ko-KR" b="1" dirty="0" err="1">
               <a:solidFill>
                 <a:schemeClr val="accent1">
                   <a:lumMod val="60000"/>
@@ -4041,13 +4156,13 @@
             <a:t>Birthno</a:t>
           </a:r>
           <a:r>
-            <a:rPr lang="en-US" altLang="ko-KR" b="1">
+            <a:rPr lang="en-US" altLang="ko-KR" b="1" dirty="0">
               <a:effectLst/>
             </a:rPr>
             <a:t> </a:t>
           </a:r>
           <a:r>
-            <a:rPr lang="en-US" altLang="ko-KR" b="1">
+            <a:rPr lang="en-US" altLang="ko-KR" b="1" dirty="0">
               <a:solidFill>
                 <a:schemeClr val="accent2">
                   <a:lumMod val="60000"/>
@@ -4059,13 +4174,13 @@
             <a:t>varchar2(14)</a:t>
           </a:r>
           <a:r>
-            <a:rPr lang="en-US" altLang="ko-KR" b="1">
+            <a:rPr lang="en-US" altLang="ko-KR" b="1" dirty="0">
               <a:effectLst/>
             </a:rPr>
             <a:t>not null, --</a:t>
           </a:r>
           <a:r>
-            <a:rPr lang="ko-KR" altLang="en-US" b="1">
+            <a:rPr lang="ko-KR" altLang="en-US" b="1" dirty="0">
               <a:effectLst/>
             </a:rPr>
             <a:t>구매자의 주민번호를 남기는 컬럼</a:t>
@@ -4112,7 +4227,7 @@
             <a:buAutoNum type="arabicPeriod"/>
           </a:pPr>
           <a:r>
-            <a:rPr lang="en-US" altLang="ko-KR" b="1">
+            <a:rPr lang="en-US" altLang="ko-KR" b="1" dirty="0" err="1">
               <a:solidFill>
                 <a:schemeClr val="accent1">
                   <a:lumMod val="60000"/>
@@ -4121,10 +4236,22 @@
               </a:solidFill>
               <a:effectLst/>
             </a:rPr>
-            <a:t>Sal_mask </a:t>
+            <a:t>buy_mask</a:t>
           </a:r>
           <a:r>
-            <a:rPr lang="en-US" altLang="ko-KR" b="1">
+            <a:rPr lang="en-US" altLang="ko-KR" b="1" dirty="0">
+              <a:solidFill>
+                <a:schemeClr val="accent1">
+                  <a:lumMod val="60000"/>
+                  <a:lumOff val="40000"/>
+                </a:schemeClr>
+              </a:solidFill>
+              <a:effectLst/>
+            </a:rPr>
+            <a:t> </a:t>
+          </a:r>
+          <a:r>
+            <a:rPr lang="en-US" altLang="ko-KR" b="1" dirty="0">
               <a:solidFill>
                 <a:schemeClr val="accent2">
                   <a:lumMod val="60000"/>
@@ -4136,16 +4263,22 @@
             <a:t>number</a:t>
           </a:r>
           <a:r>
-            <a:rPr lang="en-US" altLang="ko-KR" b="1">
+            <a:rPr lang="en-US" altLang="ko-KR" b="1" dirty="0">
               <a:effectLst/>
             </a:rPr>
             <a:t>, -- </a:t>
           </a:r>
           <a:r>
-            <a:rPr lang="ko-KR" altLang="en-US" b="1">
+            <a:rPr lang="ko-KR" altLang="en-US" b="1" dirty="0" err="1">
               <a:effectLst/>
             </a:rPr>
-            <a:t>마스구 구매수를 저장하는 칼럼</a:t>
+            <a:t>마스구</a:t>
+          </a:r>
+          <a:r>
+            <a:rPr lang="ko-KR" altLang="en-US" b="1" dirty="0">
+              <a:effectLst/>
+            </a:rPr>
+            <a:t> 구매수를 저장하는 칼럼</a:t>
           </a:r>
           <a:endParaRPr lang="ko-KR" altLang="ko-KR" dirty="0">
             <a:effectLst/>
@@ -4198,7 +4331,7 @@
               </a:solidFill>
               <a:effectLst/>
             </a:rPr>
-            <a:t>Proxy_sal_mask</a:t>
+            <a:t>Proxy_buy_mask</a:t>
           </a:r>
           <a:r>
             <a:rPr lang="en-US" altLang="ko-KR" b="1" dirty="0">
@@ -4266,83 +4399,6 @@
         </a:p>
       </dgm:t>
     </dgm:pt>
-    <dgm:pt modelId="{02C44C69-1967-41A2-B1B1-FACE7A9734B9}">
-      <dgm:prSet/>
-      <dgm:spPr/>
-      <dgm:t>
-        <a:bodyPr/>
-        <a:lstStyle/>
-        <a:p>
-          <a:pPr latinLnBrk="1">
-            <a:buFont typeface="+mj-lt"/>
-            <a:buAutoNum type="arabicPeriod"/>
-          </a:pPr>
-          <a:r>
-            <a:rPr lang="en-US" altLang="ko-KR" b="1">
-              <a:solidFill>
-                <a:schemeClr val="accent1">
-                  <a:lumMod val="60000"/>
-                  <a:lumOff val="40000"/>
-                </a:schemeClr>
-              </a:solidFill>
-              <a:effectLst/>
-            </a:rPr>
-            <a:t>sal_date </a:t>
-          </a:r>
-          <a:r>
-            <a:rPr lang="en-US" altLang="ko-KR" b="1">
-              <a:solidFill>
-                <a:schemeClr val="accent2">
-                  <a:lumMod val="60000"/>
-                  <a:lumOff val="40000"/>
-                </a:schemeClr>
-              </a:solidFill>
-              <a:effectLst/>
-            </a:rPr>
-            <a:t>date</a:t>
-          </a:r>
-          <a:r>
-            <a:rPr lang="en-US" altLang="ko-KR" b="1">
-              <a:effectLst/>
-            </a:rPr>
-            <a:t>, --</a:t>
-          </a:r>
-          <a:r>
-            <a:rPr lang="ko-KR" altLang="en-US" b="1">
-              <a:effectLst/>
-            </a:rPr>
-            <a:t>구매시각을 저장하는 칼럼</a:t>
-          </a:r>
-          <a:endParaRPr lang="ko-KR" altLang="ko-KR" dirty="0">
-            <a:effectLst/>
-          </a:endParaRPr>
-        </a:p>
-      </dgm:t>
-    </dgm:pt>
-    <dgm:pt modelId="{F443F4BB-8D86-4580-A3B0-BC54D2EBDFF1}" type="parTrans" cxnId="{A249EF0B-12F0-4EA1-9862-F6C0482D5C3B}">
-      <dgm:prSet/>
-      <dgm:spPr/>
-      <dgm:t>
-        <a:bodyPr/>
-        <a:lstStyle/>
-        <a:p>
-          <a:pPr latinLnBrk="1"/>
-          <a:endParaRPr lang="ko-KR" altLang="en-US"/>
-        </a:p>
-      </dgm:t>
-    </dgm:pt>
-    <dgm:pt modelId="{9EA00A32-B8B0-4B34-9EB6-AACE8734807E}" type="sibTrans" cxnId="{A249EF0B-12F0-4EA1-9862-F6C0482D5C3B}">
-      <dgm:prSet/>
-      <dgm:spPr/>
-      <dgm:t>
-        <a:bodyPr/>
-        <a:lstStyle/>
-        <a:p>
-          <a:pPr latinLnBrk="1"/>
-          <a:endParaRPr lang="ko-KR" altLang="en-US"/>
-        </a:p>
-      </dgm:t>
-    </dgm:pt>
     <dgm:pt modelId="{21EA7D3B-B203-406D-9435-693B484A0F41}">
       <dgm:prSet/>
       <dgm:spPr/>
@@ -4355,7 +4411,7 @@
             <a:buAutoNum type="arabicPeriod"/>
           </a:pPr>
           <a:r>
-            <a:rPr lang="en-US" altLang="ko-KR" b="1">
+            <a:rPr lang="en-US" altLang="ko-KR" b="1" dirty="0">
               <a:solidFill>
                 <a:schemeClr val="accent1">
                   <a:lumMod val="60000"/>
@@ -4367,13 +4423,13 @@
             <a:t>Payment</a:t>
           </a:r>
           <a:r>
-            <a:rPr lang="en-US" altLang="ko-KR" b="1">
+            <a:rPr lang="en-US" altLang="ko-KR" b="1" dirty="0">
               <a:effectLst/>
             </a:rPr>
             <a:t> </a:t>
           </a:r>
           <a:r>
-            <a:rPr lang="en-US" altLang="ko-KR" b="1">
+            <a:rPr lang="en-US" altLang="ko-KR" b="1" dirty="0">
               <a:solidFill>
                 <a:schemeClr val="accent2">
                   <a:lumMod val="60000"/>
@@ -4382,16 +4438,16 @@
               </a:solidFill>
               <a:effectLst/>
             </a:rPr>
-            <a:t>varchar2(50)</a:t>
+            <a:t>varchar2(1)</a:t>
           </a:r>
           <a:r>
-            <a:rPr lang="en-US" altLang="ko-KR" b="1">
+            <a:rPr lang="en-US" altLang="ko-KR" b="1" dirty="0">
               <a:effectLst/>
             </a:rPr>
             <a:t>, --</a:t>
           </a:r>
           <a:r>
-            <a:rPr lang="ko-KR" altLang="en-US" b="1">
+            <a:rPr lang="ko-KR" altLang="en-US" b="1" dirty="0">
               <a:effectLst/>
             </a:rPr>
             <a:t>구매수단을 저장하는 칼럼</a:t>
@@ -4574,6 +4630,265 @@
         </a:p>
       </dgm:t>
     </dgm:pt>
+    <dgm:pt modelId="{2635B8D6-0EA1-4668-B2E0-959E4775BB39}">
+      <dgm:prSet/>
+      <dgm:spPr/>
+      <dgm:t>
+        <a:bodyPr/>
+        <a:lstStyle/>
+        <a:p>
+          <a:pPr latinLnBrk="1">
+            <a:buFont typeface="+mj-lt"/>
+            <a:buAutoNum type="arabicPeriod"/>
+          </a:pPr>
+          <a:r>
+            <a:rPr lang="en-US" altLang="ko-KR" dirty="0">
+              <a:effectLst/>
+            </a:rPr>
+            <a:t>Create unique index </a:t>
+          </a:r>
+          <a:r>
+            <a:rPr lang="en-US" altLang="ko-KR" dirty="0" err="1">
+              <a:effectLst/>
+            </a:rPr>
+            <a:t>pk_guma</a:t>
+          </a:r>
+          <a:r>
+            <a:rPr lang="en-US" altLang="ko-KR" dirty="0">
+              <a:effectLst/>
+            </a:rPr>
+            <a:t> on </a:t>
+          </a:r>
+          <a:r>
+            <a:rPr lang="en-US" altLang="ko-KR" dirty="0" err="1">
+              <a:effectLst/>
+            </a:rPr>
+            <a:t>guma_his_tb</a:t>
+          </a:r>
+          <a:r>
+            <a:rPr lang="en-US" altLang="ko-KR" dirty="0">
+              <a:effectLst/>
+            </a:rPr>
+            <a:t>(</a:t>
+          </a:r>
+          <a:endParaRPr lang="ko-KR" altLang="ko-KR" dirty="0">
+            <a:effectLst/>
+          </a:endParaRPr>
+        </a:p>
+      </dgm:t>
+    </dgm:pt>
+    <dgm:pt modelId="{FDCA0A57-558D-4684-A254-D2639305E086}" type="parTrans" cxnId="{61369DD7-CA26-487A-B85A-0338759D3CC6}">
+      <dgm:prSet/>
+      <dgm:spPr/>
+      <dgm:t>
+        <a:bodyPr/>
+        <a:lstStyle/>
+        <a:p>
+          <a:pPr latinLnBrk="1"/>
+          <a:endParaRPr lang="ko-KR" altLang="en-US"/>
+        </a:p>
+      </dgm:t>
+    </dgm:pt>
+    <dgm:pt modelId="{AE0A0230-9340-4B0E-B556-B6F3493407C1}" type="sibTrans" cxnId="{61369DD7-CA26-487A-B85A-0338759D3CC6}">
+      <dgm:prSet/>
+      <dgm:spPr/>
+      <dgm:t>
+        <a:bodyPr/>
+        <a:lstStyle/>
+        <a:p>
+          <a:pPr latinLnBrk="1"/>
+          <a:endParaRPr lang="ko-KR" altLang="en-US"/>
+        </a:p>
+      </dgm:t>
+    </dgm:pt>
+    <dgm:pt modelId="{94FD516B-6B07-4D39-AAEF-7348138109DE}">
+      <dgm:prSet/>
+      <dgm:spPr/>
+      <dgm:t>
+        <a:bodyPr/>
+        <a:lstStyle/>
+        <a:p>
+          <a:pPr latinLnBrk="1">
+            <a:buFont typeface="+mj-lt"/>
+            <a:buAutoNum type="arabicPeriod"/>
+          </a:pPr>
+          <a:r>
+            <a:rPr lang="en-US" altLang="ko-KR" dirty="0" err="1">
+              <a:effectLst/>
+            </a:rPr>
+            <a:t>Birthno</a:t>
+          </a:r>
+          <a:r>
+            <a:rPr lang="en-US" altLang="ko-KR" dirty="0">
+              <a:effectLst/>
+            </a:rPr>
+            <a:t>,</a:t>
+          </a:r>
+          <a:endParaRPr lang="ko-KR" altLang="ko-KR" dirty="0">
+            <a:effectLst/>
+          </a:endParaRPr>
+        </a:p>
+      </dgm:t>
+    </dgm:pt>
+    <dgm:pt modelId="{BF71E424-864F-4ABF-A6B1-06756CE1938D}" type="parTrans" cxnId="{E1A9AEBA-D51E-4E73-99AE-95262710D44B}">
+      <dgm:prSet/>
+      <dgm:spPr/>
+      <dgm:t>
+        <a:bodyPr/>
+        <a:lstStyle/>
+        <a:p>
+          <a:pPr latinLnBrk="1"/>
+          <a:endParaRPr lang="ko-KR" altLang="en-US"/>
+        </a:p>
+      </dgm:t>
+    </dgm:pt>
+    <dgm:pt modelId="{07F76C8D-D616-4D19-AB79-FAF5C0DFD3DB}" type="sibTrans" cxnId="{E1A9AEBA-D51E-4E73-99AE-95262710D44B}">
+      <dgm:prSet/>
+      <dgm:spPr/>
+      <dgm:t>
+        <a:bodyPr/>
+        <a:lstStyle/>
+        <a:p>
+          <a:pPr latinLnBrk="1"/>
+          <a:endParaRPr lang="ko-KR" altLang="en-US"/>
+        </a:p>
+      </dgm:t>
+    </dgm:pt>
+    <dgm:pt modelId="{6BED9A58-05DB-4D9B-A95E-DE326D0C3E5B}">
+      <dgm:prSet/>
+      <dgm:spPr/>
+      <dgm:t>
+        <a:bodyPr/>
+        <a:lstStyle/>
+        <a:p>
+          <a:pPr latinLnBrk="1">
+            <a:buFont typeface="+mj-lt"/>
+            <a:buAutoNum type="arabicPeriod"/>
+          </a:pPr>
+          <a:r>
+            <a:rPr lang="en-US" altLang="ko-KR" dirty="0" err="1">
+              <a:effectLst/>
+            </a:rPr>
+            <a:t>Buy_date</a:t>
+          </a:r>
+          <a:r>
+            <a:rPr lang="en-US" altLang="ko-KR" dirty="0">
+              <a:effectLst/>
+            </a:rPr>
+            <a:t>);</a:t>
+          </a:r>
+          <a:endParaRPr lang="ko-KR" altLang="ko-KR" dirty="0">
+            <a:effectLst/>
+          </a:endParaRPr>
+        </a:p>
+      </dgm:t>
+    </dgm:pt>
+    <dgm:pt modelId="{B5B05EFA-F766-4D92-8B43-64B10950E4F3}" type="parTrans" cxnId="{3204CA54-B754-4ABD-B888-48CD40FDB229}">
+      <dgm:prSet/>
+      <dgm:spPr/>
+      <dgm:t>
+        <a:bodyPr/>
+        <a:lstStyle/>
+        <a:p>
+          <a:pPr latinLnBrk="1"/>
+          <a:endParaRPr lang="ko-KR" altLang="en-US"/>
+        </a:p>
+      </dgm:t>
+    </dgm:pt>
+    <dgm:pt modelId="{C9F947DB-B4DF-4C68-B90C-885878C62444}" type="sibTrans" cxnId="{3204CA54-B754-4ABD-B888-48CD40FDB229}">
+      <dgm:prSet/>
+      <dgm:spPr/>
+      <dgm:t>
+        <a:bodyPr/>
+        <a:lstStyle/>
+        <a:p>
+          <a:pPr latinLnBrk="1"/>
+          <a:endParaRPr lang="ko-KR" altLang="en-US"/>
+        </a:p>
+      </dgm:t>
+    </dgm:pt>
+    <dgm:pt modelId="{E1BBBCFB-28A4-4B6C-9AA9-74347D753747}">
+      <dgm:prSet/>
+      <dgm:spPr/>
+      <dgm:t>
+        <a:bodyPr/>
+        <a:lstStyle/>
+        <a:p>
+          <a:pPr latinLnBrk="1">
+            <a:buFont typeface="+mj-lt"/>
+            <a:buAutoNum type="arabicPeriod"/>
+          </a:pPr>
+          <a:r>
+            <a:rPr lang="en-US" altLang="ko-KR" b="1" dirty="0" err="1">
+              <a:solidFill>
+                <a:schemeClr val="accent1">
+                  <a:lumMod val="60000"/>
+                  <a:lumOff val="40000"/>
+                </a:schemeClr>
+              </a:solidFill>
+              <a:effectLst/>
+            </a:rPr>
+            <a:t>buy_date</a:t>
+          </a:r>
+          <a:r>
+            <a:rPr lang="en-US" altLang="ko-KR" b="1" dirty="0">
+              <a:solidFill>
+                <a:schemeClr val="accent1">
+                  <a:lumMod val="60000"/>
+                  <a:lumOff val="40000"/>
+                </a:schemeClr>
+              </a:solidFill>
+              <a:effectLst/>
+            </a:rPr>
+            <a:t> </a:t>
+          </a:r>
+          <a:r>
+            <a:rPr lang="en-US" altLang="ko-KR" b="1" dirty="0">
+              <a:solidFill>
+                <a:schemeClr val="accent2">
+                  <a:lumMod val="60000"/>
+                  <a:lumOff val="40000"/>
+                </a:schemeClr>
+              </a:solidFill>
+              <a:effectLst/>
+            </a:rPr>
+            <a:t>date </a:t>
+          </a:r>
+          <a:r>
+            <a:rPr lang="en-US" altLang="ko-KR" b="1" dirty="0">
+              <a:solidFill>
+                <a:schemeClr val="tx1"/>
+              </a:solidFill>
+              <a:effectLst/>
+            </a:rPr>
+            <a:t>not null</a:t>
+          </a:r>
+          <a:r>
+            <a:rPr lang="en-US" altLang="ko-KR" b="1" dirty="0">
+              <a:effectLst/>
+            </a:rPr>
+            <a:t>, --</a:t>
+          </a:r>
+          <a:r>
+            <a:rPr lang="ko-KR" altLang="en-US" b="1" dirty="0">
+              <a:effectLst/>
+            </a:rPr>
+            <a:t>구매시각을 저장하는 칼럼</a:t>
+          </a:r>
+          <a:endParaRPr lang="ko-KR" altLang="ko-KR" dirty="0">
+            <a:effectLst/>
+          </a:endParaRPr>
+        </a:p>
+      </dgm:t>
+    </dgm:pt>
+    <dgm:pt modelId="{B3C4C2D8-FE06-4941-B516-076CE44F86F6}" type="parTrans" cxnId="{2F11296E-79E9-4A65-996B-8FCA61EBB129}">
+      <dgm:prSet/>
+      <dgm:spPr/>
+    </dgm:pt>
+    <dgm:pt modelId="{F49D2419-4B22-4BA8-9CC4-273D61F82019}" type="sibTrans" cxnId="{2F11296E-79E9-4A65-996B-8FCA61EBB129}">
+      <dgm:prSet/>
+      <dgm:spPr/>
+    </dgm:pt>
     <dgm:pt modelId="{7A1B4A89-637A-4172-9E68-A31B763890EE}" type="pres">
       <dgm:prSet presAssocID="{31049312-047E-45D7-B692-5D8F2F782C2D}" presName="linear" presStyleCnt="0">
         <dgm:presLayoutVars>
@@ -4615,25 +4930,31 @@
     </dgm:pt>
   </dgm:ptLst>
   <dgm:cxnLst>
-    <dgm:cxn modelId="{A249EF0B-12F0-4EA1-9862-F6C0482D5C3B}" srcId="{4E1246C8-14BB-4EED-9CF2-8F41D7A72EB6}" destId="{02C44C69-1967-41A2-B1B1-FACE7A9734B9}" srcOrd="5" destOrd="0" parTransId="{F443F4BB-8D86-4580-A3B0-BC54D2EBDFF1}" sibTransId="{9EA00A32-B8B0-4B34-9EB6-AACE8734807E}"/>
     <dgm:cxn modelId="{AFB89E25-7020-4B51-AAEA-7CD8EF5816AD}" type="presOf" srcId="{4E1246C8-14BB-4EED-9CF2-8F41D7A72EB6}" destId="{6225B682-93E8-4815-89C7-3A3807B536F6}" srcOrd="0" destOrd="0" presId="urn:microsoft.com/office/officeart/2005/8/layout/list1"/>
     <dgm:cxn modelId="{60AEF92B-B692-4466-BA17-A705CB292CB8}" type="presOf" srcId="{31049312-047E-45D7-B692-5D8F2F782C2D}" destId="{7A1B4A89-637A-4172-9E68-A31B763890EE}" srcOrd="0" destOrd="0" presId="urn:microsoft.com/office/officeart/2005/8/layout/list1"/>
-    <dgm:cxn modelId="{BC336D2C-C885-43CA-9842-4A3D2A83839B}" srcId="{4E1246C8-14BB-4EED-9CF2-8F41D7A72EB6}" destId="{57C8F0FC-A9B3-4D2B-BB0D-42A6A1226D60}" srcOrd="3" destOrd="0" parTransId="{F52C34AC-243A-4F68-9229-E99858612826}" sibTransId="{188F557B-B1FB-4A52-ACDF-06F7DB3E8C1A}"/>
+    <dgm:cxn modelId="{BC336D2C-C885-43CA-9842-4A3D2A83839B}" srcId="{4E1246C8-14BB-4EED-9CF2-8F41D7A72EB6}" destId="{57C8F0FC-A9B3-4D2B-BB0D-42A6A1226D60}" srcOrd="4" destOrd="0" parTransId="{F52C34AC-243A-4F68-9229-E99858612826}" sibTransId="{188F557B-B1FB-4A52-ACDF-06F7DB3E8C1A}"/>
     <dgm:cxn modelId="{2D158B32-9997-48B5-8E50-DB919845EC86}" type="presOf" srcId="{EE39F50B-5237-496C-97B5-90E418D80562}" destId="{5662FA55-DE97-4373-B609-7012698B8676}" srcOrd="0" destOrd="0" presId="urn:microsoft.com/office/officeart/2005/8/layout/list1"/>
     <dgm:cxn modelId="{6D372238-1A66-49B2-8FED-F43FB821E05C}" type="presOf" srcId="{849C5E9F-4FC5-41DF-8236-E2CF2D1490E3}" destId="{5662FA55-DE97-4373-B609-7012698B8676}" srcOrd="0" destOrd="1" presId="urn:microsoft.com/office/officeart/2005/8/layout/list1"/>
     <dgm:cxn modelId="{AED0AE5B-2F7C-4340-B275-58AE079294C7}" srcId="{4E1246C8-14BB-4EED-9CF2-8F41D7A72EB6}" destId="{21EA7D3B-B203-406D-9435-693B484A0F41}" srcOrd="6" destOrd="0" parTransId="{3C6F3F36-7345-48EC-B868-C8F39F99C1DE}" sibTransId="{73D04579-94CE-4949-B083-74D9FBBCE4AE}"/>
     <dgm:cxn modelId="{FA04CC64-7F4D-4C46-ACAA-10E5009CBF35}" srcId="{4E1246C8-14BB-4EED-9CF2-8F41D7A72EB6}" destId="{A5990AF8-F12B-4F28-8007-739DA5AB1CBB}" srcOrd="2" destOrd="0" parTransId="{B4F5363F-CDCC-4B0A-A580-4FCADD5D7EFE}" sibTransId="{B5B521C9-2315-4B41-9A90-05A362057EF6}"/>
     <dgm:cxn modelId="{4273F868-C01B-4E2E-B9EB-D4491A388617}" type="presOf" srcId="{4E1246C8-14BB-4EED-9CF2-8F41D7A72EB6}" destId="{BF70D3C1-D5C0-45C2-B7E5-A72B2FB4E43D}" srcOrd="1" destOrd="0" presId="urn:microsoft.com/office/officeart/2005/8/layout/list1"/>
-    <dgm:cxn modelId="{11BB806A-38BB-4B55-BAB2-DCF4E3E6EF49}" type="presOf" srcId="{02C44C69-1967-41A2-B1B1-FACE7A9734B9}" destId="{5662FA55-DE97-4373-B609-7012698B8676}" srcOrd="0" destOrd="5" presId="urn:microsoft.com/office/officeart/2005/8/layout/list1"/>
+    <dgm:cxn modelId="{2F11296E-79E9-4A65-996B-8FCA61EBB129}" srcId="{4E1246C8-14BB-4EED-9CF2-8F41D7A72EB6}" destId="{E1BBBCFB-28A4-4B6C-9AA9-74347D753747}" srcOrd="3" destOrd="0" parTransId="{B3C4C2D8-FE06-4941-B516-076CE44F86F6}" sibTransId="{F49D2419-4B22-4BA8-9CC4-273D61F82019}"/>
+    <dgm:cxn modelId="{FBCDBA72-8A22-4F24-BEF8-FF9E170AD3AD}" type="presOf" srcId="{2635B8D6-0EA1-4668-B2E0-959E4775BB39}" destId="{5662FA55-DE97-4373-B609-7012698B8676}" srcOrd="0" destOrd="9" presId="urn:microsoft.com/office/officeart/2005/8/layout/list1"/>
+    <dgm:cxn modelId="{3204CA54-B754-4ABD-B888-48CD40FDB229}" srcId="{4E1246C8-14BB-4EED-9CF2-8F41D7A72EB6}" destId="{6BED9A58-05DB-4D9B-A95E-DE326D0C3E5B}" srcOrd="11" destOrd="0" parTransId="{B5B05EFA-F766-4D92-8B43-64B10950E4F3}" sibTransId="{C9F947DB-B4DF-4C68-B90C-885878C62444}"/>
     <dgm:cxn modelId="{D6DD5277-95FC-4628-8AA9-FA2A309D5D19}" srcId="{4E1246C8-14BB-4EED-9CF2-8F41D7A72EB6}" destId="{EE39F50B-5237-496C-97B5-90E418D80562}" srcOrd="0" destOrd="0" parTransId="{2F4252CF-A1E5-48B2-886B-E668ED5B1FFE}" sibTransId="{A888359B-AEA4-4318-B7A5-3BAFC0036E05}"/>
     <dgm:cxn modelId="{267B478D-3E2A-4AF0-ACA9-8713AFC26068}" type="presOf" srcId="{A97ADA4B-6958-40BA-ABE6-E76C0BB1F3F8}" destId="{5662FA55-DE97-4373-B609-7012698B8676}" srcOrd="0" destOrd="7" presId="urn:microsoft.com/office/officeart/2005/8/layout/list1"/>
+    <dgm:cxn modelId="{751B9F8D-6C34-420C-A797-96649E47BEFA}" type="presOf" srcId="{E1BBBCFB-28A4-4B6C-9AA9-74347D753747}" destId="{5662FA55-DE97-4373-B609-7012698B8676}" srcOrd="0" destOrd="3" presId="urn:microsoft.com/office/officeart/2005/8/layout/list1"/>
     <dgm:cxn modelId="{80B31990-D5F4-4503-89F2-E538DA534789}" type="presOf" srcId="{21EA7D3B-B203-406D-9435-693B484A0F41}" destId="{5662FA55-DE97-4373-B609-7012698B8676}" srcOrd="0" destOrd="6" presId="urn:microsoft.com/office/officeart/2005/8/layout/list1"/>
-    <dgm:cxn modelId="{45401797-407B-41F4-AB5E-F9E330B7DB66}" type="presOf" srcId="{6BAD4F8E-C729-43B1-99D1-86D2ED78185A}" destId="{5662FA55-DE97-4373-B609-7012698B8676}" srcOrd="0" destOrd="4" presId="urn:microsoft.com/office/officeart/2005/8/layout/list1"/>
+    <dgm:cxn modelId="{45401797-407B-41F4-AB5E-F9E330B7DB66}" type="presOf" srcId="{6BAD4F8E-C729-43B1-99D1-86D2ED78185A}" destId="{5662FA55-DE97-4373-B609-7012698B8676}" srcOrd="0" destOrd="5" presId="urn:microsoft.com/office/officeart/2005/8/layout/list1"/>
+    <dgm:cxn modelId="{D3DD9EAE-76D4-41BB-9387-46267B1C9F37}" type="presOf" srcId="{6BED9A58-05DB-4D9B-A95E-DE326D0C3E5B}" destId="{5662FA55-DE97-4373-B609-7012698B8676}" srcOrd="0" destOrd="11" presId="urn:microsoft.com/office/officeart/2005/8/layout/list1"/>
+    <dgm:cxn modelId="{E1A9AEBA-D51E-4E73-99AE-95262710D44B}" srcId="{4E1246C8-14BB-4EED-9CF2-8F41D7A72EB6}" destId="{94FD516B-6B07-4D39-AAEF-7348138109DE}" srcOrd="10" destOrd="0" parTransId="{BF71E424-864F-4ABF-A6B1-06756CE1938D}" sibTransId="{07F76C8D-D616-4D19-AB79-FAF5C0DFD3DB}"/>
     <dgm:cxn modelId="{127109BE-2C4C-458D-B435-277D0D49A2BD}" srcId="{4E1246C8-14BB-4EED-9CF2-8F41D7A72EB6}" destId="{849C5E9F-4FC5-41DF-8236-E2CF2D1490E3}" srcOrd="1" destOrd="0" parTransId="{BE1AED37-F15C-46AA-8EBC-FC0E8499A95C}" sibTransId="{C7073E3C-AA95-440A-B180-40B023221D98}"/>
+    <dgm:cxn modelId="{112185BF-C4F3-4332-8CC2-DCEEBDB40A74}" type="presOf" srcId="{94FD516B-6B07-4D39-AAEF-7348138109DE}" destId="{5662FA55-DE97-4373-B609-7012698B8676}" srcOrd="0" destOrd="10" presId="urn:microsoft.com/office/officeart/2005/8/layout/list1"/>
     <dgm:cxn modelId="{ADF878C5-B966-4760-9565-411245FEB35C}" srcId="{4E1246C8-14BB-4EED-9CF2-8F41D7A72EB6}" destId="{A97ADA4B-6958-40BA-ABE6-E76C0BB1F3F8}" srcOrd="7" destOrd="0" parTransId="{78D35E4C-F901-4B0A-A454-32B12CC59B5D}" sibTransId="{5E9A0CA9-82EA-47D0-B847-B92D5F1D83CD}"/>
     <dgm:cxn modelId="{EEDB93D3-89B6-4FF8-83D9-416FC84E2B2C}" type="presOf" srcId="{A5990AF8-F12B-4F28-8007-739DA5AB1CBB}" destId="{5662FA55-DE97-4373-B609-7012698B8676}" srcOrd="0" destOrd="2" presId="urn:microsoft.com/office/officeart/2005/8/layout/list1"/>
-    <dgm:cxn modelId="{FA144EDA-E5F7-4E9B-97B7-E49F41B40879}" type="presOf" srcId="{57C8F0FC-A9B3-4D2B-BB0D-42A6A1226D60}" destId="{5662FA55-DE97-4373-B609-7012698B8676}" srcOrd="0" destOrd="3" presId="urn:microsoft.com/office/officeart/2005/8/layout/list1"/>
-    <dgm:cxn modelId="{2991DFDE-2E8A-4304-9846-6C796BDCF1B0}" srcId="{4E1246C8-14BB-4EED-9CF2-8F41D7A72EB6}" destId="{6BAD4F8E-C729-43B1-99D1-86D2ED78185A}" srcOrd="4" destOrd="0" parTransId="{861937A4-EE3A-4238-B62B-3A737C21CB54}" sibTransId="{0CB28CB7-05C0-4C87-A5CE-16BC8FE60508}"/>
+    <dgm:cxn modelId="{61369DD7-CA26-487A-B85A-0338759D3CC6}" srcId="{4E1246C8-14BB-4EED-9CF2-8F41D7A72EB6}" destId="{2635B8D6-0EA1-4668-B2E0-959E4775BB39}" srcOrd="9" destOrd="0" parTransId="{FDCA0A57-558D-4684-A254-D2639305E086}" sibTransId="{AE0A0230-9340-4B0E-B556-B6F3493407C1}"/>
+    <dgm:cxn modelId="{FA144EDA-E5F7-4E9B-97B7-E49F41B40879}" type="presOf" srcId="{57C8F0FC-A9B3-4D2B-BB0D-42A6A1226D60}" destId="{5662FA55-DE97-4373-B609-7012698B8676}" srcOrd="0" destOrd="4" presId="urn:microsoft.com/office/officeart/2005/8/layout/list1"/>
+    <dgm:cxn modelId="{2991DFDE-2E8A-4304-9846-6C796BDCF1B0}" srcId="{4E1246C8-14BB-4EED-9CF2-8F41D7A72EB6}" destId="{6BAD4F8E-C729-43B1-99D1-86D2ED78185A}" srcOrd="5" destOrd="0" parTransId="{861937A4-EE3A-4238-B62B-3A737C21CB54}" sibTransId="{0CB28CB7-05C0-4C87-A5CE-16BC8FE60508}"/>
     <dgm:cxn modelId="{A22AD6E9-44D0-469B-B9E8-94F7D5219BEA}" type="presOf" srcId="{B2044219-CBB6-4E8B-8D51-AD00FB19AFB5}" destId="{5662FA55-DE97-4373-B609-7012698B8676}" srcOrd="0" destOrd="8" presId="urn:microsoft.com/office/officeart/2005/8/layout/list1"/>
     <dgm:cxn modelId="{9F0002EB-1A65-479D-A909-332CA5E545E1}" srcId="{31049312-047E-45D7-B692-5D8F2F782C2D}" destId="{4E1246C8-14BB-4EED-9CF2-8F41D7A72EB6}" srcOrd="0" destOrd="0" parTransId="{085143ED-C96D-4D70-8E3A-650C0E5DDF37}" sibTransId="{7B77061C-41A9-440D-AE14-211D54E2EC82}"/>
     <dgm:cxn modelId="{096A07F7-DAD4-454B-AC63-079DE671446A}" srcId="{4E1246C8-14BB-4EED-9CF2-8F41D7A72EB6}" destId="{B2044219-CBB6-4E8B-8D51-AD00FB19AFB5}" srcOrd="8" destOrd="0" parTransId="{2D1D0692-2E0D-4BA5-AC4F-B6F81F78210C}" sibTransId="{3B31DC9D-5A68-44D5-BD78-08B0643294F0}"/>
@@ -5745,8 +6066,8 @@
       </dsp:nvSpPr>
       <dsp:spPr>
         <a:xfrm>
-          <a:off x="0" y="335679"/>
-          <a:ext cx="6936432" cy="3628800"/>
+          <a:off x="0" y="407139"/>
+          <a:ext cx="6936432" cy="3515400"/>
         </a:xfrm>
         <a:prstGeom prst="rect">
           <a:avLst/>
@@ -5786,12 +6107,12 @@
         <a:fontRef idx="minor"/>
       </dsp:style>
       <dsp:txBody>
-        <a:bodyPr spcFirstLastPara="0" vert="horz" wrap="square" lIns="538344" tIns="333248" rIns="538344" bIns="113792" numCol="1" spcCol="1270" anchor="t" anchorCtr="0">
+        <a:bodyPr spcFirstLastPara="0" vert="horz" wrap="square" lIns="538344" tIns="374904" rIns="538344" bIns="106680" numCol="1" spcCol="1270" anchor="t" anchorCtr="0">
           <a:noAutofit/>
         </a:bodyPr>
         <a:lstStyle/>
         <a:p>
-          <a:pPr marL="171450" lvl="1" indent="-171450" algn="l" defTabSz="711200" latinLnBrk="1">
+          <a:pPr marL="114300" lvl="1" indent="-114300" algn="l" defTabSz="666750" latinLnBrk="1">
             <a:lnSpc>
               <a:spcPct val="90000"/>
             </a:lnSpc>
@@ -5805,27 +6126,27 @@
             <a:buAutoNum type="arabicPeriod"/>
           </a:pPr>
           <a:r>
-            <a:rPr lang="en-US" altLang="ko-KR" sz="1600" b="1" kern="1200" dirty="0">
+            <a:rPr lang="en-US" altLang="ko-KR" sz="1500" b="1" kern="1200" dirty="0">
               <a:effectLst/>
             </a:rPr>
             <a:t>create table </a:t>
           </a:r>
           <a:r>
-            <a:rPr lang="en-US" altLang="ko-KR" sz="1600" b="1" kern="1200" dirty="0" err="1">
+            <a:rPr lang="en-US" altLang="ko-KR" sz="1500" b="1" kern="1200" dirty="0" err="1">
               <a:effectLst/>
             </a:rPr>
-            <a:t>nation_tab</a:t>
+            <a:t>guma_info_tb</a:t>
           </a:r>
           <a:r>
-            <a:rPr lang="en-US" altLang="ko-KR" sz="1600" b="1" kern="1200" dirty="0">
+            <a:rPr lang="en-US" altLang="ko-KR" sz="1500" b="1" kern="1200" dirty="0">
               <a:effectLst/>
             </a:rPr>
             <a:t>(</a:t>
           </a:r>
-          <a:endParaRPr lang="ko-KR" altLang="en-US" sz="1600" kern="1200" dirty="0"/>
+          <a:endParaRPr lang="ko-KR" altLang="en-US" sz="1500" kern="1200" dirty="0"/>
         </a:p>
         <a:p>
-          <a:pPr marL="171450" lvl="1" indent="-171450" algn="l" defTabSz="711200" latinLnBrk="1">
+          <a:pPr marL="114300" lvl="1" indent="-114300" algn="l" defTabSz="666750" latinLnBrk="1">
             <a:lnSpc>
               <a:spcPct val="90000"/>
             </a:lnSpc>
@@ -5839,7 +6160,7 @@
             <a:buAutoNum type="arabicPeriod"/>
           </a:pPr>
           <a:r>
-            <a:rPr lang="en-US" altLang="ko-KR" sz="1600" b="1" kern="1200" dirty="0" err="1">
+            <a:rPr lang="en-US" altLang="ko-KR" sz="1500" b="1" kern="1200" dirty="0" err="1">
               <a:solidFill>
                 <a:schemeClr val="accent1">
                   <a:lumMod val="40000"/>
@@ -5851,13 +6172,13 @@
             <a:t>birthno</a:t>
           </a:r>
           <a:r>
-            <a:rPr lang="en-US" altLang="ko-KR" sz="1600" b="1" kern="1200" dirty="0">
+            <a:rPr lang="en-US" altLang="ko-KR" sz="1500" b="1" kern="1200" dirty="0">
               <a:effectLst/>
             </a:rPr>
             <a:t> </a:t>
           </a:r>
           <a:r>
-            <a:rPr lang="en-US" altLang="ko-KR" sz="1600" b="1" kern="1200" dirty="0">
+            <a:rPr lang="en-US" altLang="ko-KR" sz="1500" b="1" kern="1200" dirty="0">
               <a:solidFill>
                 <a:schemeClr val="accent2">
                   <a:lumMod val="60000"/>
@@ -5869,23 +6190,23 @@
             <a:t>varchar2(14)</a:t>
           </a:r>
           <a:r>
-            <a:rPr lang="en-US" altLang="ko-KR" sz="1600" b="1" kern="1200" dirty="0">
+            <a:rPr lang="en-US" altLang="ko-KR" sz="1500" b="1" kern="1200" dirty="0">
               <a:effectLst/>
             </a:rPr>
             <a:t> primary key not null, -- </a:t>
           </a:r>
           <a:r>
-            <a:rPr lang="ko-KR" altLang="en-US" sz="1600" b="1" kern="1200" dirty="0">
+            <a:rPr lang="ko-KR" altLang="en-US" sz="1500" b="1" kern="1200" dirty="0">
               <a:effectLst/>
             </a:rPr>
             <a:t>주민등록 번호를 저장하는 칼럼</a:t>
           </a:r>
-          <a:endParaRPr lang="ko-KR" altLang="ko-KR" sz="1600" kern="1200" dirty="0">
+          <a:endParaRPr lang="ko-KR" altLang="ko-KR" sz="1500" kern="1200" dirty="0">
             <a:effectLst/>
           </a:endParaRPr>
         </a:p>
         <a:p>
-          <a:pPr marL="171450" lvl="1" indent="-171450" algn="l" defTabSz="711200" latinLnBrk="1">
+          <a:pPr marL="114300" lvl="1" indent="-114300" algn="l" defTabSz="666750" latinLnBrk="1">
             <a:lnSpc>
               <a:spcPct val="90000"/>
             </a:lnSpc>
@@ -5899,7 +6220,7 @@
             <a:buAutoNum type="arabicPeriod"/>
           </a:pPr>
           <a:r>
-            <a:rPr lang="en-US" altLang="ko-KR" sz="1600" b="1" kern="1200" dirty="0">
+            <a:rPr lang="en-US" altLang="ko-KR" sz="1500" b="1" kern="1200" dirty="0">
               <a:solidFill>
                 <a:schemeClr val="accent1">
                   <a:lumMod val="40000"/>
@@ -5911,13 +6232,13 @@
             <a:t>name</a:t>
           </a:r>
           <a:r>
-            <a:rPr lang="en-US" altLang="ko-KR" sz="1600" b="1" kern="1200" dirty="0">
+            <a:rPr lang="en-US" altLang="ko-KR" sz="1500" b="1" kern="1200" dirty="0">
               <a:effectLst/>
             </a:rPr>
             <a:t> </a:t>
           </a:r>
           <a:r>
-            <a:rPr lang="en-US" altLang="ko-KR" sz="1600" b="1" kern="1200" dirty="0">
+            <a:rPr lang="en-US" altLang="ko-KR" sz="1500" b="1" kern="1200" dirty="0">
               <a:solidFill>
                 <a:schemeClr val="accent2">
                   <a:lumMod val="60000"/>
@@ -5929,23 +6250,23 @@
             <a:t>varchar2(50)</a:t>
           </a:r>
           <a:r>
-            <a:rPr lang="en-US" altLang="ko-KR" sz="1600" b="1" kern="1200" dirty="0">
+            <a:rPr lang="en-US" altLang="ko-KR" sz="1500" b="1" kern="1200" dirty="0">
               <a:effectLst/>
             </a:rPr>
             <a:t>not null, --</a:t>
           </a:r>
           <a:r>
-            <a:rPr lang="ko-KR" altLang="en-US" sz="1600" b="1" kern="1200" dirty="0">
+            <a:rPr lang="ko-KR" altLang="en-US" sz="1500" b="1" kern="1200" dirty="0">
               <a:effectLst/>
             </a:rPr>
             <a:t>이름을 저장하는 칼럼</a:t>
           </a:r>
-          <a:endParaRPr lang="ko-KR" altLang="ko-KR" sz="1600" kern="1200" dirty="0">
+          <a:endParaRPr lang="ko-KR" altLang="ko-KR" sz="1500" kern="1200" dirty="0">
             <a:effectLst/>
           </a:endParaRPr>
         </a:p>
         <a:p>
-          <a:pPr marL="171450" lvl="1" indent="-171450" algn="l" defTabSz="711200" latinLnBrk="1">
+          <a:pPr marL="114300" lvl="1" indent="-114300" algn="l" defTabSz="666750" latinLnBrk="1">
             <a:lnSpc>
               <a:spcPct val="90000"/>
             </a:lnSpc>
@@ -5959,7 +6280,7 @@
             <a:buAutoNum type="arabicPeriod"/>
           </a:pPr>
           <a:r>
-            <a:rPr lang="en-US" altLang="ko-KR" sz="1600" b="1" kern="1200" dirty="0">
+            <a:rPr lang="en-US" altLang="ko-KR" sz="1500" b="1" kern="1200" dirty="0">
               <a:solidFill>
                 <a:schemeClr val="accent1">
                   <a:lumMod val="40000"/>
@@ -5971,13 +6292,13 @@
             <a:t>obstacle</a:t>
           </a:r>
           <a:r>
-            <a:rPr lang="en-US" altLang="ko-KR" sz="1600" b="1" kern="1200" dirty="0">
+            <a:rPr lang="en-US" altLang="ko-KR" sz="1500" b="1" kern="1200" dirty="0">
               <a:effectLst/>
             </a:rPr>
             <a:t> </a:t>
           </a:r>
           <a:r>
-            <a:rPr lang="en-US" altLang="ko-KR" sz="1600" b="1" kern="1200" dirty="0">
+            <a:rPr lang="en-US" altLang="ko-KR" sz="1500" b="1" kern="1200" dirty="0">
               <a:solidFill>
                 <a:schemeClr val="accent2">
                   <a:lumMod val="60000"/>
@@ -5989,23 +6310,23 @@
             <a:t>varchar2(1)</a:t>
           </a:r>
           <a:r>
-            <a:rPr lang="en-US" altLang="ko-KR" sz="1600" b="1" kern="1200" dirty="0">
+            <a:rPr lang="en-US" altLang="ko-KR" sz="1500" b="1" kern="1200" dirty="0">
               <a:effectLst/>
             </a:rPr>
             <a:t>, --</a:t>
           </a:r>
           <a:r>
-            <a:rPr lang="ko-KR" altLang="en-US" sz="1600" b="1" kern="1200" dirty="0">
+            <a:rPr lang="ko-KR" altLang="en-US" sz="1500" b="1" kern="1200" dirty="0">
               <a:effectLst/>
             </a:rPr>
             <a:t>장애여부를 저장하는 칼럼</a:t>
           </a:r>
-          <a:endParaRPr lang="ko-KR" altLang="ko-KR" sz="1600" kern="1200" dirty="0">
+          <a:endParaRPr lang="ko-KR" altLang="ko-KR" sz="1500" kern="1200" dirty="0">
             <a:effectLst/>
           </a:endParaRPr>
         </a:p>
         <a:p>
-          <a:pPr marL="171450" lvl="1" indent="-171450" algn="l" defTabSz="711200" latinLnBrk="1">
+          <a:pPr marL="114300" lvl="1" indent="-114300" algn="l" defTabSz="666750" latinLnBrk="1">
             <a:lnSpc>
               <a:spcPct val="90000"/>
             </a:lnSpc>
@@ -6019,7 +6340,7 @@
             <a:buAutoNum type="arabicPeriod"/>
           </a:pPr>
           <a:r>
-            <a:rPr lang="en-US" altLang="ko-KR" sz="1600" b="1" kern="1200" dirty="0">
+            <a:rPr lang="en-US" altLang="ko-KR" sz="1500" b="1" kern="1200" dirty="0">
               <a:solidFill>
                 <a:schemeClr val="accent1">
                   <a:lumMod val="40000"/>
@@ -6031,13 +6352,13 @@
             <a:t>address</a:t>
           </a:r>
           <a:r>
-            <a:rPr lang="en-US" altLang="ko-KR" sz="1600" b="1" kern="1200" dirty="0">
+            <a:rPr lang="en-US" altLang="ko-KR" sz="1500" b="1" kern="1200" dirty="0">
               <a:effectLst/>
             </a:rPr>
             <a:t> </a:t>
           </a:r>
           <a:r>
-            <a:rPr lang="en-US" altLang="ko-KR" sz="1600" b="1" kern="1200" dirty="0">
+            <a:rPr lang="en-US" altLang="ko-KR" sz="1500" b="1" kern="1200" dirty="0">
               <a:solidFill>
                 <a:schemeClr val="accent2">
                   <a:lumMod val="60000"/>
@@ -6049,23 +6370,23 @@
             <a:t>varchar2(50)</a:t>
           </a:r>
           <a:r>
-            <a:rPr lang="en-US" altLang="ko-KR" sz="1600" b="1" kern="1200" dirty="0">
+            <a:rPr lang="en-US" altLang="ko-KR" sz="1500" b="1" kern="1200" dirty="0">
               <a:effectLst/>
             </a:rPr>
             <a:t> not null, --</a:t>
           </a:r>
           <a:r>
-            <a:rPr lang="ko-KR" altLang="en-US" sz="1600" b="1" kern="1200" dirty="0">
+            <a:rPr lang="ko-KR" altLang="en-US" sz="1500" b="1" kern="1200" dirty="0">
               <a:effectLst/>
             </a:rPr>
             <a:t>주소지를 저장하는 칼럼</a:t>
           </a:r>
-          <a:endParaRPr lang="ko-KR" altLang="ko-KR" sz="1600" kern="1200" dirty="0">
+          <a:endParaRPr lang="ko-KR" altLang="ko-KR" sz="1500" kern="1200" dirty="0">
             <a:effectLst/>
           </a:endParaRPr>
         </a:p>
         <a:p>
-          <a:pPr marL="171450" lvl="1" indent="-171450" algn="l" defTabSz="711200" latinLnBrk="1">
+          <a:pPr marL="114300" lvl="1" indent="-114300" algn="l" defTabSz="666750" latinLnBrk="1">
             <a:lnSpc>
               <a:spcPct val="90000"/>
             </a:lnSpc>
@@ -6079,53 +6400,45 @@
             <a:buAutoNum type="arabicPeriod"/>
           </a:pPr>
           <a:r>
-            <a:rPr lang="en-US" altLang="ko-KR" sz="1600" b="1" kern="1200" dirty="0" err="1">
+            <a:rPr lang="en-US" altLang="ko-KR" sz="1500" kern="1200" dirty="0" err="1">
               <a:solidFill>
                 <a:schemeClr val="accent1">
-                  <a:lumMod val="40000"/>
-                  <a:lumOff val="60000"/>
-                </a:schemeClr>
-              </a:solidFill>
-              <a:effectLst/>
-            </a:rPr>
-            <a:t>lordno</a:t>
-          </a:r>
-          <a:r>
-            <a:rPr lang="en-US" altLang="ko-KR" sz="1600" b="1" kern="1200" dirty="0">
-              <a:effectLst/>
-            </a:rPr>
-            <a:t> </a:t>
-          </a:r>
-          <a:r>
-            <a:rPr lang="en-US" altLang="ko-KR" sz="1600" b="1" kern="1200" dirty="0">
-              <a:solidFill>
-                <a:schemeClr val="accent2">
                   <a:lumMod val="60000"/>
                   <a:lumOff val="40000"/>
                 </a:schemeClr>
               </a:solidFill>
               <a:effectLst/>
+              <a:latin typeface="+mj-ea"/>
+              <a:ea typeface="+mj-ea"/>
             </a:rPr>
-            <a:t>varchar2(14)</a:t>
+            <a:t>Phone_number</a:t>
           </a:r>
           <a:r>
-            <a:rPr lang="en-US" altLang="ko-KR" sz="1600" b="1" kern="1200" dirty="0">
+            <a:rPr lang="en-US" altLang="ko-KR" sz="1500" kern="1200" dirty="0">
+              <a:solidFill>
+                <a:schemeClr val="accent1">
+                  <a:lumMod val="60000"/>
+                  <a:lumOff val="40000"/>
+                </a:schemeClr>
+              </a:solidFill>
+              <a:effectLst/>
+              <a:latin typeface="휴먼둥근헤드라인" panose="02030504000101010101" pitchFamily="18" charset="-127"/>
+              <a:ea typeface="휴먼둥근헤드라인" panose="02030504000101010101" pitchFamily="18" charset="-127"/>
+            </a:rPr>
+            <a:t> </a:t>
+          </a:r>
+          <a:r>
+            <a:rPr lang="en-US" altLang="ko-KR" sz="1500" kern="1200" dirty="0">
               <a:effectLst/>
             </a:rPr>
-            <a:t>not null  -- </a:t>
+            <a:t>varchar2(20)</a:t>
           </a:r>
-          <a:r>
-            <a:rPr lang="ko-KR" altLang="en-US" sz="1600" b="1" kern="1200" dirty="0">
-              <a:effectLst/>
-            </a:rPr>
-            <a:t>세대주의 정보를 저장하는 칼럼</a:t>
-          </a:r>
-          <a:endParaRPr lang="ko-KR" altLang="ko-KR" sz="1600" kern="1200" dirty="0">
+          <a:endParaRPr lang="ko-KR" altLang="ko-KR" sz="1500" kern="1200" dirty="0">
             <a:effectLst/>
           </a:endParaRPr>
         </a:p>
         <a:p>
-          <a:pPr marL="171450" lvl="1" indent="-171450" algn="l" defTabSz="711200" latinLnBrk="1">
+          <a:pPr marL="114300" lvl="1" indent="-114300" algn="l" defTabSz="666750" latinLnBrk="1">
             <a:lnSpc>
               <a:spcPct val="90000"/>
             </a:lnSpc>
@@ -6139,19 +6452,79 @@
             <a:buAutoNum type="arabicPeriod"/>
           </a:pPr>
           <a:r>
-            <a:rPr lang="en-US" altLang="ko-KR" sz="1600" b="1" kern="1200" dirty="0">
+            <a:rPr lang="en-US" altLang="ko-KR" sz="1500" b="1" kern="1200" dirty="0" err="1">
+              <a:solidFill>
+                <a:schemeClr val="accent1">
+                  <a:lumMod val="40000"/>
+                  <a:lumOff val="60000"/>
+                </a:schemeClr>
+              </a:solidFill>
+              <a:effectLst/>
+            </a:rPr>
+            <a:t>lordno</a:t>
+          </a:r>
+          <a:r>
+            <a:rPr lang="en-US" altLang="ko-KR" sz="1500" b="1" kern="1200" dirty="0">
+              <a:effectLst/>
+            </a:rPr>
+            <a:t> </a:t>
+          </a:r>
+          <a:r>
+            <a:rPr lang="en-US" altLang="ko-KR" sz="1500" b="1" kern="1200" dirty="0">
+              <a:solidFill>
+                <a:schemeClr val="accent2">
+                  <a:lumMod val="60000"/>
+                  <a:lumOff val="40000"/>
+                </a:schemeClr>
+              </a:solidFill>
+              <a:effectLst/>
+            </a:rPr>
+            <a:t>varchar2(14)</a:t>
+          </a:r>
+          <a:r>
+            <a:rPr lang="en-US" altLang="ko-KR" sz="1500" b="1" kern="1200" dirty="0">
+              <a:effectLst/>
+            </a:rPr>
+            <a:t>not null  -- </a:t>
+          </a:r>
+          <a:r>
+            <a:rPr lang="ko-KR" altLang="en-US" sz="1500" b="1" kern="1200" dirty="0">
+              <a:effectLst/>
+            </a:rPr>
+            <a:t>세대주의 정보를 저장하는 칼럼</a:t>
+          </a:r>
+          <a:endParaRPr lang="ko-KR" altLang="ko-KR" sz="1500" kern="1200" dirty="0">
+            <a:effectLst/>
+          </a:endParaRPr>
+        </a:p>
+        <a:p>
+          <a:pPr marL="114300" lvl="1" indent="-114300" algn="l" defTabSz="666750" latinLnBrk="1">
+            <a:lnSpc>
+              <a:spcPct val="90000"/>
+            </a:lnSpc>
+            <a:spcBef>
+              <a:spcPct val="0"/>
+            </a:spcBef>
+            <a:spcAft>
+              <a:spcPct val="15000"/>
+            </a:spcAft>
+            <a:buFont typeface="+mj-lt"/>
+            <a:buAutoNum type="arabicPeriod"/>
+          </a:pPr>
+          <a:r>
+            <a:rPr lang="en-US" altLang="ko-KR" sz="1500" b="1" kern="1200" dirty="0">
               <a:effectLst/>
             </a:rPr>
             <a:t>);</a:t>
           </a:r>
-          <a:endParaRPr lang="ko-KR" altLang="ko-KR" sz="1600" kern="1200" dirty="0">
+          <a:endParaRPr lang="ko-KR" altLang="ko-KR" sz="1500" kern="1200" dirty="0">
             <a:effectLst/>
           </a:endParaRPr>
         </a:p>
       </dsp:txBody>
       <dsp:txXfrm>
-        <a:off x="0" y="335679"/>
-        <a:ext cx="6936432" cy="3628800"/>
+        <a:off x="0" y="407139"/>
+        <a:ext cx="6936432" cy="3515400"/>
       </dsp:txXfrm>
     </dsp:sp>
     <dsp:sp modelId="{BF70D3C1-D5C0-45C2-B7E5-A72B2FB4E43D}">
@@ -6161,8 +6534,8 @@
       </dsp:nvSpPr>
       <dsp:spPr>
         <a:xfrm>
-          <a:off x="346821" y="99519"/>
-          <a:ext cx="4855502" cy="472320"/>
+          <a:off x="346821" y="141459"/>
+          <a:ext cx="4855502" cy="531360"/>
         </a:xfrm>
         <a:prstGeom prst="roundRect">
           <a:avLst/>
@@ -6214,7 +6587,7 @@
         </a:bodyPr>
         <a:lstStyle/>
         <a:p>
-          <a:pPr marL="0" lvl="0" indent="0" algn="l" defTabSz="711200" latinLnBrk="1">
+          <a:pPr marL="0" lvl="0" indent="0" algn="l" defTabSz="800100" latinLnBrk="1">
             <a:lnSpc>
               <a:spcPct val="90000"/>
             </a:lnSpc>
@@ -6227,23 +6600,23 @@
             <a:buNone/>
           </a:pPr>
           <a:r>
-            <a:rPr lang="en-US" altLang="ko-KR" sz="1600" kern="1200" dirty="0"/>
+            <a:rPr lang="en-US" altLang="ko-KR" sz="1800" kern="1200" dirty="0"/>
             <a:t>Table 1 </a:t>
           </a:r>
           <a:r>
-            <a:rPr lang="ko-KR" altLang="en-US" sz="1600" kern="1200" dirty="0"/>
+            <a:rPr lang="ko-KR" altLang="en-US" sz="1800" kern="1200" dirty="0"/>
             <a:t>국민의 정보를 저장하고 있는 </a:t>
           </a:r>
           <a:r>
-            <a:rPr lang="en-US" altLang="ko-KR" sz="1600" kern="1200" dirty="0"/>
+            <a:rPr lang="en-US" altLang="ko-KR" sz="1800" kern="1200" dirty="0"/>
             <a:t>table</a:t>
           </a:r>
-          <a:endParaRPr lang="ko-KR" altLang="en-US" sz="1600" kern="1200" dirty="0"/>
+          <a:endParaRPr lang="ko-KR" altLang="en-US" sz="1800" kern="1200" dirty="0"/>
         </a:p>
       </dsp:txBody>
       <dsp:txXfrm>
-        <a:off x="369878" y="122576"/>
-        <a:ext cx="4809388" cy="426206"/>
+        <a:off x="372760" y="167398"/>
+        <a:ext cx="4803624" cy="479482"/>
       </dsp:txXfrm>
     </dsp:sp>
   </dsp:spTree>
@@ -6265,8 +6638,8 @@
       </dsp:nvSpPr>
       <dsp:spPr>
         <a:xfrm>
-          <a:off x="0" y="327220"/>
-          <a:ext cx="6936432" cy="3616199"/>
+          <a:off x="0" y="207429"/>
+          <a:ext cx="6936432" cy="3811500"/>
         </a:xfrm>
         <a:prstGeom prst="rect">
           <a:avLst/>
@@ -6306,12 +6679,12 @@
         <a:fontRef idx="minor"/>
       </dsp:style>
       <dsp:txBody>
-        <a:bodyPr spcFirstLastPara="0" vert="horz" wrap="square" lIns="538344" tIns="291592" rIns="538344" bIns="99568" numCol="1" spcCol="1270" anchor="t" anchorCtr="0">
+        <a:bodyPr spcFirstLastPara="0" vert="horz" wrap="square" lIns="538344" tIns="229108" rIns="538344" bIns="78232" numCol="1" spcCol="1270" anchor="t" anchorCtr="0">
           <a:noAutofit/>
         </a:bodyPr>
         <a:lstStyle/>
         <a:p>
-          <a:pPr marL="114300" lvl="1" indent="-114300" algn="l" defTabSz="622300" latinLnBrk="1">
+          <a:pPr marL="57150" lvl="1" indent="-57150" algn="l" defTabSz="488950" latinLnBrk="1">
             <a:lnSpc>
               <a:spcPct val="90000"/>
             </a:lnSpc>
@@ -6325,27 +6698,27 @@
             <a:buAutoNum type="arabicPeriod"/>
           </a:pPr>
           <a:r>
-            <a:rPr lang="en-US" altLang="ko-KR" sz="1400" b="1" kern="1200" dirty="0">
+            <a:rPr lang="en-US" altLang="ko-KR" sz="1100" b="1" kern="1200" dirty="0">
               <a:effectLst/>
             </a:rPr>
             <a:t>create table </a:t>
           </a:r>
           <a:r>
-            <a:rPr lang="en-US" altLang="ko-KR" sz="1400" b="1" kern="1200" dirty="0" err="1">
+            <a:rPr lang="en-US" altLang="ko-KR" sz="1100" b="1" kern="1200" dirty="0" err="1">
               <a:effectLst/>
             </a:rPr>
-            <a:t>sal_mask_tab</a:t>
+            <a:t>guma_his_tb</a:t>
           </a:r>
           <a:r>
-            <a:rPr lang="en-US" altLang="ko-KR" sz="1400" b="1" kern="1200" dirty="0">
+            <a:rPr lang="en-US" altLang="ko-KR" sz="1100" b="1" kern="1200" dirty="0">
               <a:effectLst/>
             </a:rPr>
             <a:t>(</a:t>
           </a:r>
-          <a:endParaRPr lang="ko-KR" altLang="en-US" sz="1400" kern="1200" dirty="0"/>
+          <a:endParaRPr lang="ko-KR" altLang="en-US" sz="1100" kern="1200" dirty="0"/>
         </a:p>
         <a:p>
-          <a:pPr marL="114300" lvl="1" indent="-114300" algn="l" defTabSz="622300" latinLnBrk="1">
+          <a:pPr marL="57150" lvl="1" indent="-57150" algn="l" defTabSz="488950" latinLnBrk="1">
             <a:lnSpc>
               <a:spcPct val="90000"/>
             </a:lnSpc>
@@ -6359,7 +6732,7 @@
             <a:buAutoNum type="arabicPeriod"/>
           </a:pPr>
           <a:r>
-            <a:rPr lang="en-US" altLang="ko-KR" sz="1400" b="1" kern="1200">
+            <a:rPr lang="en-US" altLang="ko-KR" sz="1100" b="1" kern="1200" dirty="0">
               <a:solidFill>
                 <a:schemeClr val="accent1">
                   <a:lumMod val="60000"/>
@@ -6368,44 +6741,98 @@
               </a:solidFill>
               <a:effectLst/>
             </a:rPr>
-            <a:t>name</a:t>
+            <a:t>Contain </a:t>
           </a:r>
           <a:r>
-            <a:rPr lang="en-US" altLang="ko-KR" sz="1400" b="1" kern="1200">
-              <a:effectLst/>
-            </a:rPr>
-            <a:t> </a:t>
-          </a:r>
-          <a:r>
-            <a:rPr lang="en-US" altLang="ko-KR" sz="1400" b="1" kern="1200">
+            <a:rPr lang="en-US" altLang="ko-KR" sz="1100" b="1" kern="1200" dirty="0" err="1">
               <a:solidFill>
-                <a:schemeClr val="accent2">
+                <a:schemeClr val="accent1">
                   <a:lumMod val="60000"/>
                   <a:lumOff val="40000"/>
                 </a:schemeClr>
               </a:solidFill>
               <a:effectLst/>
             </a:rPr>
-            <a:t>varchar2(50)</a:t>
+            <a:t>fk_code</a:t>
           </a:r>
           <a:r>
-            <a:rPr lang="en-US" altLang="ko-KR" sz="1400" b="1" kern="1200">
+            <a:rPr lang="en-US" altLang="ko-KR" sz="1100" b="1" kern="1200" dirty="0">
+              <a:solidFill>
+                <a:schemeClr val="accent1">
+                  <a:lumMod val="60000"/>
+                  <a:lumOff val="40000"/>
+                </a:schemeClr>
+              </a:solidFill>
               <a:effectLst/>
             </a:rPr>
-            <a:t>, --</a:t>
+            <a:t> foreign </a:t>
           </a:r>
           <a:r>
-            <a:rPr lang="ko-KR" altLang="en-US" sz="1400" b="1" kern="1200">
+            <a:rPr lang="en-US" altLang="ko-KR" sz="1100" b="1" kern="1200" dirty="0" err="1">
+              <a:solidFill>
+                <a:schemeClr val="accent1">
+                  <a:lumMod val="60000"/>
+                  <a:lumOff val="40000"/>
+                </a:schemeClr>
+              </a:solidFill>
+              <a:effectLst/>
+            </a:rPr>
+            <a:t>keyt</a:t>
+          </a:r>
+          <a:r>
+            <a:rPr lang="en-US" altLang="ko-KR" sz="1100" b="1" kern="1200" dirty="0">
+              <a:solidFill>
+                <a:schemeClr val="accent1">
+                  <a:lumMod val="60000"/>
+                  <a:lumOff val="40000"/>
+                </a:schemeClr>
+              </a:solidFill>
+              <a:effectLst/>
+            </a:rPr>
+            <a:t>(name) references </a:t>
+          </a:r>
+          <a:r>
+            <a:rPr lang="en-US" altLang="ko-KR" sz="1100" b="1" kern="1200" dirty="0" err="1">
+              <a:solidFill>
+                <a:schemeClr val="accent1">
+                  <a:lumMod val="60000"/>
+                  <a:lumOff val="40000"/>
+                </a:schemeClr>
+              </a:solidFill>
+              <a:effectLst/>
+            </a:rPr>
+            <a:t>guma_info_tb</a:t>
+          </a:r>
+          <a:r>
+            <a:rPr lang="en-US" altLang="ko-KR" sz="1100" b="1" kern="1200" dirty="0">
+              <a:solidFill>
+                <a:schemeClr val="accent1">
+                  <a:lumMod val="60000"/>
+                  <a:lumOff val="40000"/>
+                </a:schemeClr>
+              </a:solidFill>
+              <a:effectLst/>
+            </a:rPr>
+            <a:t>(name) on delete cascade ,</a:t>
+          </a:r>
+          <a:r>
+            <a:rPr lang="en-US" altLang="ko-KR" sz="1100" b="1" kern="1200" dirty="0">
+              <a:effectLst/>
+            </a:rPr>
+            <a:t>--</a:t>
+          </a:r>
+          <a:r>
+            <a:rPr lang="ko-KR" altLang="en-US" sz="1100" b="1" kern="1200" dirty="0">
               <a:effectLst/>
             </a:rPr>
             <a:t>구매자의 이름을 남기는 컬럼</a:t>
           </a:r>
-          <a:endParaRPr lang="ko-KR" altLang="ko-KR" sz="1400" kern="1200" dirty="0">
+          <a:endParaRPr lang="ko-KR" altLang="ko-KR" sz="1100" kern="1200" dirty="0">
             <a:effectLst/>
           </a:endParaRPr>
         </a:p>
         <a:p>
-          <a:pPr marL="114300" lvl="1" indent="-114300" algn="l" defTabSz="622300" latinLnBrk="1">
+          <a:pPr marL="57150" lvl="1" indent="-57150" algn="l" defTabSz="488950" latinLnBrk="1">
             <a:lnSpc>
               <a:spcPct val="90000"/>
             </a:lnSpc>
@@ -6419,7 +6846,7 @@
             <a:buAutoNum type="arabicPeriod"/>
           </a:pPr>
           <a:r>
-            <a:rPr lang="en-US" altLang="ko-KR" sz="1400" b="1" kern="1200">
+            <a:rPr lang="en-US" altLang="ko-KR" sz="1100" b="1" kern="1200" dirty="0" err="1">
               <a:solidFill>
                 <a:schemeClr val="accent1">
                   <a:lumMod val="60000"/>
@@ -6431,13 +6858,13 @@
             <a:t>Birthno</a:t>
           </a:r>
           <a:r>
-            <a:rPr lang="en-US" altLang="ko-KR" sz="1400" b="1" kern="1200">
+            <a:rPr lang="en-US" altLang="ko-KR" sz="1100" b="1" kern="1200" dirty="0">
               <a:effectLst/>
             </a:rPr>
             <a:t> </a:t>
           </a:r>
           <a:r>
-            <a:rPr lang="en-US" altLang="ko-KR" sz="1400" b="1" kern="1200">
+            <a:rPr lang="en-US" altLang="ko-KR" sz="1100" b="1" kern="1200" dirty="0">
               <a:solidFill>
                 <a:schemeClr val="accent2">
                   <a:lumMod val="60000"/>
@@ -6449,23 +6876,23 @@
             <a:t>varchar2(14)</a:t>
           </a:r>
           <a:r>
-            <a:rPr lang="en-US" altLang="ko-KR" sz="1400" b="1" kern="1200">
+            <a:rPr lang="en-US" altLang="ko-KR" sz="1100" b="1" kern="1200" dirty="0">
               <a:effectLst/>
             </a:rPr>
             <a:t>not null, --</a:t>
           </a:r>
           <a:r>
-            <a:rPr lang="ko-KR" altLang="en-US" sz="1400" b="1" kern="1200">
+            <a:rPr lang="ko-KR" altLang="en-US" sz="1100" b="1" kern="1200" dirty="0">
               <a:effectLst/>
             </a:rPr>
             <a:t>구매자의 주민번호를 남기는 컬럼</a:t>
           </a:r>
-          <a:endParaRPr lang="ko-KR" altLang="ko-KR" sz="1400" kern="1200" dirty="0">
+          <a:endParaRPr lang="ko-KR" altLang="ko-KR" sz="1100" kern="1200" dirty="0">
             <a:effectLst/>
           </a:endParaRPr>
         </a:p>
         <a:p>
-          <a:pPr marL="114300" lvl="1" indent="-114300" algn="l" defTabSz="622300" latinLnBrk="1">
+          <a:pPr marL="57150" lvl="1" indent="-57150" algn="l" defTabSz="488950" latinLnBrk="1">
             <a:lnSpc>
               <a:spcPct val="90000"/>
             </a:lnSpc>
@@ -6479,7 +6906,7 @@
             <a:buAutoNum type="arabicPeriod"/>
           </a:pPr>
           <a:r>
-            <a:rPr lang="en-US" altLang="ko-KR" sz="1400" b="1" kern="1200">
+            <a:rPr lang="en-US" altLang="ko-KR" sz="1100" b="1" kern="1200" dirty="0" err="1">
               <a:solidFill>
                 <a:schemeClr val="accent1">
                   <a:lumMod val="60000"/>
@@ -6488,10 +6915,22 @@
               </a:solidFill>
               <a:effectLst/>
             </a:rPr>
-            <a:t>Sal_mask </a:t>
+            <a:t>buy_date</a:t>
           </a:r>
           <a:r>
-            <a:rPr lang="en-US" altLang="ko-KR" sz="1400" b="1" kern="1200">
+            <a:rPr lang="en-US" altLang="ko-KR" sz="1100" b="1" kern="1200" dirty="0">
+              <a:solidFill>
+                <a:schemeClr val="accent1">
+                  <a:lumMod val="60000"/>
+                  <a:lumOff val="40000"/>
+                </a:schemeClr>
+              </a:solidFill>
+              <a:effectLst/>
+            </a:rPr>
+            <a:t> </a:t>
+          </a:r>
+          <a:r>
+            <a:rPr lang="en-US" altLang="ko-KR" sz="1100" b="1" kern="1200" dirty="0">
               <a:solidFill>
                 <a:schemeClr val="accent2">
                   <a:lumMod val="60000"/>
@@ -6500,26 +6939,35 @@
               </a:solidFill>
               <a:effectLst/>
             </a:rPr>
-            <a:t>number</a:t>
+            <a:t>date </a:t>
           </a:r>
           <a:r>
-            <a:rPr lang="en-US" altLang="ko-KR" sz="1400" b="1" kern="1200">
+            <a:rPr lang="en-US" altLang="ko-KR" sz="1100" b="1" kern="1200" dirty="0">
+              <a:solidFill>
+                <a:schemeClr val="tx1"/>
+              </a:solidFill>
               <a:effectLst/>
             </a:rPr>
-            <a:t>, -- </a:t>
+            <a:t>not null</a:t>
           </a:r>
           <a:r>
-            <a:rPr lang="ko-KR" altLang="en-US" sz="1400" b="1" kern="1200">
+            <a:rPr lang="en-US" altLang="ko-KR" sz="1100" b="1" kern="1200" dirty="0">
               <a:effectLst/>
             </a:rPr>
-            <a:t>마스구 구매수를 저장하는 칼럼</a:t>
+            <a:t>, --</a:t>
           </a:r>
-          <a:endParaRPr lang="ko-KR" altLang="ko-KR" sz="1400" kern="1200" dirty="0">
+          <a:r>
+            <a:rPr lang="ko-KR" altLang="en-US" sz="1100" b="1" kern="1200" dirty="0">
+              <a:effectLst/>
+            </a:rPr>
+            <a:t>구매시각을 저장하는 칼럼</a:t>
+          </a:r>
+          <a:endParaRPr lang="ko-KR" altLang="ko-KR" sz="1100" kern="1200" dirty="0">
             <a:effectLst/>
           </a:endParaRPr>
         </a:p>
         <a:p>
-          <a:pPr marL="114300" lvl="1" indent="-114300" algn="l" defTabSz="622300" latinLnBrk="1">
+          <a:pPr marL="57150" lvl="1" indent="-57150" algn="l" defTabSz="488950" latinLnBrk="1">
             <a:lnSpc>
               <a:spcPct val="90000"/>
             </a:lnSpc>
@@ -6533,7 +6981,7 @@
             <a:buAutoNum type="arabicPeriod"/>
           </a:pPr>
           <a:r>
-            <a:rPr lang="en-US" altLang="ko-KR" sz="1400" b="1" kern="1200" dirty="0" err="1">
+            <a:rPr lang="en-US" altLang="ko-KR" sz="1100" b="1" kern="1200" dirty="0" err="1">
               <a:solidFill>
                 <a:schemeClr val="accent1">
                   <a:lumMod val="60000"/>
@@ -6542,10 +6990,10 @@
               </a:solidFill>
               <a:effectLst/>
             </a:rPr>
-            <a:t>Proxy_sal_mask</a:t>
+            <a:t>buy_mask</a:t>
           </a:r>
           <a:r>
-            <a:rPr lang="en-US" altLang="ko-KR" sz="1400" b="1" kern="1200" dirty="0">
+            <a:rPr lang="en-US" altLang="ko-KR" sz="1100" b="1" kern="1200" dirty="0">
               <a:solidFill>
                 <a:schemeClr val="accent1">
                   <a:lumMod val="60000"/>
@@ -6557,7 +7005,7 @@
             <a:t> </a:t>
           </a:r>
           <a:r>
-            <a:rPr lang="en-US" altLang="ko-KR" sz="1400" b="1" kern="1200" dirty="0">
+            <a:rPr lang="en-US" altLang="ko-KR" sz="1100" b="1" kern="1200" dirty="0">
               <a:solidFill>
                 <a:schemeClr val="accent2">
                   <a:lumMod val="60000"/>
@@ -6566,26 +7014,32 @@
               </a:solidFill>
               <a:effectLst/>
             </a:rPr>
-            <a:t>varchar2(14)</a:t>
+            <a:t>number</a:t>
           </a:r>
           <a:r>
-            <a:rPr lang="en-US" altLang="ko-KR" sz="1400" b="1" kern="1200" dirty="0">
+            <a:rPr lang="en-US" altLang="ko-KR" sz="1100" b="1" kern="1200" dirty="0">
               <a:effectLst/>
             </a:rPr>
-            <a:t>,  -- </a:t>
+            <a:t>, -- </a:t>
           </a:r>
           <a:r>
-            <a:rPr lang="ko-KR" altLang="en-US" sz="1400" b="1" kern="1200" dirty="0">
+            <a:rPr lang="ko-KR" altLang="en-US" sz="1100" b="1" kern="1200" dirty="0" err="1">
               <a:effectLst/>
             </a:rPr>
-            <a:t>대리구매자가 있을 시 대리구매자의 정보를 저장하는 칼럼</a:t>
+            <a:t>마스구</a:t>
           </a:r>
-          <a:endParaRPr lang="ko-KR" altLang="ko-KR" sz="1400" kern="1200" dirty="0">
+          <a:r>
+            <a:rPr lang="ko-KR" altLang="en-US" sz="1100" b="1" kern="1200" dirty="0">
+              <a:effectLst/>
+            </a:rPr>
+            <a:t> 구매수를 저장하는 칼럼</a:t>
+          </a:r>
+          <a:endParaRPr lang="ko-KR" altLang="ko-KR" sz="1100" kern="1200" dirty="0">
             <a:effectLst/>
           </a:endParaRPr>
         </a:p>
         <a:p>
-          <a:pPr marL="114300" lvl="1" indent="-114300" algn="l" defTabSz="622300" latinLnBrk="1">
+          <a:pPr marL="57150" lvl="1" indent="-57150" algn="l" defTabSz="488950" latinLnBrk="1">
             <a:lnSpc>
               <a:spcPct val="90000"/>
             </a:lnSpc>
@@ -6599,7 +7053,7 @@
             <a:buAutoNum type="arabicPeriod"/>
           </a:pPr>
           <a:r>
-            <a:rPr lang="en-US" altLang="ko-KR" sz="1400" b="1" kern="1200">
+            <a:rPr lang="en-US" altLang="ko-KR" sz="1100" b="1" kern="1200" dirty="0" err="1">
               <a:solidFill>
                 <a:schemeClr val="accent1">
                   <a:lumMod val="60000"/>
@@ -6608,10 +7062,22 @@
               </a:solidFill>
               <a:effectLst/>
             </a:rPr>
-            <a:t>sal_date </a:t>
+            <a:t>Proxy_buy_mask</a:t>
           </a:r>
           <a:r>
-            <a:rPr lang="en-US" altLang="ko-KR" sz="1400" b="1" kern="1200">
+            <a:rPr lang="en-US" altLang="ko-KR" sz="1100" b="1" kern="1200" dirty="0">
+              <a:solidFill>
+                <a:schemeClr val="accent1">
+                  <a:lumMod val="60000"/>
+                  <a:lumOff val="40000"/>
+                </a:schemeClr>
+              </a:solidFill>
+              <a:effectLst/>
+            </a:rPr>
+            <a:t> </a:t>
+          </a:r>
+          <a:r>
+            <a:rPr lang="en-US" altLang="ko-KR" sz="1100" b="1" kern="1200" dirty="0">
               <a:solidFill>
                 <a:schemeClr val="accent2">
                   <a:lumMod val="60000"/>
@@ -6620,26 +7086,26 @@
               </a:solidFill>
               <a:effectLst/>
             </a:rPr>
-            <a:t>date</a:t>
+            <a:t>varchar2(14)</a:t>
           </a:r>
           <a:r>
-            <a:rPr lang="en-US" altLang="ko-KR" sz="1400" b="1" kern="1200">
+            <a:rPr lang="en-US" altLang="ko-KR" sz="1100" b="1" kern="1200" dirty="0">
               <a:effectLst/>
             </a:rPr>
-            <a:t>, --</a:t>
+            <a:t>,  -- </a:t>
           </a:r>
           <a:r>
-            <a:rPr lang="ko-KR" altLang="en-US" sz="1400" b="1" kern="1200">
+            <a:rPr lang="ko-KR" altLang="en-US" sz="1100" b="1" kern="1200" dirty="0">
               <a:effectLst/>
             </a:rPr>
-            <a:t>구매시각을 저장하는 칼럼</a:t>
+            <a:t>대리구매자가 있을 시 대리구매자의 정보를 저장하는 칼럼</a:t>
           </a:r>
-          <a:endParaRPr lang="ko-KR" altLang="ko-KR" sz="1400" kern="1200" dirty="0">
+          <a:endParaRPr lang="ko-KR" altLang="ko-KR" sz="1100" kern="1200" dirty="0">
             <a:effectLst/>
           </a:endParaRPr>
         </a:p>
         <a:p>
-          <a:pPr marL="114300" lvl="1" indent="-114300" algn="l" defTabSz="622300" latinLnBrk="1">
+          <a:pPr marL="57150" lvl="1" indent="-57150" algn="l" defTabSz="488950" latinLnBrk="1">
             <a:lnSpc>
               <a:spcPct val="90000"/>
             </a:lnSpc>
@@ -6653,7 +7119,7 @@
             <a:buAutoNum type="arabicPeriod"/>
           </a:pPr>
           <a:r>
-            <a:rPr lang="en-US" altLang="ko-KR" sz="1400" b="1" kern="1200">
+            <a:rPr lang="en-US" altLang="ko-KR" sz="1100" b="1" kern="1200" dirty="0">
               <a:solidFill>
                 <a:schemeClr val="accent1">
                   <a:lumMod val="60000"/>
@@ -6665,13 +7131,13 @@
             <a:t>Payment</a:t>
           </a:r>
           <a:r>
-            <a:rPr lang="en-US" altLang="ko-KR" sz="1400" b="1" kern="1200">
+            <a:rPr lang="en-US" altLang="ko-KR" sz="1100" b="1" kern="1200" dirty="0">
               <a:effectLst/>
             </a:rPr>
             <a:t> </a:t>
           </a:r>
           <a:r>
-            <a:rPr lang="en-US" altLang="ko-KR" sz="1400" b="1" kern="1200">
+            <a:rPr lang="en-US" altLang="ko-KR" sz="1100" b="1" kern="1200" dirty="0">
               <a:solidFill>
                 <a:schemeClr val="accent2">
                   <a:lumMod val="60000"/>
@@ -6680,26 +7146,26 @@
               </a:solidFill>
               <a:effectLst/>
             </a:rPr>
-            <a:t>varchar2(50)</a:t>
+            <a:t>varchar2(1)</a:t>
           </a:r>
           <a:r>
-            <a:rPr lang="en-US" altLang="ko-KR" sz="1400" b="1" kern="1200">
+            <a:rPr lang="en-US" altLang="ko-KR" sz="1100" b="1" kern="1200" dirty="0">
               <a:effectLst/>
             </a:rPr>
             <a:t>, --</a:t>
           </a:r>
           <a:r>
-            <a:rPr lang="ko-KR" altLang="en-US" sz="1400" b="1" kern="1200">
+            <a:rPr lang="ko-KR" altLang="en-US" sz="1100" b="1" kern="1200" dirty="0">
               <a:effectLst/>
             </a:rPr>
             <a:t>구매수단을 저장하는 칼럼</a:t>
           </a:r>
-          <a:endParaRPr lang="ko-KR" altLang="ko-KR" sz="1400" kern="1200" dirty="0">
+          <a:endParaRPr lang="ko-KR" altLang="ko-KR" sz="1100" kern="1200" dirty="0">
             <a:effectLst/>
           </a:endParaRPr>
         </a:p>
         <a:p>
-          <a:pPr marL="114300" lvl="1" indent="-114300" algn="l" defTabSz="622300" latinLnBrk="1">
+          <a:pPr marL="57150" lvl="1" indent="-57150" algn="l" defTabSz="488950" latinLnBrk="1">
             <a:lnSpc>
               <a:spcPct val="90000"/>
             </a:lnSpc>
@@ -6713,7 +7179,7 @@
             <a:buAutoNum type="arabicPeriod"/>
           </a:pPr>
           <a:r>
-            <a:rPr lang="en-US" altLang="ko-KR" sz="1400" b="1" kern="1200">
+            <a:rPr lang="en-US" altLang="ko-KR" sz="1100" b="1" kern="1200">
               <a:solidFill>
                 <a:schemeClr val="accent1">
                   <a:lumMod val="60000"/>
@@ -6725,7 +7191,7 @@
             <a:t>Store_name </a:t>
           </a:r>
           <a:r>
-            <a:rPr lang="en-US" altLang="ko-KR" sz="1400" b="1" kern="1200">
+            <a:rPr lang="en-US" altLang="ko-KR" sz="1100" b="1" kern="1200">
               <a:solidFill>
                 <a:schemeClr val="accent2">
                   <a:lumMod val="60000"/>
@@ -6737,7 +7203,7 @@
             <a:t>varchar2(100) </a:t>
           </a:r>
           <a:r>
-            <a:rPr lang="en-US" altLang="ko-KR" sz="1400" kern="1200">
+            <a:rPr lang="en-US" altLang="ko-KR" sz="1100" kern="1200">
               <a:solidFill>
                 <a:schemeClr val="accent2">
                   <a:lumMod val="60000"/>
@@ -6749,7 +7215,7 @@
             <a:t>  </a:t>
           </a:r>
           <a:r>
-            <a:rPr lang="en-US" altLang="ko-KR" sz="1400" kern="1200">
+            <a:rPr lang="en-US" altLang="ko-KR" sz="1100" kern="1200">
               <a:solidFill>
                 <a:schemeClr val="tx1"/>
               </a:solidFill>
@@ -6758,7 +7224,7 @@
             <a:t>--</a:t>
           </a:r>
           <a:r>
-            <a:rPr lang="ko-KR" altLang="en-US" sz="1400" kern="1200">
+            <a:rPr lang="ko-KR" altLang="en-US" sz="1100" kern="1200">
               <a:solidFill>
                 <a:schemeClr val="tx1"/>
               </a:solidFill>
@@ -6766,7 +7232,7 @@
             </a:rPr>
             <a:t>구매처의 정보를 저장하는 칼럼</a:t>
           </a:r>
-          <a:endParaRPr lang="en-US" altLang="ko-KR" sz="1400" kern="1200" dirty="0">
+          <a:endParaRPr lang="en-US" altLang="ko-KR" sz="1100" kern="1200" dirty="0">
             <a:solidFill>
               <a:schemeClr val="tx1"/>
             </a:solidFill>
@@ -6774,7 +7240,7 @@
           </a:endParaRPr>
         </a:p>
         <a:p>
-          <a:pPr marL="114300" lvl="1" indent="-114300" algn="l" defTabSz="622300" latinLnBrk="1">
+          <a:pPr marL="57150" lvl="1" indent="-57150" algn="l" defTabSz="488950" latinLnBrk="1">
             <a:lnSpc>
               <a:spcPct val="90000"/>
             </a:lnSpc>
@@ -6788,7 +7254,7 @@
             <a:buAutoNum type="arabicPeriod"/>
           </a:pPr>
           <a:r>
-            <a:rPr lang="en-US" altLang="ko-KR" sz="1400" kern="1200" dirty="0">
+            <a:rPr lang="en-US" altLang="ko-KR" sz="1100" kern="1200" dirty="0">
               <a:solidFill>
                 <a:schemeClr val="tx1"/>
               </a:solidFill>
@@ -6796,14 +7262,122 @@
             </a:rPr>
             <a:t>);</a:t>
           </a:r>
-          <a:endParaRPr lang="ko-KR" altLang="ko-KR" sz="1400" kern="1200" dirty="0">
+          <a:endParaRPr lang="ko-KR" altLang="ko-KR" sz="1100" kern="1200" dirty="0">
+            <a:effectLst/>
+          </a:endParaRPr>
+        </a:p>
+        <a:p>
+          <a:pPr marL="57150" lvl="1" indent="-57150" algn="l" defTabSz="488950" latinLnBrk="1">
+            <a:lnSpc>
+              <a:spcPct val="90000"/>
+            </a:lnSpc>
+            <a:spcBef>
+              <a:spcPct val="0"/>
+            </a:spcBef>
+            <a:spcAft>
+              <a:spcPct val="15000"/>
+            </a:spcAft>
+            <a:buFont typeface="+mj-lt"/>
+            <a:buAutoNum type="arabicPeriod"/>
+          </a:pPr>
+          <a:r>
+            <a:rPr lang="en-US" altLang="ko-KR" sz="1100" kern="1200" dirty="0">
+              <a:effectLst/>
+            </a:rPr>
+            <a:t>Create unique index </a:t>
+          </a:r>
+          <a:r>
+            <a:rPr lang="en-US" altLang="ko-KR" sz="1100" kern="1200" dirty="0" err="1">
+              <a:effectLst/>
+            </a:rPr>
+            <a:t>pk_guma</a:t>
+          </a:r>
+          <a:r>
+            <a:rPr lang="en-US" altLang="ko-KR" sz="1100" kern="1200" dirty="0">
+              <a:effectLst/>
+            </a:rPr>
+            <a:t> on </a:t>
+          </a:r>
+          <a:r>
+            <a:rPr lang="en-US" altLang="ko-KR" sz="1100" kern="1200" dirty="0" err="1">
+              <a:effectLst/>
+            </a:rPr>
+            <a:t>guma_his_tb</a:t>
+          </a:r>
+          <a:r>
+            <a:rPr lang="en-US" altLang="ko-KR" sz="1100" kern="1200" dirty="0">
+              <a:effectLst/>
+            </a:rPr>
+            <a:t>(</a:t>
+          </a:r>
+          <a:endParaRPr lang="ko-KR" altLang="ko-KR" sz="1100" kern="1200" dirty="0">
+            <a:effectLst/>
+          </a:endParaRPr>
+        </a:p>
+        <a:p>
+          <a:pPr marL="57150" lvl="1" indent="-57150" algn="l" defTabSz="488950" latinLnBrk="1">
+            <a:lnSpc>
+              <a:spcPct val="90000"/>
+            </a:lnSpc>
+            <a:spcBef>
+              <a:spcPct val="0"/>
+            </a:spcBef>
+            <a:spcAft>
+              <a:spcPct val="15000"/>
+            </a:spcAft>
+            <a:buFont typeface="+mj-lt"/>
+            <a:buAutoNum type="arabicPeriod"/>
+          </a:pPr>
+          <a:r>
+            <a:rPr lang="en-US" altLang="ko-KR" sz="1100" kern="1200" dirty="0" err="1">
+              <a:effectLst/>
+            </a:rPr>
+            <a:t>Birthno</a:t>
+          </a:r>
+          <a:r>
+            <a:rPr lang="en-US" altLang="ko-KR" sz="1100" kern="1200" dirty="0">
+              <a:effectLst/>
+            </a:rPr>
+            <a:t>,</a:t>
+          </a:r>
+          <a:endParaRPr lang="ko-KR" altLang="ko-KR" sz="1100" kern="1200" dirty="0">
+            <a:effectLst/>
+          </a:endParaRPr>
+        </a:p>
+        <a:p>
+          <a:pPr marL="57150" lvl="1" indent="-57150" algn="l" defTabSz="488950" latinLnBrk="1">
+            <a:lnSpc>
+              <a:spcPct val="90000"/>
+            </a:lnSpc>
+            <a:spcBef>
+              <a:spcPct val="0"/>
+            </a:spcBef>
+            <a:spcAft>
+              <a:spcPct val="15000"/>
+            </a:spcAft>
+            <a:buFont typeface="+mj-lt"/>
+            <a:buAutoNum type="arabicPeriod"/>
+          </a:pPr>
+          <a:r>
+            <a:rPr lang="en-US" altLang="ko-KR" sz="1100" kern="1200" dirty="0" err="1">
+              <a:effectLst/>
+            </a:rPr>
+            <a:t>Buy_date</a:t>
+          </a:r>
+          <a:r>
+            <a:rPr lang="en-US" altLang="ko-KR" sz="1100" kern="1200" dirty="0">
+              <a:effectLst/>
+            </a:rPr>
+            <a:t>);</a:t>
+          </a:r>
+          <a:endParaRPr lang="ko-KR" altLang="ko-KR" sz="1100" kern="1200" dirty="0">
             <a:effectLst/>
           </a:endParaRPr>
         </a:p>
       </dsp:txBody>
       <dsp:txXfrm>
-        <a:off x="0" y="327220"/>
-        <a:ext cx="6936432" cy="3616199"/>
+        <a:off x="0" y="207429"/>
+        <a:ext cx="6936432" cy="3811500"/>
       </dsp:txXfrm>
     </dsp:sp>
     <dsp:sp modelId="{BF70D3C1-D5C0-45C2-B7E5-A72B2FB4E43D}">
@@ -6813,8 +7387,8 @@
       </dsp:nvSpPr>
       <dsp:spPr>
         <a:xfrm>
-          <a:off x="346821" y="120580"/>
-          <a:ext cx="4855502" cy="413280"/>
+          <a:off x="346821" y="45069"/>
+          <a:ext cx="4855502" cy="324720"/>
         </a:xfrm>
         <a:prstGeom prst="roundRect">
           <a:avLst/>
@@ -6866,7 +7440,7 @@
         </a:bodyPr>
         <a:lstStyle/>
         <a:p>
-          <a:pPr marL="0" lvl="0" indent="0" algn="l" defTabSz="622300" latinLnBrk="1">
+          <a:pPr marL="0" lvl="0" indent="0" algn="l" defTabSz="488950" latinLnBrk="1">
             <a:lnSpc>
               <a:spcPct val="90000"/>
             </a:lnSpc>
@@ -6879,31 +7453,31 @@
             <a:buNone/>
           </a:pPr>
           <a:r>
-            <a:rPr lang="en-US" altLang="ko-KR" sz="1400" kern="1200" dirty="0"/>
+            <a:rPr lang="en-US" altLang="ko-KR" sz="1100" kern="1200" dirty="0"/>
             <a:t>Table 2 </a:t>
           </a:r>
           <a:r>
-            <a:rPr lang="ko-KR" altLang="en-US" sz="1400" kern="1200" dirty="0"/>
+            <a:rPr lang="ko-KR" altLang="en-US" sz="1100" kern="1200" dirty="0"/>
             <a:t>마스크 </a:t>
           </a:r>
           <a:r>
-            <a:rPr lang="ko-KR" altLang="en-US" sz="1400" kern="1200" dirty="0" err="1"/>
+            <a:rPr lang="ko-KR" altLang="en-US" sz="1100" kern="1200" dirty="0" err="1"/>
             <a:t>구매시</a:t>
           </a:r>
           <a:r>
-            <a:rPr lang="ko-KR" altLang="en-US" sz="1400" kern="1200" dirty="0"/>
+            <a:rPr lang="ko-KR" altLang="en-US" sz="1100" kern="1200" dirty="0"/>
             <a:t> 구매이력을 남기는 </a:t>
           </a:r>
           <a:r>
-            <a:rPr lang="en-US" altLang="ko-KR" sz="1400" kern="1200" dirty="0"/>
+            <a:rPr lang="en-US" altLang="ko-KR" sz="1100" kern="1200" dirty="0"/>
             <a:t>Table</a:t>
           </a:r>
-          <a:endParaRPr lang="ko-KR" altLang="en-US" sz="1400" kern="1200" dirty="0"/>
+          <a:endParaRPr lang="ko-KR" altLang="en-US" sz="1100" kern="1200" dirty="0"/>
         </a:p>
       </dsp:txBody>
       <dsp:txXfrm>
-        <a:off x="366996" y="140755"/>
-        <a:ext cx="4815152" cy="372930"/>
+        <a:off x="362673" y="60921"/>
+        <a:ext cx="4823798" cy="293016"/>
       </dsp:txXfrm>
     </dsp:sp>
   </dsp:spTree>
@@ -13549,7 +14123,7 @@
             <a:fld id="{65771C21-3757-4199-83DE-22960358A2A5}" type="datetimeFigureOut">
               <a:rPr lang="ko-KR" altLang="en-US" smtClean="0"/>
               <a:pPr/>
-              <a:t>2020-05-25</a:t>
+              <a:t>2020-05-26</a:t>
             </a:fld>
             <a:endParaRPr lang="ko-KR" altLang="en-US"/>
           </a:p>
@@ -16758,7 +17332,7 @@
             <a:fld id="{A22FE722-38C7-4231-8BB5-7A27D4E5977D}" type="datetimeFigureOut">
               <a:rPr lang="ko-KR" altLang="en-US" smtClean="0"/>
               <a:pPr/>
-              <a:t>2020-05-25</a:t>
+              <a:t>2020-05-26</a:t>
             </a:fld>
             <a:endParaRPr lang="ko-KR" altLang="en-US"/>
           </a:p>
@@ -16923,7 +17497,7 @@
             <a:fld id="{A22FE722-38C7-4231-8BB5-7A27D4E5977D}" type="datetimeFigureOut">
               <a:rPr lang="ko-KR" altLang="en-US" smtClean="0"/>
               <a:pPr/>
-              <a:t>2020-05-25</a:t>
+              <a:t>2020-05-26</a:t>
             </a:fld>
             <a:endParaRPr lang="ko-KR" altLang="en-US"/>
           </a:p>
@@ -17098,7 +17672,7 @@
             <a:fld id="{A22FE722-38C7-4231-8BB5-7A27D4E5977D}" type="datetimeFigureOut">
               <a:rPr lang="ko-KR" altLang="en-US" smtClean="0"/>
               <a:pPr/>
-              <a:t>2020-05-25</a:t>
+              <a:t>2020-05-26</a:t>
             </a:fld>
             <a:endParaRPr lang="ko-KR" altLang="en-US"/>
           </a:p>
@@ -17263,7 +17837,7 @@
             <a:fld id="{A22FE722-38C7-4231-8BB5-7A27D4E5977D}" type="datetimeFigureOut">
               <a:rPr lang="ko-KR" altLang="en-US" smtClean="0"/>
               <a:pPr/>
-              <a:t>2020-05-25</a:t>
+              <a:t>2020-05-26</a:t>
             </a:fld>
             <a:endParaRPr lang="ko-KR" altLang="en-US"/>
           </a:p>
@@ -17505,7 +18079,7 @@
             <a:fld id="{A22FE722-38C7-4231-8BB5-7A27D4E5977D}" type="datetimeFigureOut">
               <a:rPr lang="ko-KR" altLang="en-US" smtClean="0"/>
               <a:pPr/>
-              <a:t>2020-05-25</a:t>
+              <a:t>2020-05-26</a:t>
             </a:fld>
             <a:endParaRPr lang="ko-KR" altLang="en-US"/>
           </a:p>
@@ -17787,7 +18361,7 @@
             <a:fld id="{A22FE722-38C7-4231-8BB5-7A27D4E5977D}" type="datetimeFigureOut">
               <a:rPr lang="ko-KR" altLang="en-US" smtClean="0"/>
               <a:pPr/>
-              <a:t>2020-05-25</a:t>
+              <a:t>2020-05-26</a:t>
             </a:fld>
             <a:endParaRPr lang="ko-KR" altLang="en-US"/>
           </a:p>
@@ -18203,7 +18777,7 @@
             <a:fld id="{A22FE722-38C7-4231-8BB5-7A27D4E5977D}" type="datetimeFigureOut">
               <a:rPr lang="ko-KR" altLang="en-US" smtClean="0"/>
               <a:pPr/>
-              <a:t>2020-05-25</a:t>
+              <a:t>2020-05-26</a:t>
             </a:fld>
             <a:endParaRPr lang="ko-KR" altLang="en-US"/>
           </a:p>
@@ -18317,7 +18891,7 @@
             <a:fld id="{A22FE722-38C7-4231-8BB5-7A27D4E5977D}" type="datetimeFigureOut">
               <a:rPr lang="ko-KR" altLang="en-US" smtClean="0"/>
               <a:pPr/>
-              <a:t>2020-05-25</a:t>
+              <a:t>2020-05-26</a:t>
             </a:fld>
             <a:endParaRPr lang="ko-KR" altLang="en-US"/>
           </a:p>
@@ -18409,7 +18983,7 @@
             <a:fld id="{A22FE722-38C7-4231-8BB5-7A27D4E5977D}" type="datetimeFigureOut">
               <a:rPr lang="ko-KR" altLang="en-US" smtClean="0"/>
               <a:pPr/>
-              <a:t>2020-05-25</a:t>
+              <a:t>2020-05-26</a:t>
             </a:fld>
             <a:endParaRPr lang="ko-KR" altLang="en-US"/>
           </a:p>
@@ -18681,7 +19255,7 @@
             <a:fld id="{A22FE722-38C7-4231-8BB5-7A27D4E5977D}" type="datetimeFigureOut">
               <a:rPr lang="ko-KR" altLang="en-US" smtClean="0"/>
               <a:pPr/>
-              <a:t>2020-05-25</a:t>
+              <a:t>2020-05-26</a:t>
             </a:fld>
             <a:endParaRPr lang="ko-KR" altLang="en-US"/>
           </a:p>
@@ -18930,7 +19504,7 @@
             <a:fld id="{A22FE722-38C7-4231-8BB5-7A27D4E5977D}" type="datetimeFigureOut">
               <a:rPr lang="ko-KR" altLang="en-US" smtClean="0"/>
               <a:pPr/>
-              <a:t>2020-05-25</a:t>
+              <a:t>2020-05-26</a:t>
             </a:fld>
             <a:endParaRPr lang="ko-KR" altLang="en-US"/>
           </a:p>
@@ -19143,7 +19717,7 @@
             <a:fld id="{A22FE722-38C7-4231-8BB5-7A27D4E5977D}" type="datetimeFigureOut">
               <a:rPr lang="ko-KR" altLang="en-US" smtClean="0"/>
               <a:pPr/>
-              <a:t>2020-05-25</a:t>
+              <a:t>2020-05-26</a:t>
             </a:fld>
             <a:endParaRPr lang="ko-KR" altLang="en-US"/>
           </a:p>
@@ -21477,7 +22051,7 @@
             </a:r>
             <a:r>
               <a:rPr lang="en-US" altLang="ko-KR" b="1" dirty="0" err="1"/>
-              <a:t>proc_sal_mask</a:t>
+              <a:t>proc_buy_mask</a:t>
             </a:r>
             <a:r>
               <a:rPr lang="en-US" altLang="ko-KR" b="1" dirty="0"/>
@@ -21579,7 +22153,7 @@
                   <a:schemeClr val="accent6"/>
                 </a:solidFill>
               </a:rPr>
-              <a:t>p_sal_mask</a:t>
+              <a:t>p_buy_mask</a:t>
             </a:r>
             <a:r>
               <a:rPr lang="en-US" altLang="ko-KR" b="1" dirty="0">
@@ -21614,7 +22188,7 @@
                   <a:schemeClr val="accent6"/>
                 </a:solidFill>
               </a:rPr>
-              <a:t>P_proxy_sal_mask</a:t>
+              <a:t>P_proxy_buy_mask</a:t>
             </a:r>
             <a:r>
               <a:rPr lang="en-US" altLang="ko-KR" b="1" dirty="0">
@@ -22103,7 +22677,48 @@
                   </a:schemeClr>
                 </a:solidFill>
               </a:rPr>
-              <a:t>dont_sal_mask</a:t>
+              <a:t>dont</a:t>
+            </a:r>
+            <a:r>
+              <a:rPr lang="ko-KR" altLang="en-US" b="1" dirty="0">
+                <a:solidFill>
+                  <a:schemeClr val="tx2">
+                    <a:lumMod val="60000"/>
+                    <a:lumOff val="40000"/>
+                  </a:schemeClr>
+                </a:solidFill>
+              </a:rPr>
+              <a:t>_</a:t>
+            </a:r>
+            <a:r>
+              <a:rPr lang="en-US" altLang="ko-KR" b="1" dirty="0">
+                <a:solidFill>
+                  <a:schemeClr val="accent1"/>
+                </a:solidFill>
+              </a:rPr>
+              <a:t>buy</a:t>
+            </a:r>
+            <a:r>
+              <a:rPr lang="ko-KR" altLang="en-US" b="1" dirty="0">
+                <a:solidFill>
+                  <a:schemeClr val="tx2">
+                    <a:lumMod val="60000"/>
+                    <a:lumOff val="40000"/>
+                  </a:schemeClr>
+                </a:solidFill>
+              </a:rPr>
+              <a:t>_</a:t>
+            </a:r>
+            <a:r>
+              <a:rPr lang="ko-KR" altLang="en-US" b="1" dirty="0" err="1">
+                <a:solidFill>
+                  <a:schemeClr val="tx2">
+                    <a:lumMod val="60000"/>
+                    <a:lumOff val="40000"/>
+                  </a:schemeClr>
+                </a:solidFill>
+              </a:rPr>
+              <a:t>mask</a:t>
             </a:r>
             <a:r>
               <a:rPr lang="ko-KR" altLang="en-US" b="1" dirty="0">
@@ -22781,7 +23396,7 @@
                   </a:schemeClr>
                 </a:solidFill>
               </a:rPr>
-              <a:t>sal_date_dy</a:t>
+              <a:t>buy_date_dy</a:t>
             </a:r>
             <a:r>
               <a:rPr lang="en-US" altLang="ko-KR" sz="1500" b="1" dirty="0"/>
@@ -23024,7 +23639,7 @@
                   </a:schemeClr>
                 </a:solidFill>
               </a:rPr>
-              <a:t>tr.sal_date_dy</a:t>
+              <a:t>tr.buy_date_dy</a:t>
             </a:r>
             <a:r>
               <a:rPr lang="en-US" altLang="ko-KR" sz="1500" b="1" dirty="0"/>
@@ -23194,12 +23809,12 @@
                     <a:p>
                       <a:pPr algn="l" fontAlgn="ctr"/>
                       <a:r>
-                        <a:rPr lang="en-US" sz="1000" u="none" strike="noStrike">
+                        <a:rPr lang="en-US" sz="1000" u="none" strike="noStrike" dirty="0">
                           <a:effectLst/>
                         </a:rPr>
                         <a:t>NAME</a:t>
                       </a:r>
-                      <a:endParaRPr lang="en-US" sz="1000" b="1" i="0" u="none" strike="noStrike">
+                      <a:endParaRPr lang="en-US" sz="1000" b="1" i="0" u="none" strike="noStrike" dirty="0">
                         <a:solidFill>
                           <a:srgbClr val="000000"/>
                         </a:solidFill>
@@ -23242,12 +23857,12 @@
                     <a:p>
                       <a:pPr algn="l" fontAlgn="ctr"/>
                       <a:r>
-                        <a:rPr lang="en-US" sz="1000" u="none" strike="noStrike">
+                        <a:rPr lang="en-US" sz="1000" u="none" strike="noStrike" dirty="0" err="1">
                           <a:effectLst/>
                         </a:rPr>
-                        <a:t>SAL_DATE_DY</a:t>
+                        <a:t>buy_DATE_DY</a:t>
                       </a:r>
-                      <a:endParaRPr lang="en-US" sz="1000" b="1" i="0" u="none" strike="noStrike">
+                      <a:endParaRPr lang="en-US" sz="1000" b="1" i="0" u="none" strike="noStrike" dirty="0">
                         <a:solidFill>
                           <a:srgbClr val="000000"/>
                         </a:solidFill>
@@ -25068,7 +25683,7 @@
                   </a:schemeClr>
                 </a:solidFill>
               </a:rPr>
-              <a:t>sal_mask</a:t>
+              <a:t>buy_mask</a:t>
             </a:r>
             <a:r>
               <a:rPr lang="en-US" altLang="ko-KR" sz="1500" b="1" dirty="0"/>
@@ -25100,6 +25715,57 @@
               <a:t>          from </a:t>
             </a:r>
             <a:r>
+              <a:rPr lang="en-US" altLang="ko-KR" sz="1500" b="1" dirty="0" err="1">
+                <a:solidFill>
+                  <a:schemeClr val="tx2">
+                    <a:lumMod val="60000"/>
+                    <a:lumOff val="40000"/>
+                  </a:schemeClr>
+                </a:solidFill>
+              </a:rPr>
+              <a:t>buy_MASK_TAB</a:t>
+            </a:r>
+            <a:endParaRPr lang="en-US" altLang="ko-KR" sz="1500" b="1" dirty="0">
+              <a:solidFill>
+                <a:schemeClr val="tx2">
+                  <a:lumMod val="60000"/>
+                  <a:lumOff val="40000"/>
+                </a:schemeClr>
+              </a:solidFill>
+            </a:endParaRPr>
+          </a:p>
+          <a:p>
+            <a:r>
+              <a:rPr lang="en-US" altLang="ko-KR" sz="1500" b="1" dirty="0"/>
+              <a:t>         where </a:t>
+            </a:r>
+            <a:r>
+              <a:rPr lang="en-US" altLang="ko-KR" sz="1500" b="1" dirty="0" err="1">
+                <a:solidFill>
+                  <a:schemeClr val="tx2">
+                    <a:lumMod val="60000"/>
+                    <a:lumOff val="40000"/>
+                  </a:schemeClr>
+                </a:solidFill>
+              </a:rPr>
+              <a:t>birthno</a:t>
+            </a:r>
+            <a:r>
+              <a:rPr lang="en-US" altLang="ko-KR" sz="1500" b="1" dirty="0"/>
+              <a:t> =</a:t>
+            </a:r>
+            <a:r>
+              <a:rPr lang="en-US" altLang="ko-KR" sz="1500" b="1" dirty="0" err="1">
+                <a:solidFill>
+                  <a:schemeClr val="tx2">
+                    <a:lumMod val="60000"/>
+                    <a:lumOff val="40000"/>
+                  </a:schemeClr>
+                </a:solidFill>
+              </a:rPr>
+              <a:t>p_birthno</a:t>
+            </a:r>
+            <a:r>
               <a:rPr lang="en-US" altLang="ko-KR" sz="1500" b="1" dirty="0">
                 <a:solidFill>
                   <a:schemeClr val="tx2">
@@ -25108,13 +25774,11 @@
                   </a:schemeClr>
                 </a:solidFill>
               </a:rPr>
-              <a:t>SAL_MASK_TAB</a:t>
-            </a:r>
-          </a:p>
-          <a:p>
+              <a:t> </a:t>
+            </a:r>
             <a:r>
               <a:rPr lang="en-US" altLang="ko-KR" sz="1500" b="1" dirty="0"/>
-              <a:t>         where </a:t>
+              <a:t>) loop if </a:t>
             </a:r>
             <a:r>
               <a:rPr lang="en-US" altLang="ko-KR" sz="1500" b="1" dirty="0" err="1">
@@ -25125,11 +25789,29 @@
                   </a:schemeClr>
                 </a:solidFill>
               </a:rPr>
-              <a:t>birthno</a:t>
+              <a:t>p_buy_mask</a:t>
+            </a:r>
+            <a:r>
+              <a:rPr lang="en-US" altLang="ko-KR" sz="1500" b="1" dirty="0" err="1"/>
+              <a:t>+nvl</a:t>
+            </a:r>
+            <a:r>
+              <a:rPr lang="en-US" altLang="ko-KR" sz="1500" b="1" dirty="0">
+                <a:solidFill>
+                  <a:schemeClr val="accent1"/>
+                </a:solidFill>
+              </a:rPr>
+              <a:t>(re.tot_mask,0)</a:t>
             </a:r>
             <a:r>
               <a:rPr lang="en-US" altLang="ko-KR" sz="1500" b="1" dirty="0"/>
-              <a:t> =</a:t>
+              <a:t>&gt;3 </a:t>
+            </a:r>
+          </a:p>
+          <a:p>
+            <a:r>
+              <a:rPr lang="en-US" altLang="ko-KR" sz="1500" b="1" dirty="0"/>
+              <a:t>then </a:t>
             </a:r>
             <a:r>
               <a:rPr lang="en-US" altLang="ko-KR" sz="1500" b="1" dirty="0" err="1">
@@ -25140,7 +25822,7 @@
                   </a:schemeClr>
                 </a:solidFill>
               </a:rPr>
-              <a:t>p_birthno</a:t>
+              <a:t>v_tot_mask</a:t>
             </a:r>
             <a:r>
               <a:rPr lang="en-US" altLang="ko-KR" sz="1500" b="1" dirty="0">
@@ -25155,7 +25837,33 @@
             </a:r>
             <a:r>
               <a:rPr lang="en-US" altLang="ko-KR" sz="1500" b="1" dirty="0"/>
-              <a:t>) loop if </a:t>
+              <a:t>:= </a:t>
+            </a:r>
+            <a:r>
+              <a:rPr lang="en-US" altLang="ko-KR" sz="1500" b="1" dirty="0" err="1"/>
+              <a:t>nvl</a:t>
+            </a:r>
+            <a:r>
+              <a:rPr lang="en-US" altLang="ko-KR" sz="1500" b="1" dirty="0"/>
+              <a:t>(</a:t>
+            </a:r>
+            <a:r>
+              <a:rPr lang="en-US" altLang="ko-KR" sz="1500" b="1" dirty="0">
+                <a:solidFill>
+                  <a:schemeClr val="accent1"/>
+                </a:solidFill>
+              </a:rPr>
+              <a:t>re.tot_mask,0</a:t>
+            </a:r>
+            <a:r>
+              <a:rPr lang="en-US" altLang="ko-KR" sz="1500" b="1" dirty="0"/>
+              <a:t>);</a:t>
+            </a:r>
+          </a:p>
+          <a:p>
+            <a:r>
+              <a:rPr lang="en-US" altLang="ko-KR" sz="1500" b="1" dirty="0"/>
+              <a:t> raise </a:t>
             </a:r>
             <a:r>
               <a:rPr lang="en-US" altLang="ko-KR" sz="1500" b="1" dirty="0" err="1">
@@ -25166,29 +25874,64 @@
                   </a:schemeClr>
                 </a:solidFill>
               </a:rPr>
-              <a:t>p_sal_mask</a:t>
-            </a:r>
-            <a:r>
-              <a:rPr lang="en-US" altLang="ko-KR" sz="1500" b="1" dirty="0" err="1"/>
-              <a:t>+nvl</a:t>
-            </a:r>
-            <a:r>
-              <a:rPr lang="en-US" altLang="ko-KR" sz="1500" b="1" dirty="0">
-                <a:solidFill>
-                  <a:schemeClr val="accent1"/>
-                </a:solidFill>
-              </a:rPr>
-              <a:t>(re.tot_mask,0)</a:t>
+              <a:t>more_mask</a:t>
             </a:r>
             <a:r>
               <a:rPr lang="en-US" altLang="ko-KR" sz="1500" b="1" dirty="0"/>
-              <a:t>&gt;3 </a:t>
-            </a:r>
-          </a:p>
-          <a:p>
+              <a:t>;	</a:t>
+            </a:r>
+          </a:p>
+          <a:p>
+            <a:r>
+              <a:rPr lang="en-US" altLang="ko-KR" sz="1300" b="1" dirty="0"/>
+              <a:t>-- </a:t>
+            </a:r>
+            <a:r>
+              <a:rPr lang="ko-KR" altLang="en-US" sz="1300" b="1" dirty="0"/>
+              <a:t>구매한 마스크와 구매할 마스크의 합이 </a:t>
+            </a:r>
+            <a:r>
+              <a:rPr lang="en-US" altLang="ko-KR" sz="1300" b="1" dirty="0"/>
+              <a:t>3</a:t>
+            </a:r>
+            <a:r>
+              <a:rPr lang="ko-KR" altLang="en-US" sz="1300" b="1" dirty="0"/>
+              <a:t>을 </a:t>
+            </a:r>
+            <a:r>
+              <a:rPr lang="ko-KR" altLang="en-US" sz="1300" b="1" dirty="0" err="1"/>
+              <a:t>초과하게되면</a:t>
+            </a:r>
+            <a:r>
+              <a:rPr lang="ko-KR" altLang="en-US" sz="1300" b="1" dirty="0"/>
+              <a:t> </a:t>
+            </a:r>
+            <a:r>
+              <a:rPr lang="en-US" altLang="ko-KR" sz="1300" b="1" dirty="0"/>
+              <a:t>exception</a:t>
+            </a:r>
+            <a:r>
+              <a:rPr lang="ko-KR" altLang="en-US" sz="1300" b="1" dirty="0"/>
+              <a:t>이 발생함</a:t>
+            </a:r>
             <a:r>
               <a:rPr lang="en-US" altLang="ko-KR" sz="1500" b="1" dirty="0"/>
-              <a:t>then </a:t>
+              <a:t>	</a:t>
+            </a:r>
+          </a:p>
+          <a:p>
+            <a:r>
+              <a:rPr lang="en-US" altLang="ko-KR" sz="1500" b="1" dirty="0"/>
+              <a:t> </a:t>
+            </a:r>
+          </a:p>
+          <a:p>
+            <a:endParaRPr lang="en-US" altLang="ko-KR" sz="1500" b="1" dirty="0"/>
+          </a:p>
+          <a:p>
+            <a:r>
+              <a:rPr lang="en-US" altLang="ko-KR" sz="1500" b="1" dirty="0"/>
+              <a:t> if </a:t>
             </a:r>
             <a:r>
               <a:rPr lang="en-US" altLang="ko-KR" sz="1500" b="1" dirty="0" err="1">
@@ -25199,7 +25942,7 @@
                   </a:schemeClr>
                 </a:solidFill>
               </a:rPr>
-              <a:t>v_tot_mask</a:t>
+              <a:t>tr.buy_date_dy</a:t>
             </a:r>
             <a:r>
               <a:rPr lang="en-US" altLang="ko-KR" sz="1500" b="1" dirty="0">
@@ -25214,33 +25957,42 @@
             </a:r>
             <a:r>
               <a:rPr lang="en-US" altLang="ko-KR" sz="1500" b="1" dirty="0"/>
-              <a:t>:= </a:t>
-            </a:r>
-            <a:r>
-              <a:rPr lang="en-US" altLang="ko-KR" sz="1500" b="1" dirty="0" err="1"/>
-              <a:t>nvl</a:t>
+              <a:t>in ('</a:t>
+            </a:r>
+            <a:r>
+              <a:rPr lang="ko-KR" altLang="en-US" sz="1500" b="1" dirty="0"/>
+              <a:t>토</a:t>
             </a:r>
             <a:r>
               <a:rPr lang="en-US" altLang="ko-KR" sz="1500" b="1" dirty="0"/>
-              <a:t>(</a:t>
-            </a:r>
+              <a:t>',</a:t>
+            </a:r>
+          </a:p>
+          <a:p>
+            <a:r>
+              <a:rPr lang="en-US" altLang="ko-KR" sz="1500" b="1" dirty="0"/>
+              <a:t>               '</a:t>
+            </a:r>
+            <a:r>
+              <a:rPr lang="ko-KR" altLang="en-US" sz="1500" b="1" dirty="0"/>
+              <a:t>일</a:t>
+            </a:r>
+            <a:r>
+              <a:rPr lang="en-US" altLang="ko-KR" sz="1500" b="1" dirty="0"/>
+              <a:t>',</a:t>
+            </a:r>
+          </a:p>
+          <a:p>
             <a:r>
               <a:rPr lang="en-US" altLang="ko-KR" sz="1500" b="1" dirty="0">
                 <a:solidFill>
-                  <a:schemeClr val="accent1"/>
+                  <a:schemeClr val="tx2">
+                    <a:lumMod val="60000"/>
+                    <a:lumOff val="40000"/>
+                  </a:schemeClr>
                 </a:solidFill>
               </a:rPr>
-              <a:t>re.tot_mask,0</a:t>
-            </a:r>
-            <a:r>
-              <a:rPr lang="en-US" altLang="ko-KR" sz="1500" b="1" dirty="0"/>
-              <a:t>);</a:t>
-            </a:r>
-          </a:p>
-          <a:p>
-            <a:r>
-              <a:rPr lang="en-US" altLang="ko-KR" sz="1500" b="1" dirty="0"/>
-              <a:t> raise </a:t>
+              <a:t>               </a:t>
             </a:r>
             <a:r>
               <a:rPr lang="en-US" altLang="ko-KR" sz="1500" b="1" dirty="0" err="1">
@@ -25251,64 +26003,42 @@
                   </a:schemeClr>
                 </a:solidFill>
               </a:rPr>
-              <a:t>more_mask</a:t>
+              <a:t>tr.dy</a:t>
             </a:r>
             <a:r>
               <a:rPr lang="en-US" altLang="ko-KR" sz="1500" b="1" dirty="0"/>
-              <a:t>;	</a:t>
-            </a:r>
-          </a:p>
-          <a:p>
-            <a:r>
-              <a:rPr lang="en-US" altLang="ko-KR" sz="1300" b="1" dirty="0"/>
-              <a:t>-- </a:t>
-            </a:r>
-            <a:r>
-              <a:rPr lang="ko-KR" altLang="en-US" sz="1300" b="1" dirty="0"/>
-              <a:t>구매한 마스크와 구매할 마스크의 합이 </a:t>
-            </a:r>
-            <a:r>
-              <a:rPr lang="en-US" altLang="ko-KR" sz="1300" b="1" dirty="0"/>
-              <a:t>3</a:t>
-            </a:r>
-            <a:r>
-              <a:rPr lang="ko-KR" altLang="en-US" sz="1300" b="1" dirty="0"/>
-              <a:t>을 </a:t>
-            </a:r>
-            <a:r>
-              <a:rPr lang="ko-KR" altLang="en-US" sz="1300" b="1" dirty="0" err="1"/>
-              <a:t>초과하게되면</a:t>
-            </a:r>
-            <a:r>
-              <a:rPr lang="ko-KR" altLang="en-US" sz="1300" b="1" dirty="0"/>
-              <a:t> </a:t>
-            </a:r>
-            <a:r>
-              <a:rPr lang="en-US" altLang="ko-KR" sz="1300" b="1" dirty="0"/>
-              <a:t>exception</a:t>
-            </a:r>
-            <a:r>
-              <a:rPr lang="ko-KR" altLang="en-US" sz="1300" b="1" dirty="0"/>
-              <a:t>이 발생함</a:t>
-            </a:r>
+              <a:t>) then </a:t>
+            </a:r>
+          </a:p>
+          <a:p>
             <a:r>
               <a:rPr lang="en-US" altLang="ko-KR" sz="1500" b="1" dirty="0"/>
-              <a:t>	</a:t>
+              <a:t>insert</a:t>
             </a:r>
           </a:p>
           <a:p>
             <a:r>
               <a:rPr lang="en-US" altLang="ko-KR" sz="1500" b="1" dirty="0"/>
-              <a:t> </a:t>
-            </a:r>
-          </a:p>
-          <a:p>
-            <a:endParaRPr lang="en-US" altLang="ko-KR" sz="1500" b="1" dirty="0"/>
-          </a:p>
-          <a:p>
+              <a:t>  into </a:t>
+            </a:r>
+            <a:r>
+              <a:rPr lang="en-US" altLang="ko-KR" sz="1500" b="1" dirty="0" err="1"/>
+              <a:t>buy_MASK_TAB</a:t>
+            </a:r>
             <a:r>
               <a:rPr lang="en-US" altLang="ko-KR" sz="1500" b="1" dirty="0"/>
-              <a:t> if </a:t>
+              <a:t>(</a:t>
+            </a:r>
+            <a:r>
+              <a:rPr lang="en-US" altLang="ko-KR" sz="1500" b="1" dirty="0">
+                <a:solidFill>
+                  <a:schemeClr val="tx2">
+                    <a:lumMod val="60000"/>
+                    <a:lumOff val="40000"/>
+                  </a:schemeClr>
+                </a:solidFill>
+              </a:rPr>
+              <a:t>NAME, BIRTHNO, </a:t>
             </a:r>
             <a:r>
               <a:rPr lang="en-US" altLang="ko-KR" sz="1500" b="1" dirty="0" err="1">
@@ -25319,7 +26049,7 @@
                   </a:schemeClr>
                 </a:solidFill>
               </a:rPr>
-              <a:t>tr.sal_date_dy</a:t>
+              <a:t>buy_MASK</a:t>
             </a:r>
             <a:r>
               <a:rPr lang="en-US" altLang="ko-KR" sz="1500" b="1" dirty="0">
@@ -25330,36 +26060,19 @@
                   </a:schemeClr>
                 </a:solidFill>
               </a:rPr>
-              <a:t> </a:t>
-            </a:r>
-            <a:r>
-              <a:rPr lang="en-US" altLang="ko-KR" sz="1500" b="1" dirty="0"/>
-              <a:t>in ('</a:t>
-            </a:r>
-            <a:r>
-              <a:rPr lang="ko-KR" altLang="en-US" sz="1500" b="1" dirty="0"/>
-              <a:t>토</a:t>
-            </a:r>
-            <a:r>
-              <a:rPr lang="en-US" altLang="ko-KR" sz="1500" b="1" dirty="0"/>
-              <a:t>',</a:t>
-            </a:r>
-          </a:p>
-          <a:p>
-            <a:r>
-              <a:rPr lang="en-US" altLang="ko-KR" sz="1500" b="1" dirty="0"/>
-              <a:t>               '</a:t>
-            </a:r>
-            <a:r>
-              <a:rPr lang="ko-KR" altLang="en-US" sz="1500" b="1" dirty="0"/>
-              <a:t>일</a:t>
-            </a:r>
-            <a:r>
-              <a:rPr lang="en-US" altLang="ko-KR" sz="1500" b="1" dirty="0"/>
-              <a:t>',</a:t>
-            </a:r>
-          </a:p>
-          <a:p>
+              <a:t>, </a:t>
+            </a:r>
+            <a:r>
+              <a:rPr lang="en-US" altLang="ko-KR" sz="1500" b="1" dirty="0" err="1">
+                <a:solidFill>
+                  <a:schemeClr val="tx2">
+                    <a:lumMod val="60000"/>
+                    <a:lumOff val="40000"/>
+                  </a:schemeClr>
+                </a:solidFill>
+              </a:rPr>
+              <a:t>PROXY_buy_MASK</a:t>
+            </a:r>
             <a:r>
               <a:rPr lang="en-US" altLang="ko-KR" sz="1500" b="1" dirty="0">
                 <a:solidFill>
@@ -25369,7 +26082,7 @@
                   </a:schemeClr>
                 </a:solidFill>
               </a:rPr>
-              <a:t>               </a:t>
+              <a:t>, </a:t>
             </a:r>
             <a:r>
               <a:rPr lang="en-US" altLang="ko-KR" sz="1500" b="1" dirty="0" err="1">
@@ -25380,23 +26093,7 @@
                   </a:schemeClr>
                 </a:solidFill>
               </a:rPr>
-              <a:t>tr.dy</a:t>
-            </a:r>
-            <a:r>
-              <a:rPr lang="en-US" altLang="ko-KR" sz="1500" b="1" dirty="0"/>
-              <a:t>) then </a:t>
-            </a:r>
-          </a:p>
-          <a:p>
-            <a:r>
-              <a:rPr lang="en-US" altLang="ko-KR" sz="1500" b="1" dirty="0"/>
-              <a:t>insert</a:t>
-            </a:r>
-          </a:p>
-          <a:p>
-            <a:r>
-              <a:rPr lang="en-US" altLang="ko-KR" sz="1500" b="1" dirty="0"/>
-              <a:t>  into SAL_MASK_TAB(</a:t>
+              <a:t>buy_DATE</a:t>
             </a:r>
             <a:r>
               <a:rPr lang="en-US" altLang="ko-KR" sz="1500" b="1" dirty="0">
@@ -25407,7 +26104,7 @@
                   </a:schemeClr>
                 </a:solidFill>
               </a:rPr>
-              <a:t>NAME, BIRTHNO, SAL_MASK, PROXY_SAL_MASK, SAL_DATE, PAYMENT, STORE_NAME</a:t>
+              <a:t>, PAYMENT, STORE_NAME</a:t>
             </a:r>
             <a:r>
               <a:rPr lang="en-US" altLang="ko-KR" sz="1500" b="1" dirty="0"/>
@@ -25498,7 +26195,7 @@
                   </a:schemeClr>
                 </a:solidFill>
               </a:rPr>
-              <a:t>p_sal_mask</a:t>
+              <a:t>p_buy_mask</a:t>
             </a:r>
             <a:r>
               <a:rPr lang="en-US" altLang="ko-KR" sz="1500" b="1" dirty="0">
@@ -25533,7 +26230,7 @@
                   </a:schemeClr>
                 </a:solidFill>
               </a:rPr>
-              <a:t>p_proxy_sal_mask</a:t>
+              <a:t>p_proxy_buy_mask</a:t>
             </a:r>
             <a:r>
               <a:rPr lang="en-US" altLang="ko-KR" sz="1500" b="1" dirty="0">
@@ -25659,7 +26356,7 @@
                   </a:schemeClr>
                 </a:solidFill>
               </a:rPr>
-              <a:t>dont_sal_mask</a:t>
+              <a:t>dont_buy_mask</a:t>
             </a:r>
             <a:r>
               <a:rPr lang="en-US" altLang="ko-KR" sz="1500" b="1" dirty="0">
@@ -25999,12 +26696,12 @@
                     <a:p>
                       <a:pPr algn="l" fontAlgn="ctr"/>
                       <a:r>
-                        <a:rPr lang="en-US" sz="1000" u="none" strike="noStrike">
+                        <a:rPr lang="en-US" sz="1000" u="none" strike="noStrike" dirty="0">
                           <a:effectLst/>
                         </a:rPr>
                         <a:t>NAME</a:t>
                       </a:r>
-                      <a:endParaRPr lang="en-US" sz="1000" b="1" i="0" u="none" strike="noStrike">
+                      <a:endParaRPr lang="en-US" sz="1000" b="1" i="0" u="none" strike="noStrike" dirty="0">
                         <a:solidFill>
                           <a:srgbClr val="000000"/>
                         </a:solidFill>
@@ -26047,12 +26744,12 @@
                     <a:p>
                       <a:pPr algn="l" fontAlgn="ctr"/>
                       <a:r>
-                        <a:rPr lang="en-US" sz="1000" u="none" strike="noStrike">
+                        <a:rPr lang="en-US" sz="1000" u="none" strike="noStrike" dirty="0" err="1">
                           <a:effectLst/>
                         </a:rPr>
-                        <a:t>SAL_MASK</a:t>
+                        <a:t>buy_MASK</a:t>
                       </a:r>
-                      <a:endParaRPr lang="en-US" sz="1000" b="1" i="0" u="none" strike="noStrike">
+                      <a:endParaRPr lang="en-US" sz="1000" b="1" i="0" u="none" strike="noStrike" dirty="0">
                         <a:solidFill>
                           <a:srgbClr val="000000"/>
                         </a:solidFill>
@@ -26071,12 +26768,12 @@
                     <a:p>
                       <a:pPr algn="l" fontAlgn="ctr"/>
                       <a:r>
-                        <a:rPr lang="en-US" sz="1000" u="none" strike="noStrike">
+                        <a:rPr lang="en-US" sz="1000" u="none" strike="noStrike" dirty="0" err="1">
                           <a:effectLst/>
                         </a:rPr>
-                        <a:t>PROXY_SAL_MASK</a:t>
+                        <a:t>PROXY_buy_MASK</a:t>
                       </a:r>
-                      <a:endParaRPr lang="en-US" sz="1000" b="1" i="0" u="none" strike="noStrike">
+                      <a:endParaRPr lang="en-US" sz="1000" b="1" i="0" u="none" strike="noStrike" dirty="0">
                         <a:solidFill>
                           <a:srgbClr val="000000"/>
                         </a:solidFill>
@@ -26095,12 +26792,12 @@
                     <a:p>
                       <a:pPr algn="l" fontAlgn="ctr"/>
                       <a:r>
-                        <a:rPr lang="en-US" sz="1000" u="none" strike="noStrike">
+                        <a:rPr lang="en-US" sz="1000" u="none" strike="noStrike" dirty="0" err="1">
                           <a:effectLst/>
                         </a:rPr>
-                        <a:t>SAL_DATE</a:t>
+                        <a:t>buy_DATE</a:t>
                       </a:r>
-                      <a:endParaRPr lang="en-US" sz="1000" b="1" i="0" u="none" strike="noStrike">
+                      <a:endParaRPr lang="en-US" sz="1000" b="1" i="0" u="none" strike="noStrike" dirty="0">
                         <a:solidFill>
                           <a:srgbClr val="000000"/>
                         </a:solidFill>
@@ -27531,7 +28228,7 @@
                 <a:latin typeface="HY헤드라인M" panose="02030600000101010101" pitchFamily="18" charset="-127"/>
                 <a:ea typeface="HY헤드라인M" panose="02030600000101010101" pitchFamily="18" charset="-127"/>
               </a:rPr>
-              <a:t>dont_sal_mask</a:t>
+              <a:t>dont_buy_mask</a:t>
             </a:r>
             <a:r>
               <a:rPr lang="en-US" altLang="ko-KR" sz="1500" dirty="0">
@@ -29258,7 +29955,7 @@
                   </a:schemeClr>
                 </a:solidFill>
               </a:rPr>
-              <a:t>P_sal_mask</a:t>
+              <a:t>P_buy_mask</a:t>
             </a:r>
             <a:r>
               <a:rPr lang="en-US" altLang="ko-KR" b="1" dirty="0"/>
@@ -31763,7 +32460,7 @@
           <a:p>
             <a:r>
               <a:rPr lang="en-US" altLang="ko-KR" sz="1500" b="1" dirty="0" err="1"/>
-              <a:t>proc_sal_mask</a:t>
+              <a:t>proc_buy_mask</a:t>
             </a:r>
             <a:r>
               <a:rPr lang="en-US" altLang="ko-KR" sz="1500" b="1" dirty="0"/>
@@ -31822,7 +32519,7 @@
                   </a:schemeClr>
                 </a:solidFill>
               </a:rPr>
-              <a:t>p_sal_mask</a:t>
+              <a:t>p_buy_mask</a:t>
             </a:r>
             <a:r>
               <a:rPr lang="en-US" altLang="ko-KR" sz="1500" b="1" dirty="0">
@@ -37862,7 +38559,7 @@
           <p:nvPr>
             <p:extLst>
               <p:ext uri="{D42A27DB-BD31-4B8C-83A1-F6EECF244321}">
-                <p14:modId xmlns:p14="http://schemas.microsoft.com/office/powerpoint/2010/main" val="2275761082"/>
+                <p14:modId xmlns:p14="http://schemas.microsoft.com/office/powerpoint/2010/main" val="3328265360"/>
               </p:ext>
             </p:extLst>
           </p:nvPr>
@@ -38219,7 +38916,7 @@
           <p:nvPr>
             <p:extLst>
               <p:ext uri="{D42A27DB-BD31-4B8C-83A1-F6EECF244321}">
-                <p14:modId xmlns:p14="http://schemas.microsoft.com/office/powerpoint/2010/main" val="489275782"/>
+                <p14:modId xmlns:p14="http://schemas.microsoft.com/office/powerpoint/2010/main" val="179788076"/>
               </p:ext>
             </p:extLst>
           </p:nvPr>
